--- a/论文增肌/论文图片.pptx
+++ b/论文增肌/论文图片.pptx
@@ -4,10 +4,15 @@
   <p:sldMasterIdLst>
     <p:sldMasterId id="2147483648" r:id="rId1"/>
   </p:sldMasterIdLst>
+  <p:notesMasterIdLst>
+    <p:notesMasterId r:id="rId7"/>
+  </p:notesMasterIdLst>
   <p:sldIdLst>
     <p:sldId id="257" r:id="rId2"/>
     <p:sldId id="259" r:id="rId3"/>
     <p:sldId id="258" r:id="rId4"/>
+    <p:sldId id="817" r:id="rId5"/>
+    <p:sldId id="818" r:id="rId6"/>
   </p:sldIdLst>
   <p:sldSz cx="12192000" cy="6858000"/>
   <p:notesSz cx="6858000" cy="9144000"/>
@@ -114,6 +119,865 @@
 </p:presentation>
 </file>
 
+<file path=ppt/notesMasters/notesMaster1.xml><?xml version="1.0" encoding="utf-8"?>
+<p:notesMaster xmlns:a="http://schemas.openxmlformats.org/drawingml/2006/main" xmlns:r="http://schemas.openxmlformats.org/officeDocument/2006/relationships" xmlns:p="http://schemas.openxmlformats.org/presentationml/2006/main">
+  <p:cSld>
+    <p:bg>
+      <p:bgRef idx="1001">
+        <a:schemeClr val="bg1"/>
+      </p:bgRef>
+    </p:bg>
+    <p:spTree>
+      <p:nvGrpSpPr>
+        <p:cNvPr id="1" name=""/>
+        <p:cNvGrpSpPr/>
+        <p:nvPr/>
+      </p:nvGrpSpPr>
+      <p:grpSpPr>
+        <a:xfrm>
+          <a:off x="0" y="0"/>
+          <a:ext cx="0" cy="0"/>
+          <a:chOff x="0" y="0"/>
+          <a:chExt cx="0" cy="0"/>
+        </a:xfrm>
+      </p:grpSpPr>
+      <p:sp>
+        <p:nvSpPr>
+          <p:cNvPr id="2" name="页眉占位符 1"/>
+          <p:cNvSpPr>
+            <a:spLocks noGrp="1"/>
+          </p:cNvSpPr>
+          <p:nvPr>
+            <p:ph type="hdr" sz="quarter"/>
+          </p:nvPr>
+        </p:nvSpPr>
+        <p:spPr>
+          <a:xfrm>
+            <a:off x="0" y="0"/>
+            <a:ext cx="2971800" cy="458788"/>
+          </a:xfrm>
+          <a:prstGeom prst="rect">
+            <a:avLst/>
+          </a:prstGeom>
+        </p:spPr>
+        <p:txBody>
+          <a:bodyPr vert="horz" lIns="91440" tIns="45720" rIns="91440" bIns="45720" rtlCol="0"/>
+          <a:lstStyle>
+            <a:lvl1pPr algn="l">
+              <a:defRPr sz="1200"/>
+            </a:lvl1pPr>
+          </a:lstStyle>
+          <a:p>
+            <a:endParaRPr lang="zh-CN" altLang="en-US"/>
+          </a:p>
+        </p:txBody>
+      </p:sp>
+      <p:sp>
+        <p:nvSpPr>
+          <p:cNvPr id="3" name="日期占位符 2"/>
+          <p:cNvSpPr>
+            <a:spLocks noGrp="1"/>
+          </p:cNvSpPr>
+          <p:nvPr>
+            <p:ph type="dt" idx="1"/>
+          </p:nvPr>
+        </p:nvSpPr>
+        <p:spPr>
+          <a:xfrm>
+            <a:off x="3884613" y="0"/>
+            <a:ext cx="2971800" cy="458788"/>
+          </a:xfrm>
+          <a:prstGeom prst="rect">
+            <a:avLst/>
+          </a:prstGeom>
+        </p:spPr>
+        <p:txBody>
+          <a:bodyPr vert="horz" lIns="91440" tIns="45720" rIns="91440" bIns="45720" rtlCol="0"/>
+          <a:lstStyle>
+            <a:lvl1pPr algn="r">
+              <a:defRPr sz="1200"/>
+            </a:lvl1pPr>
+          </a:lstStyle>
+          <a:p>
+            <a:fld id="{93177FDA-C7D4-4714-88BD-3B3F2E0AE79B}" type="datetimeFigureOut">
+              <a:rPr lang="zh-CN" altLang="en-US" smtClean="0"/>
+              <a:t>2018/4/30</a:t>
+            </a:fld>
+            <a:endParaRPr lang="zh-CN" altLang="en-US"/>
+          </a:p>
+        </p:txBody>
+      </p:sp>
+      <p:sp>
+        <p:nvSpPr>
+          <p:cNvPr id="4" name="幻灯片图像占位符 3"/>
+          <p:cNvSpPr>
+            <a:spLocks noGrp="1" noRot="1" noChangeAspect="1"/>
+          </p:cNvSpPr>
+          <p:nvPr>
+            <p:ph type="sldImg" idx="2"/>
+          </p:nvPr>
+        </p:nvSpPr>
+        <p:spPr>
+          <a:xfrm>
+            <a:off x="685800" y="1143000"/>
+            <a:ext cx="5486400" cy="3086100"/>
+          </a:xfrm>
+          <a:prstGeom prst="rect">
+            <a:avLst/>
+          </a:prstGeom>
+          <a:noFill/>
+          <a:ln w="12700">
+            <a:solidFill>
+              <a:prstClr val="black"/>
+            </a:solidFill>
+          </a:ln>
+        </p:spPr>
+        <p:txBody>
+          <a:bodyPr vert="horz" lIns="91440" tIns="45720" rIns="91440" bIns="45720" rtlCol="0" anchor="ctr"/>
+          <a:lstStyle/>
+          <a:p>
+            <a:endParaRPr lang="zh-CN" altLang="en-US"/>
+          </a:p>
+        </p:txBody>
+      </p:sp>
+      <p:sp>
+        <p:nvSpPr>
+          <p:cNvPr id="5" name="备注占位符 4"/>
+          <p:cNvSpPr>
+            <a:spLocks noGrp="1"/>
+          </p:cNvSpPr>
+          <p:nvPr>
+            <p:ph type="body" sz="quarter" idx="3"/>
+          </p:nvPr>
+        </p:nvSpPr>
+        <p:spPr>
+          <a:xfrm>
+            <a:off x="685800" y="4400550"/>
+            <a:ext cx="5486400" cy="3600450"/>
+          </a:xfrm>
+          <a:prstGeom prst="rect">
+            <a:avLst/>
+          </a:prstGeom>
+        </p:spPr>
+        <p:txBody>
+          <a:bodyPr vert="horz" lIns="91440" tIns="45720" rIns="91440" bIns="45720" rtlCol="0"/>
+          <a:lstStyle/>
+          <a:p>
+            <a:pPr lvl="0"/>
+            <a:r>
+              <a:rPr lang="zh-CN" altLang="en-US"/>
+              <a:t>编辑母版文本样式</a:t>
+            </a:r>
+          </a:p>
+          <a:p>
+            <a:pPr lvl="1"/>
+            <a:r>
+              <a:rPr lang="zh-CN" altLang="en-US"/>
+              <a:t>第二级</a:t>
+            </a:r>
+          </a:p>
+          <a:p>
+            <a:pPr lvl="2"/>
+            <a:r>
+              <a:rPr lang="zh-CN" altLang="en-US"/>
+              <a:t>第三级</a:t>
+            </a:r>
+          </a:p>
+          <a:p>
+            <a:pPr lvl="3"/>
+            <a:r>
+              <a:rPr lang="zh-CN" altLang="en-US"/>
+              <a:t>第四级</a:t>
+            </a:r>
+          </a:p>
+          <a:p>
+            <a:pPr lvl="4"/>
+            <a:r>
+              <a:rPr lang="zh-CN" altLang="en-US"/>
+              <a:t>第五级</a:t>
+            </a:r>
+          </a:p>
+        </p:txBody>
+      </p:sp>
+      <p:sp>
+        <p:nvSpPr>
+          <p:cNvPr id="6" name="页脚占位符 5"/>
+          <p:cNvSpPr>
+            <a:spLocks noGrp="1"/>
+          </p:cNvSpPr>
+          <p:nvPr>
+            <p:ph type="ftr" sz="quarter" idx="4"/>
+          </p:nvPr>
+        </p:nvSpPr>
+        <p:spPr>
+          <a:xfrm>
+            <a:off x="0" y="8685213"/>
+            <a:ext cx="2971800" cy="458787"/>
+          </a:xfrm>
+          <a:prstGeom prst="rect">
+            <a:avLst/>
+          </a:prstGeom>
+        </p:spPr>
+        <p:txBody>
+          <a:bodyPr vert="horz" lIns="91440" tIns="45720" rIns="91440" bIns="45720" rtlCol="0" anchor="b"/>
+          <a:lstStyle>
+            <a:lvl1pPr algn="l">
+              <a:defRPr sz="1200"/>
+            </a:lvl1pPr>
+          </a:lstStyle>
+          <a:p>
+            <a:endParaRPr lang="zh-CN" altLang="en-US"/>
+          </a:p>
+        </p:txBody>
+      </p:sp>
+      <p:sp>
+        <p:nvSpPr>
+          <p:cNvPr id="7" name="灯片编号占位符 6"/>
+          <p:cNvSpPr>
+            <a:spLocks noGrp="1"/>
+          </p:cNvSpPr>
+          <p:nvPr>
+            <p:ph type="sldNum" sz="quarter" idx="5"/>
+          </p:nvPr>
+        </p:nvSpPr>
+        <p:spPr>
+          <a:xfrm>
+            <a:off x="3884613" y="8685213"/>
+            <a:ext cx="2971800" cy="458787"/>
+          </a:xfrm>
+          <a:prstGeom prst="rect">
+            <a:avLst/>
+          </a:prstGeom>
+        </p:spPr>
+        <p:txBody>
+          <a:bodyPr vert="horz" lIns="91440" tIns="45720" rIns="91440" bIns="45720" rtlCol="0" anchor="b"/>
+          <a:lstStyle>
+            <a:lvl1pPr algn="r">
+              <a:defRPr sz="1200"/>
+            </a:lvl1pPr>
+          </a:lstStyle>
+          <a:p>
+            <a:fld id="{25888760-466F-41E1-906A-6DEF7BBFB107}" type="slidenum">
+              <a:rPr lang="zh-CN" altLang="en-US" smtClean="0"/>
+              <a:t>‹#›</a:t>
+            </a:fld>
+            <a:endParaRPr lang="zh-CN" altLang="en-US"/>
+          </a:p>
+        </p:txBody>
+      </p:sp>
+    </p:spTree>
+    <p:extLst>
+      <p:ext uri="{BB962C8B-B14F-4D97-AF65-F5344CB8AC3E}">
+        <p14:creationId xmlns:p14="http://schemas.microsoft.com/office/powerpoint/2010/main" val="1189365046"/>
+      </p:ext>
+    </p:extLst>
+  </p:cSld>
+  <p:clrMap bg1="lt1" tx1="dk1" bg2="lt2" tx2="dk2" accent1="accent1" accent2="accent2" accent3="accent3" accent4="accent4" accent5="accent5" accent6="accent6" hlink="hlink" folHlink="folHlink"/>
+  <p:notesStyle>
+    <a:lvl1pPr marL="0" algn="l" defTabSz="914400" rtl="0" eaLnBrk="1" latinLnBrk="0" hangingPunct="1">
+      <a:defRPr sz="1200" kern="1200">
+        <a:solidFill>
+          <a:schemeClr val="tx1"/>
+        </a:solidFill>
+        <a:latin typeface="+mn-lt"/>
+        <a:ea typeface="+mn-ea"/>
+        <a:cs typeface="+mn-cs"/>
+      </a:defRPr>
+    </a:lvl1pPr>
+    <a:lvl2pPr marL="457200" algn="l" defTabSz="914400" rtl="0" eaLnBrk="1" latinLnBrk="0" hangingPunct="1">
+      <a:defRPr sz="1200" kern="1200">
+        <a:solidFill>
+          <a:schemeClr val="tx1"/>
+        </a:solidFill>
+        <a:latin typeface="+mn-lt"/>
+        <a:ea typeface="+mn-ea"/>
+        <a:cs typeface="+mn-cs"/>
+      </a:defRPr>
+    </a:lvl2pPr>
+    <a:lvl3pPr marL="914400" algn="l" defTabSz="914400" rtl="0" eaLnBrk="1" latinLnBrk="0" hangingPunct="1">
+      <a:defRPr sz="1200" kern="1200">
+        <a:solidFill>
+          <a:schemeClr val="tx1"/>
+        </a:solidFill>
+        <a:latin typeface="+mn-lt"/>
+        <a:ea typeface="+mn-ea"/>
+        <a:cs typeface="+mn-cs"/>
+      </a:defRPr>
+    </a:lvl3pPr>
+    <a:lvl4pPr marL="1371600" algn="l" defTabSz="914400" rtl="0" eaLnBrk="1" latinLnBrk="0" hangingPunct="1">
+      <a:defRPr sz="1200" kern="1200">
+        <a:solidFill>
+          <a:schemeClr val="tx1"/>
+        </a:solidFill>
+        <a:latin typeface="+mn-lt"/>
+        <a:ea typeface="+mn-ea"/>
+        <a:cs typeface="+mn-cs"/>
+      </a:defRPr>
+    </a:lvl4pPr>
+    <a:lvl5pPr marL="1828800" algn="l" defTabSz="914400" rtl="0" eaLnBrk="1" latinLnBrk="0" hangingPunct="1">
+      <a:defRPr sz="1200" kern="1200">
+        <a:solidFill>
+          <a:schemeClr val="tx1"/>
+        </a:solidFill>
+        <a:latin typeface="+mn-lt"/>
+        <a:ea typeface="+mn-ea"/>
+        <a:cs typeface="+mn-cs"/>
+      </a:defRPr>
+    </a:lvl5pPr>
+    <a:lvl6pPr marL="2286000" algn="l" defTabSz="914400" rtl="0" eaLnBrk="1" latinLnBrk="0" hangingPunct="1">
+      <a:defRPr sz="1200" kern="1200">
+        <a:solidFill>
+          <a:schemeClr val="tx1"/>
+        </a:solidFill>
+        <a:latin typeface="+mn-lt"/>
+        <a:ea typeface="+mn-ea"/>
+        <a:cs typeface="+mn-cs"/>
+      </a:defRPr>
+    </a:lvl6pPr>
+    <a:lvl7pPr marL="2743200" algn="l" defTabSz="914400" rtl="0" eaLnBrk="1" latinLnBrk="0" hangingPunct="1">
+      <a:defRPr sz="1200" kern="1200">
+        <a:solidFill>
+          <a:schemeClr val="tx1"/>
+        </a:solidFill>
+        <a:latin typeface="+mn-lt"/>
+        <a:ea typeface="+mn-ea"/>
+        <a:cs typeface="+mn-cs"/>
+      </a:defRPr>
+    </a:lvl7pPr>
+    <a:lvl8pPr marL="3200400" algn="l" defTabSz="914400" rtl="0" eaLnBrk="1" latinLnBrk="0" hangingPunct="1">
+      <a:defRPr sz="1200" kern="1200">
+        <a:solidFill>
+          <a:schemeClr val="tx1"/>
+        </a:solidFill>
+        <a:latin typeface="+mn-lt"/>
+        <a:ea typeface="+mn-ea"/>
+        <a:cs typeface="+mn-cs"/>
+      </a:defRPr>
+    </a:lvl8pPr>
+    <a:lvl9pPr marL="3657600" algn="l" defTabSz="914400" rtl="0" eaLnBrk="1" latinLnBrk="0" hangingPunct="1">
+      <a:defRPr sz="1200" kern="1200">
+        <a:solidFill>
+          <a:schemeClr val="tx1"/>
+        </a:solidFill>
+        <a:latin typeface="+mn-lt"/>
+        <a:ea typeface="+mn-ea"/>
+        <a:cs typeface="+mn-cs"/>
+      </a:defRPr>
+    </a:lvl9pPr>
+  </p:notesStyle>
+</p:notesMaster>
+</file>
+
+<file path=ppt/notesSlides/notesSlide1.xml><?xml version="1.0" encoding="utf-8"?>
+<p:notes xmlns:a="http://schemas.openxmlformats.org/drawingml/2006/main" xmlns:r="http://schemas.openxmlformats.org/officeDocument/2006/relationships" xmlns:p="http://schemas.openxmlformats.org/presentationml/2006/main">
+  <p:cSld>
+    <p:spTree>
+      <p:nvGrpSpPr>
+        <p:cNvPr id="1" name=""/>
+        <p:cNvGrpSpPr/>
+        <p:nvPr/>
+      </p:nvGrpSpPr>
+      <p:grpSpPr>
+        <a:xfrm>
+          <a:off x="0" y="0"/>
+          <a:ext cx="0" cy="0"/>
+          <a:chOff x="0" y="0"/>
+          <a:chExt cx="0" cy="0"/>
+        </a:xfrm>
+      </p:grpSpPr>
+      <p:sp>
+        <p:nvSpPr>
+          <p:cNvPr id="2" name="幻灯片图像占位符 1"/>
+          <p:cNvSpPr>
+            <a:spLocks noGrp="1" noRot="1" noChangeAspect="1"/>
+          </p:cNvSpPr>
+          <p:nvPr>
+            <p:ph type="sldImg"/>
+          </p:nvPr>
+        </p:nvSpPr>
+        <p:spPr/>
+      </p:sp>
+      <p:sp>
+        <p:nvSpPr>
+          <p:cNvPr id="3" name="备注占位符 2"/>
+          <p:cNvSpPr>
+            <a:spLocks noGrp="1"/>
+          </p:cNvSpPr>
+          <p:nvPr>
+            <p:ph type="body" idx="1"/>
+          </p:nvPr>
+        </p:nvSpPr>
+        <p:spPr/>
+        <p:txBody>
+          <a:bodyPr/>
+          <a:lstStyle/>
+          <a:p>
+            <a:r>
+              <a:rPr lang="zh-CN" altLang="en-US" sz="1200" kern="1200" dirty="0">
+                <a:solidFill>
+                  <a:schemeClr val="tx1"/>
+                </a:solidFill>
+                <a:effectLst/>
+                <a:latin typeface="+mn-lt"/>
+                <a:ea typeface="+mn-ea"/>
+                <a:cs typeface="+mn-cs"/>
+              </a:rPr>
+              <a:t>熵是参数无序程度的表征，互信息是基于熵提出来两个参数之间信息共享程度的表征。</a:t>
+            </a:r>
+            <a:endParaRPr lang="en-US" altLang="zh-CN" sz="1200" kern="1200" dirty="0">
+              <a:solidFill>
+                <a:schemeClr val="tx1"/>
+              </a:solidFill>
+              <a:effectLst/>
+              <a:latin typeface="+mn-lt"/>
+              <a:ea typeface="+mn-ea"/>
+              <a:cs typeface="+mn-cs"/>
+            </a:endParaRPr>
+          </a:p>
+          <a:p>
+            <a:endParaRPr lang="en-US" altLang="zh-CN" sz="1200" kern="1200" dirty="0">
+              <a:solidFill>
+                <a:schemeClr val="tx1"/>
+              </a:solidFill>
+              <a:effectLst/>
+              <a:latin typeface="+mn-lt"/>
+              <a:ea typeface="+mn-ea"/>
+              <a:cs typeface="+mn-cs"/>
+            </a:endParaRPr>
+          </a:p>
+          <a:p>
+            <a:r>
+              <a:rPr lang="zh-CN" altLang="en-US" sz="1200" kern="1200" dirty="0">
+                <a:solidFill>
+                  <a:schemeClr val="tx1"/>
+                </a:solidFill>
+                <a:effectLst/>
+                <a:latin typeface="+mn-lt"/>
+                <a:ea typeface="+mn-ea"/>
+                <a:cs typeface="+mn-cs"/>
+              </a:rPr>
+              <a:t>基于互信息提出了指标优选算法的目标优化函数，该函数可解读为参数之间的相关性度量</a:t>
+            </a:r>
+            <a:r>
+              <a:rPr lang="en-US" sz="1200" kern="1200" dirty="0">
+                <a:solidFill>
+                  <a:schemeClr val="tx1"/>
+                </a:solidFill>
+                <a:effectLst/>
+                <a:latin typeface="+mn-lt"/>
+                <a:ea typeface="+mn-ea"/>
+                <a:cs typeface="+mn-cs"/>
+              </a:rPr>
+              <a:t> + </a:t>
+            </a:r>
+            <a:r>
+              <a:rPr lang="zh-CN" altLang="en-US" sz="1200" kern="1200" dirty="0">
+                <a:solidFill>
+                  <a:schemeClr val="tx1"/>
+                </a:solidFill>
+                <a:effectLst/>
+                <a:latin typeface="+mn-lt"/>
+                <a:ea typeface="+mn-ea"/>
+                <a:cs typeface="+mn-cs"/>
+              </a:rPr>
+              <a:t>互补性度量 </a:t>
+            </a:r>
+            <a:r>
+              <a:rPr lang="en-US" sz="1200" kern="1200" dirty="0">
+                <a:solidFill>
+                  <a:schemeClr val="tx1"/>
+                </a:solidFill>
+                <a:effectLst/>
+                <a:latin typeface="+mn-lt"/>
+                <a:ea typeface="+mn-ea"/>
+                <a:cs typeface="+mn-cs"/>
+              </a:rPr>
+              <a:t>– </a:t>
+            </a:r>
+            <a:r>
+              <a:rPr lang="zh-CN" altLang="en-US" sz="1200" kern="1200" dirty="0">
+                <a:solidFill>
+                  <a:schemeClr val="tx1"/>
+                </a:solidFill>
+                <a:effectLst/>
+                <a:latin typeface="+mn-lt"/>
+                <a:ea typeface="+mn-ea"/>
+                <a:cs typeface="+mn-cs"/>
+              </a:rPr>
+              <a:t>冗余性度量。</a:t>
+            </a:r>
+            <a:endParaRPr lang="en-US" sz="1200" kern="1200" dirty="0">
+              <a:solidFill>
+                <a:schemeClr val="tx1"/>
+              </a:solidFill>
+              <a:effectLst/>
+              <a:latin typeface="+mn-lt"/>
+              <a:ea typeface="+mn-ea"/>
+              <a:cs typeface="+mn-cs"/>
+            </a:endParaRPr>
+          </a:p>
+          <a:p>
+            <a:endParaRPr lang="en-US" altLang="zh-CN" sz="1200" kern="1200" dirty="0">
+              <a:solidFill>
+                <a:schemeClr val="tx1"/>
+              </a:solidFill>
+              <a:effectLst/>
+              <a:latin typeface="+mn-lt"/>
+              <a:ea typeface="+mn-ea"/>
+              <a:cs typeface="+mn-cs"/>
+            </a:endParaRPr>
+          </a:p>
+          <a:p>
+            <a:r>
+              <a:rPr lang="zh-CN" altLang="en-US" sz="1200" kern="1200" dirty="0">
+                <a:solidFill>
+                  <a:schemeClr val="tx1"/>
+                </a:solidFill>
+                <a:effectLst/>
+                <a:latin typeface="+mn-lt"/>
+                <a:ea typeface="+mn-ea"/>
+                <a:cs typeface="+mn-cs"/>
+              </a:rPr>
+              <a:t>在目标优化函数的基础上采用序列搜索算法进行指标优选，当考核指标</a:t>
+            </a:r>
+            <a:r>
+              <a:rPr lang="en-US" sz="1200" kern="1200" dirty="0" err="1">
+                <a:solidFill>
+                  <a:schemeClr val="tx1"/>
+                </a:solidFill>
+                <a:effectLst/>
+                <a:latin typeface="+mn-lt"/>
+                <a:ea typeface="+mn-ea"/>
+                <a:cs typeface="+mn-cs"/>
+              </a:rPr>
+              <a:t>Xk</a:t>
+            </a:r>
+            <a:r>
+              <a:rPr lang="zh-CN" altLang="en-US" sz="1200" kern="1200" dirty="0">
+                <a:solidFill>
+                  <a:schemeClr val="tx1"/>
+                </a:solidFill>
+                <a:effectLst/>
+                <a:latin typeface="+mn-lt"/>
+                <a:ea typeface="+mn-ea"/>
+                <a:cs typeface="+mn-cs"/>
+              </a:rPr>
+              <a:t>提升优化目标时，选入该指标，反之，则剔除该指标。</a:t>
+            </a:r>
+            <a:endParaRPr lang="en-US" altLang="zh-CN" sz="1200" kern="1200" dirty="0">
+              <a:solidFill>
+                <a:schemeClr val="tx1"/>
+              </a:solidFill>
+              <a:effectLst/>
+              <a:latin typeface="+mn-lt"/>
+              <a:ea typeface="+mn-ea"/>
+              <a:cs typeface="+mn-cs"/>
+            </a:endParaRPr>
+          </a:p>
+          <a:p>
+            <a:endParaRPr lang="en-US" altLang="zh-CN" sz="1200" kern="1200" dirty="0">
+              <a:solidFill>
+                <a:schemeClr val="tx1"/>
+              </a:solidFill>
+              <a:effectLst/>
+              <a:latin typeface="+mn-lt"/>
+              <a:ea typeface="+mn-ea"/>
+              <a:cs typeface="+mn-cs"/>
+            </a:endParaRPr>
+          </a:p>
+          <a:p>
+            <a:r>
+              <a:rPr lang="zh-CN" altLang="en-US" sz="1200" kern="1200" dirty="0">
+                <a:solidFill>
+                  <a:schemeClr val="tx1"/>
+                </a:solidFill>
+                <a:effectLst/>
+                <a:latin typeface="+mn-lt"/>
+                <a:ea typeface="+mn-ea"/>
+                <a:cs typeface="+mn-cs"/>
+              </a:rPr>
+              <a:t>本课题采用的该算法可在相关性、冗余度和互补性之间可取得较好的平衡，更优的表达不同分类间的特性差异，提高分类精度。</a:t>
+            </a:r>
+            <a:endParaRPr lang="en-US" sz="1200" kern="1200" dirty="0">
+              <a:solidFill>
+                <a:schemeClr val="tx1"/>
+              </a:solidFill>
+              <a:effectLst/>
+              <a:latin typeface="+mn-lt"/>
+              <a:ea typeface="+mn-ea"/>
+              <a:cs typeface="+mn-cs"/>
+            </a:endParaRPr>
+          </a:p>
+        </p:txBody>
+      </p:sp>
+    </p:spTree>
+    <p:extLst>
+      <p:ext uri="{BB962C8B-B14F-4D97-AF65-F5344CB8AC3E}">
+        <p14:creationId xmlns:p14="http://schemas.microsoft.com/office/powerpoint/2010/main" val="3726722389"/>
+      </p:ext>
+    </p:extLst>
+  </p:cSld>
+  <p:clrMapOvr>
+    <a:masterClrMapping/>
+  </p:clrMapOvr>
+</p:notes>
+</file>
+
+<file path=ppt/notesSlides/notesSlide2.xml><?xml version="1.0" encoding="utf-8"?>
+<p:notes xmlns:a="http://schemas.openxmlformats.org/drawingml/2006/main" xmlns:r="http://schemas.openxmlformats.org/officeDocument/2006/relationships" xmlns:p="http://schemas.openxmlformats.org/presentationml/2006/main">
+  <p:cSld>
+    <p:spTree>
+      <p:nvGrpSpPr>
+        <p:cNvPr id="1" name=""/>
+        <p:cNvGrpSpPr/>
+        <p:nvPr/>
+      </p:nvGrpSpPr>
+      <p:grpSpPr>
+        <a:xfrm>
+          <a:off x="0" y="0"/>
+          <a:ext cx="0" cy="0"/>
+          <a:chOff x="0" y="0"/>
+          <a:chExt cx="0" cy="0"/>
+        </a:xfrm>
+      </p:grpSpPr>
+      <p:sp>
+        <p:nvSpPr>
+          <p:cNvPr id="2" name="幻灯片图像占位符 1"/>
+          <p:cNvSpPr>
+            <a:spLocks noGrp="1" noRot="1" noChangeAspect="1"/>
+          </p:cNvSpPr>
+          <p:nvPr>
+            <p:ph type="sldImg"/>
+          </p:nvPr>
+        </p:nvSpPr>
+        <p:spPr/>
+      </p:sp>
+      <p:sp>
+        <p:nvSpPr>
+          <p:cNvPr id="3" name="备注占位符 2"/>
+          <p:cNvSpPr>
+            <a:spLocks noGrp="1"/>
+          </p:cNvSpPr>
+          <p:nvPr>
+            <p:ph type="body" idx="1"/>
+          </p:nvPr>
+        </p:nvSpPr>
+        <p:spPr/>
+        <p:txBody>
+          <a:bodyPr/>
+          <a:lstStyle/>
+          <a:p>
+            <a:r>
+              <a:rPr lang="zh-CN" altLang="en-US" sz="1200" kern="1200" dirty="0">
+                <a:solidFill>
+                  <a:schemeClr val="tx1"/>
+                </a:solidFill>
+                <a:effectLst/>
+                <a:latin typeface="+mn-lt"/>
+                <a:ea typeface="+mn-ea"/>
+                <a:cs typeface="+mn-cs"/>
+              </a:rPr>
+              <a:t>熵是参数无序程度的表征，互信息是基于熵提出来两个参数之间信息共享程度的表征。</a:t>
+            </a:r>
+            <a:endParaRPr lang="en-US" altLang="zh-CN" sz="1200" kern="1200" dirty="0">
+              <a:solidFill>
+                <a:schemeClr val="tx1"/>
+              </a:solidFill>
+              <a:effectLst/>
+              <a:latin typeface="+mn-lt"/>
+              <a:ea typeface="+mn-ea"/>
+              <a:cs typeface="+mn-cs"/>
+            </a:endParaRPr>
+          </a:p>
+          <a:p>
+            <a:endParaRPr lang="en-US" altLang="zh-CN" sz="1200" kern="1200" dirty="0">
+              <a:solidFill>
+                <a:schemeClr val="tx1"/>
+              </a:solidFill>
+              <a:effectLst/>
+              <a:latin typeface="+mn-lt"/>
+              <a:ea typeface="+mn-ea"/>
+              <a:cs typeface="+mn-cs"/>
+            </a:endParaRPr>
+          </a:p>
+          <a:p>
+            <a:r>
+              <a:rPr lang="zh-CN" altLang="en-US" sz="1200" kern="1200" dirty="0">
+                <a:solidFill>
+                  <a:schemeClr val="tx1"/>
+                </a:solidFill>
+                <a:effectLst/>
+                <a:latin typeface="+mn-lt"/>
+                <a:ea typeface="+mn-ea"/>
+                <a:cs typeface="+mn-cs"/>
+              </a:rPr>
+              <a:t>基于互信息提出了指标优选算法的目标优化函数，该函数可解读为参数之间的相关性度量</a:t>
+            </a:r>
+            <a:r>
+              <a:rPr lang="en-US" sz="1200" kern="1200" dirty="0">
+                <a:solidFill>
+                  <a:schemeClr val="tx1"/>
+                </a:solidFill>
+                <a:effectLst/>
+                <a:latin typeface="+mn-lt"/>
+                <a:ea typeface="+mn-ea"/>
+                <a:cs typeface="+mn-cs"/>
+              </a:rPr>
+              <a:t> + </a:t>
+            </a:r>
+            <a:r>
+              <a:rPr lang="zh-CN" altLang="en-US" sz="1200" kern="1200" dirty="0">
+                <a:solidFill>
+                  <a:schemeClr val="tx1"/>
+                </a:solidFill>
+                <a:effectLst/>
+                <a:latin typeface="+mn-lt"/>
+                <a:ea typeface="+mn-ea"/>
+                <a:cs typeface="+mn-cs"/>
+              </a:rPr>
+              <a:t>互补性度量 </a:t>
+            </a:r>
+            <a:r>
+              <a:rPr lang="en-US" sz="1200" kern="1200" dirty="0">
+                <a:solidFill>
+                  <a:schemeClr val="tx1"/>
+                </a:solidFill>
+                <a:effectLst/>
+                <a:latin typeface="+mn-lt"/>
+                <a:ea typeface="+mn-ea"/>
+                <a:cs typeface="+mn-cs"/>
+              </a:rPr>
+              <a:t>– </a:t>
+            </a:r>
+            <a:r>
+              <a:rPr lang="zh-CN" altLang="en-US" sz="1200" kern="1200" dirty="0">
+                <a:solidFill>
+                  <a:schemeClr val="tx1"/>
+                </a:solidFill>
+                <a:effectLst/>
+                <a:latin typeface="+mn-lt"/>
+                <a:ea typeface="+mn-ea"/>
+                <a:cs typeface="+mn-cs"/>
+              </a:rPr>
+              <a:t>冗余性度量。</a:t>
+            </a:r>
+            <a:endParaRPr lang="en-US" sz="1200" kern="1200" dirty="0">
+              <a:solidFill>
+                <a:schemeClr val="tx1"/>
+              </a:solidFill>
+              <a:effectLst/>
+              <a:latin typeface="+mn-lt"/>
+              <a:ea typeface="+mn-ea"/>
+              <a:cs typeface="+mn-cs"/>
+            </a:endParaRPr>
+          </a:p>
+          <a:p>
+            <a:endParaRPr lang="en-US" altLang="zh-CN" sz="1200" kern="1200" dirty="0">
+              <a:solidFill>
+                <a:schemeClr val="tx1"/>
+              </a:solidFill>
+              <a:effectLst/>
+              <a:latin typeface="+mn-lt"/>
+              <a:ea typeface="+mn-ea"/>
+              <a:cs typeface="+mn-cs"/>
+            </a:endParaRPr>
+          </a:p>
+          <a:p>
+            <a:r>
+              <a:rPr lang="zh-CN" altLang="en-US" sz="1200" kern="1200" dirty="0">
+                <a:solidFill>
+                  <a:schemeClr val="tx1"/>
+                </a:solidFill>
+                <a:effectLst/>
+                <a:latin typeface="+mn-lt"/>
+                <a:ea typeface="+mn-ea"/>
+                <a:cs typeface="+mn-cs"/>
+              </a:rPr>
+              <a:t>在目标优化函数的基础上采用序列搜索算法进行指标优选，当考核指标</a:t>
+            </a:r>
+            <a:r>
+              <a:rPr lang="en-US" sz="1200" kern="1200" dirty="0" err="1">
+                <a:solidFill>
+                  <a:schemeClr val="tx1"/>
+                </a:solidFill>
+                <a:effectLst/>
+                <a:latin typeface="+mn-lt"/>
+                <a:ea typeface="+mn-ea"/>
+                <a:cs typeface="+mn-cs"/>
+              </a:rPr>
+              <a:t>Xk</a:t>
+            </a:r>
+            <a:r>
+              <a:rPr lang="zh-CN" altLang="en-US" sz="1200" kern="1200" dirty="0">
+                <a:solidFill>
+                  <a:schemeClr val="tx1"/>
+                </a:solidFill>
+                <a:effectLst/>
+                <a:latin typeface="+mn-lt"/>
+                <a:ea typeface="+mn-ea"/>
+                <a:cs typeface="+mn-cs"/>
+              </a:rPr>
+              <a:t>提升优化目标时，选入该指标，反之，则剔除该指标。</a:t>
+            </a:r>
+            <a:endParaRPr lang="en-US" altLang="zh-CN" sz="1200" kern="1200" dirty="0">
+              <a:solidFill>
+                <a:schemeClr val="tx1"/>
+              </a:solidFill>
+              <a:effectLst/>
+              <a:latin typeface="+mn-lt"/>
+              <a:ea typeface="+mn-ea"/>
+              <a:cs typeface="+mn-cs"/>
+            </a:endParaRPr>
+          </a:p>
+          <a:p>
+            <a:endParaRPr lang="en-US" altLang="zh-CN" sz="1200" kern="1200" dirty="0">
+              <a:solidFill>
+                <a:schemeClr val="tx1"/>
+              </a:solidFill>
+              <a:effectLst/>
+              <a:latin typeface="+mn-lt"/>
+              <a:ea typeface="+mn-ea"/>
+              <a:cs typeface="+mn-cs"/>
+            </a:endParaRPr>
+          </a:p>
+          <a:p>
+            <a:r>
+              <a:rPr lang="zh-CN" altLang="en-US" sz="1200" kern="1200" dirty="0">
+                <a:solidFill>
+                  <a:schemeClr val="tx1"/>
+                </a:solidFill>
+                <a:effectLst/>
+                <a:latin typeface="+mn-lt"/>
+                <a:ea typeface="+mn-ea"/>
+                <a:cs typeface="+mn-cs"/>
+              </a:rPr>
+              <a:t>本课题采用的该算法可在相关性、冗余度和互补性之间可取得较好的平衡，更优的表达不同分类间的特性差异，提高分类精度。</a:t>
+            </a:r>
+            <a:endParaRPr lang="en-US" sz="1200" kern="1200" dirty="0">
+              <a:solidFill>
+                <a:schemeClr val="tx1"/>
+              </a:solidFill>
+              <a:effectLst/>
+              <a:latin typeface="+mn-lt"/>
+              <a:ea typeface="+mn-ea"/>
+              <a:cs typeface="+mn-cs"/>
+            </a:endParaRPr>
+          </a:p>
+        </p:txBody>
+      </p:sp>
+    </p:spTree>
+    <p:extLst>
+      <p:ext uri="{BB962C8B-B14F-4D97-AF65-F5344CB8AC3E}">
+        <p14:creationId xmlns:p14="http://schemas.microsoft.com/office/powerpoint/2010/main" val="1577281759"/>
+      </p:ext>
+    </p:extLst>
+  </p:cSld>
+  <p:clrMapOvr>
+    <a:masterClrMapping/>
+  </p:clrMapOvr>
+</p:notes>
+</file>
+
 <file path=ppt/slideLayouts/slideLayout1.xml><?xml version="1.0" encoding="utf-8"?>
 <p:sldLayout xmlns:a="http://schemas.openxmlformats.org/drawingml/2006/main" xmlns:r="http://schemas.openxmlformats.org/officeDocument/2006/relationships" xmlns:p="http://schemas.openxmlformats.org/presentationml/2006/main" type="title" preserve="1">
   <p:cSld name="标题幻灯片">
@@ -243,7 +1107,7 @@
           <a:p>
             <a:fld id="{D997B5FA-0921-464F-AAE1-844C04324D75}" type="datetimeFigureOut">
               <a:rPr lang="zh-CN" altLang="en-US" smtClean="0"/>
-              <a:t>2018/4/27</a:t>
+              <a:t>2018/4/30</a:t>
             </a:fld>
             <a:endParaRPr lang="zh-CN" altLang="en-US"/>
           </a:p>
@@ -406,7 +1270,7 @@
           <a:p>
             <a:fld id="{D997B5FA-0921-464F-AAE1-844C04324D75}" type="datetimeFigureOut">
               <a:rPr lang="zh-CN" altLang="en-US" smtClean="0"/>
-              <a:t>2018/4/27</a:t>
+              <a:t>2018/4/30</a:t>
             </a:fld>
             <a:endParaRPr lang="zh-CN" altLang="en-US"/>
           </a:p>
@@ -579,7 +1443,7 @@
           <a:p>
             <a:fld id="{D997B5FA-0921-464F-AAE1-844C04324D75}" type="datetimeFigureOut">
               <a:rPr lang="zh-CN" altLang="en-US" smtClean="0"/>
-              <a:t>2018/4/27</a:t>
+              <a:t>2018/4/30</a:t>
             </a:fld>
             <a:endParaRPr lang="zh-CN" altLang="en-US"/>
           </a:p>
@@ -742,7 +1606,7 @@
           <a:p>
             <a:fld id="{D997B5FA-0921-464F-AAE1-844C04324D75}" type="datetimeFigureOut">
               <a:rPr lang="zh-CN" altLang="en-US" smtClean="0"/>
-              <a:t>2018/4/27</a:t>
+              <a:t>2018/4/30</a:t>
             </a:fld>
             <a:endParaRPr lang="zh-CN" altLang="en-US"/>
           </a:p>
@@ -982,7 +1846,7 @@
           <a:p>
             <a:fld id="{D997B5FA-0921-464F-AAE1-844C04324D75}" type="datetimeFigureOut">
               <a:rPr lang="zh-CN" altLang="en-US" smtClean="0"/>
-              <a:t>2018/4/27</a:t>
+              <a:t>2018/4/30</a:t>
             </a:fld>
             <a:endParaRPr lang="zh-CN" altLang="en-US"/>
           </a:p>
@@ -1206,7 +2070,7 @@
           <a:p>
             <a:fld id="{D997B5FA-0921-464F-AAE1-844C04324D75}" type="datetimeFigureOut">
               <a:rPr lang="zh-CN" altLang="en-US" smtClean="0"/>
-              <a:t>2018/4/27</a:t>
+              <a:t>2018/4/30</a:t>
             </a:fld>
             <a:endParaRPr lang="zh-CN" altLang="en-US"/>
           </a:p>
@@ -1565,7 +2429,7 @@
           <a:p>
             <a:fld id="{D997B5FA-0921-464F-AAE1-844C04324D75}" type="datetimeFigureOut">
               <a:rPr lang="zh-CN" altLang="en-US" smtClean="0"/>
-              <a:t>2018/4/27</a:t>
+              <a:t>2018/4/30</a:t>
             </a:fld>
             <a:endParaRPr lang="zh-CN" altLang="en-US"/>
           </a:p>
@@ -1677,7 +2541,7 @@
           <a:p>
             <a:fld id="{D997B5FA-0921-464F-AAE1-844C04324D75}" type="datetimeFigureOut">
               <a:rPr lang="zh-CN" altLang="en-US" smtClean="0"/>
-              <a:t>2018/4/27</a:t>
+              <a:t>2018/4/30</a:t>
             </a:fld>
             <a:endParaRPr lang="zh-CN" altLang="en-US"/>
           </a:p>
@@ -1767,7 +2631,7 @@
           <a:p>
             <a:fld id="{D997B5FA-0921-464F-AAE1-844C04324D75}" type="datetimeFigureOut">
               <a:rPr lang="zh-CN" altLang="en-US" smtClean="0"/>
-              <a:t>2018/4/27</a:t>
+              <a:t>2018/4/30</a:t>
             </a:fld>
             <a:endParaRPr lang="zh-CN" altLang="en-US"/>
           </a:p>
@@ -2037,7 +2901,7 @@
           <a:p>
             <a:fld id="{D997B5FA-0921-464F-AAE1-844C04324D75}" type="datetimeFigureOut">
               <a:rPr lang="zh-CN" altLang="en-US" smtClean="0"/>
-              <a:t>2018/4/27</a:t>
+              <a:t>2018/4/30</a:t>
             </a:fld>
             <a:endParaRPr lang="zh-CN" altLang="en-US"/>
           </a:p>
@@ -2284,7 +3148,7 @@
           <a:p>
             <a:fld id="{D997B5FA-0921-464F-AAE1-844C04324D75}" type="datetimeFigureOut">
               <a:rPr lang="zh-CN" altLang="en-US" smtClean="0"/>
-              <a:t>2018/4/27</a:t>
+              <a:t>2018/4/30</a:t>
             </a:fld>
             <a:endParaRPr lang="zh-CN" altLang="en-US"/>
           </a:p>
@@ -2490,7 +3354,7 @@
           <a:p>
             <a:fld id="{D997B5FA-0921-464F-AAE1-844C04324D75}" type="datetimeFigureOut">
               <a:rPr lang="zh-CN" altLang="en-US" smtClean="0"/>
-              <a:t>2018/4/27</a:t>
+              <a:t>2018/4/30</a:t>
             </a:fld>
             <a:endParaRPr lang="zh-CN" altLang="en-US"/>
           </a:p>
@@ -3395,6 +4259,7953 @@
 </p:sld>
 </file>
 
+<file path=ppt/slides/slide4.xml><?xml version="1.0" encoding="utf-8"?>
+<p:sld xmlns:a="http://schemas.openxmlformats.org/drawingml/2006/main" xmlns:r="http://schemas.openxmlformats.org/officeDocument/2006/relationships" xmlns:p="http://schemas.openxmlformats.org/presentationml/2006/main">
+  <p:cSld>
+    <p:spTree>
+      <p:nvGrpSpPr>
+        <p:cNvPr id="1" name=""/>
+        <p:cNvGrpSpPr/>
+        <p:nvPr/>
+      </p:nvGrpSpPr>
+      <p:grpSpPr>
+        <a:xfrm>
+          <a:off x="0" y="0"/>
+          <a:ext cx="0" cy="0"/>
+          <a:chOff x="0" y="0"/>
+          <a:chExt cx="0" cy="0"/>
+        </a:xfrm>
+      </p:grpSpPr>
+      <p:pic>
+        <p:nvPicPr>
+          <p:cNvPr id="1030" name="Picture 6"/>
+          <p:cNvPicPr>
+            <a:picLocks noChangeAspect="1" noChangeArrowheads="1"/>
+          </p:cNvPicPr>
+          <p:nvPr/>
+        </p:nvPicPr>
+        <p:blipFill>
+          <a:blip r:embed="rId3">
+            <a:extLst>
+              <a:ext uri="{28A0092B-C50C-407E-A947-70E740481C1C}">
+                <a14:useLocalDpi xmlns:a14="http://schemas.microsoft.com/office/drawing/2010/main" val="0"/>
+              </a:ext>
+            </a:extLst>
+          </a:blip>
+          <a:srcRect/>
+          <a:stretch>
+            <a:fillRect/>
+          </a:stretch>
+        </p:blipFill>
+        <p:spPr bwMode="auto">
+          <a:xfrm>
+            <a:off x="1524000" y="0"/>
+            <a:ext cx="9144000" cy="685800"/>
+          </a:xfrm>
+          <a:prstGeom prst="rect">
+            <a:avLst/>
+          </a:prstGeom>
+          <a:noFill/>
+          <a:ln>
+            <a:noFill/>
+          </a:ln>
+          <a:effectLst/>
+          <a:extLst>
+            <a:ext uri="{909E8E84-426E-40DD-AFC4-6F175D3DCCD1}">
+              <a14:hiddenFill xmlns:a14="http://schemas.microsoft.com/office/drawing/2010/main">
+                <a:solidFill>
+                  <a:schemeClr val="accent1"/>
+                </a:solidFill>
+              </a14:hiddenFill>
+            </a:ext>
+            <a:ext uri="{91240B29-F687-4F45-9708-019B960494DF}">
+              <a14:hiddenLine xmlns:a14="http://schemas.microsoft.com/office/drawing/2010/main" w="9525">
+                <a:solidFill>
+                  <a:schemeClr val="tx1"/>
+                </a:solidFill>
+                <a:miter lim="800000"/>
+                <a:headEnd/>
+                <a:tailEnd/>
+              </a14:hiddenLine>
+            </a:ext>
+            <a:ext uri="{AF507438-7753-43E0-B8FC-AC1667EBCBE1}">
+              <a14:hiddenEffects xmlns:a14="http://schemas.microsoft.com/office/drawing/2010/main">
+                <a:effectLst>
+                  <a:outerShdw dist="35921" dir="2700000" algn="ctr" rotWithShape="0">
+                    <a:schemeClr val="bg2"/>
+                  </a:outerShdw>
+                </a:effectLst>
+              </a14:hiddenEffects>
+            </a:ext>
+          </a:extLst>
+        </p:spPr>
+      </p:pic>
+      <p:sp>
+        <p:nvSpPr>
+          <p:cNvPr id="2" name="TextBox 1"/>
+          <p:cNvSpPr txBox="1"/>
+          <p:nvPr/>
+        </p:nvSpPr>
+        <p:spPr>
+          <a:xfrm>
+            <a:off x="1919536" y="142845"/>
+            <a:ext cx="8348415" cy="400110"/>
+          </a:xfrm>
+          <a:prstGeom prst="rect">
+            <a:avLst/>
+          </a:prstGeom>
+          <a:noFill/>
+        </p:spPr>
+        <p:txBody>
+          <a:bodyPr wrap="square" rtlCol="0">
+            <a:spAutoFit/>
+          </a:bodyPr>
+          <a:lstStyle/>
+          <a:p>
+            <a:r>
+              <a:rPr lang="zh-CN" altLang="en-US" sz="2000" b="1" dirty="0">
+                <a:solidFill>
+                  <a:srgbClr val="FFFFFF"/>
+                </a:solidFill>
+                <a:effectLst>
+                  <a:outerShdw blurRad="38100" dist="38100" dir="2700000" algn="tl">
+                    <a:srgbClr val="000000">
+                      <a:alpha val="43137"/>
+                    </a:srgbClr>
+                  </a:outerShdw>
+                </a:effectLst>
+                <a:latin typeface="微软雅黑" pitchFamily="34" charset="-122"/>
+                <a:ea typeface="微软雅黑" pitchFamily="34" charset="-122"/>
+              </a:rPr>
+              <a:t>二、基于模式转移特性的驾驶风格评测</a:t>
+            </a:r>
+          </a:p>
+        </p:txBody>
+      </p:sp>
+      <p:sp>
+        <p:nvSpPr>
+          <p:cNvPr id="7" name="矩形 6"/>
+          <p:cNvSpPr/>
+          <p:nvPr/>
+        </p:nvSpPr>
+        <p:spPr>
+          <a:xfrm>
+            <a:off x="1524000" y="6789944"/>
+            <a:ext cx="9144000" cy="68056"/>
+          </a:xfrm>
+          <a:prstGeom prst="rect">
+            <a:avLst/>
+          </a:prstGeom>
+          <a:solidFill>
+            <a:srgbClr val="415D7B"/>
+          </a:solidFill>
+          <a:ln>
+            <a:noFill/>
+          </a:ln>
+        </p:spPr>
+        <p:style>
+          <a:lnRef idx="2">
+            <a:schemeClr val="accent1">
+              <a:shade val="50000"/>
+            </a:schemeClr>
+          </a:lnRef>
+          <a:fillRef idx="1">
+            <a:schemeClr val="accent1"/>
+          </a:fillRef>
+          <a:effectRef idx="0">
+            <a:schemeClr val="accent1"/>
+          </a:effectRef>
+          <a:fontRef idx="minor">
+            <a:schemeClr val="lt1"/>
+          </a:fontRef>
+        </p:style>
+        <p:txBody>
+          <a:bodyPr rtlCol="0" anchor="ctr"/>
+          <a:lstStyle/>
+          <a:p>
+            <a:pPr algn="ctr"/>
+            <a:endParaRPr lang="zh-CN" altLang="en-US"/>
+          </a:p>
+        </p:txBody>
+      </p:sp>
+      <p:sp>
+        <p:nvSpPr>
+          <p:cNvPr id="10" name="内容占位符 2"/>
+          <p:cNvSpPr txBox="1">
+            <a:spLocks/>
+          </p:cNvSpPr>
+          <p:nvPr/>
+        </p:nvSpPr>
+        <p:spPr bwMode="auto">
+          <a:xfrm>
+            <a:off x="1919535" y="1033408"/>
+            <a:ext cx="7912442" cy="441796"/>
+          </a:xfrm>
+          <a:prstGeom prst="rect">
+            <a:avLst/>
+          </a:prstGeom>
+          <a:noFill/>
+          <a:ln w="9525">
+            <a:noFill/>
+            <a:miter lim="800000"/>
+            <a:headEnd/>
+            <a:tailEnd/>
+          </a:ln>
+        </p:spPr>
+        <p:txBody>
+          <a:bodyPr vert="horz" wrap="square" lIns="91440" tIns="45720" rIns="91440" bIns="45720" numCol="1" anchor="t" anchorCtr="0" compatLnSpc="1">
+            <a:prstTxWarp prst="textNoShape">
+              <a:avLst/>
+            </a:prstTxWarp>
+          </a:bodyPr>
+          <a:lstStyle>
+            <a:lvl1pPr algn="l" rtl="0" eaLnBrk="0" fontAlgn="base" hangingPunct="0">
+              <a:spcBef>
+                <a:spcPct val="20000"/>
+              </a:spcBef>
+              <a:spcAft>
+                <a:spcPct val="0"/>
+              </a:spcAft>
+              <a:buClr>
+                <a:srgbClr val="CC9900"/>
+              </a:buClr>
+              <a:buFont typeface="Wingdings" pitchFamily="2" charset="2"/>
+              <a:buChar char="p"/>
+              <a:defRPr sz="2000" b="0">
+                <a:solidFill>
+                  <a:srgbClr val="4A6784"/>
+                </a:solidFill>
+                <a:latin typeface="微软雅黑" pitchFamily="34" charset="-122"/>
+                <a:ea typeface="微软雅黑" pitchFamily="34" charset="-122"/>
+                <a:cs typeface="+mn-cs"/>
+              </a:defRPr>
+            </a:lvl1pPr>
+            <a:lvl2pPr marL="441325" indent="15875" algn="l" rtl="0" eaLnBrk="0" fontAlgn="base" hangingPunct="0">
+              <a:spcBef>
+                <a:spcPct val="20000"/>
+              </a:spcBef>
+              <a:spcAft>
+                <a:spcPct val="0"/>
+              </a:spcAft>
+              <a:buClr>
+                <a:srgbClr val="CC9900"/>
+              </a:buClr>
+              <a:buFont typeface="Wingdings" pitchFamily="2" charset="2"/>
+              <a:buChar char="Ø"/>
+              <a:defRPr b="0">
+                <a:solidFill>
+                  <a:schemeClr val="tx1"/>
+                </a:solidFill>
+                <a:latin typeface="微软雅黑" pitchFamily="34" charset="-122"/>
+                <a:ea typeface="微软雅黑" pitchFamily="34" charset="-122"/>
+              </a:defRPr>
+            </a:lvl2pPr>
+            <a:lvl3pPr marL="898525" indent="15875" algn="l" rtl="0" eaLnBrk="0" fontAlgn="base" hangingPunct="0">
+              <a:spcBef>
+                <a:spcPct val="20000"/>
+              </a:spcBef>
+              <a:spcAft>
+                <a:spcPct val="0"/>
+              </a:spcAft>
+              <a:buClr>
+                <a:srgbClr val="CC9900"/>
+              </a:buClr>
+              <a:buChar char="•"/>
+              <a:defRPr sz="1600">
+                <a:solidFill>
+                  <a:schemeClr val="tx1"/>
+                </a:solidFill>
+                <a:latin typeface="微软雅黑" pitchFamily="34" charset="-122"/>
+                <a:ea typeface="微软雅黑" pitchFamily="34" charset="-122"/>
+              </a:defRPr>
+            </a:lvl3pPr>
+            <a:lvl4pPr marL="1260475" algn="l" rtl="0" eaLnBrk="0" fontAlgn="base" hangingPunct="0">
+              <a:spcBef>
+                <a:spcPct val="20000"/>
+              </a:spcBef>
+              <a:spcAft>
+                <a:spcPct val="0"/>
+              </a:spcAft>
+              <a:buClr>
+                <a:srgbClr val="CC9900"/>
+              </a:buClr>
+              <a:buChar char="•"/>
+              <a:defRPr sz="1600">
+                <a:solidFill>
+                  <a:schemeClr val="tx1"/>
+                </a:solidFill>
+                <a:latin typeface="微软雅黑" pitchFamily="34" charset="-122"/>
+                <a:ea typeface="微软雅黑" pitchFamily="34" charset="-122"/>
+              </a:defRPr>
+            </a:lvl4pPr>
+            <a:lvl5pPr marL="1703388" algn="l" rtl="0" eaLnBrk="0" fontAlgn="base" hangingPunct="0">
+              <a:spcBef>
+                <a:spcPct val="20000"/>
+              </a:spcBef>
+              <a:spcAft>
+                <a:spcPct val="0"/>
+              </a:spcAft>
+              <a:buClr>
+                <a:srgbClr val="CC9900"/>
+              </a:buClr>
+              <a:buFont typeface="Arial" charset="0"/>
+              <a:buChar char="»"/>
+              <a:defRPr sz="1600">
+                <a:solidFill>
+                  <a:schemeClr val="tx1"/>
+                </a:solidFill>
+                <a:latin typeface="微软雅黑" pitchFamily="34" charset="-122"/>
+                <a:ea typeface="微软雅黑" pitchFamily="34" charset="-122"/>
+              </a:defRPr>
+            </a:lvl5pPr>
+            <a:lvl6pPr marL="2160588" algn="l" rtl="0" fontAlgn="base">
+              <a:spcBef>
+                <a:spcPct val="20000"/>
+              </a:spcBef>
+              <a:spcAft>
+                <a:spcPct val="0"/>
+              </a:spcAft>
+              <a:buClr>
+                <a:srgbClr val="CC9900"/>
+              </a:buClr>
+              <a:buFont typeface="Arial" charset="0"/>
+              <a:buChar char="»"/>
+              <a:defRPr>
+                <a:solidFill>
+                  <a:schemeClr val="tx1"/>
+                </a:solidFill>
+                <a:latin typeface="+mn-lt"/>
+                <a:ea typeface="+mn-ea"/>
+              </a:defRPr>
+            </a:lvl6pPr>
+            <a:lvl7pPr marL="2617788" algn="l" rtl="0" fontAlgn="base">
+              <a:spcBef>
+                <a:spcPct val="20000"/>
+              </a:spcBef>
+              <a:spcAft>
+                <a:spcPct val="0"/>
+              </a:spcAft>
+              <a:buClr>
+                <a:srgbClr val="CC9900"/>
+              </a:buClr>
+              <a:buFont typeface="Arial" charset="0"/>
+              <a:buChar char="»"/>
+              <a:defRPr>
+                <a:solidFill>
+                  <a:schemeClr val="tx1"/>
+                </a:solidFill>
+                <a:latin typeface="+mn-lt"/>
+                <a:ea typeface="+mn-ea"/>
+              </a:defRPr>
+            </a:lvl7pPr>
+            <a:lvl8pPr marL="3074988" algn="l" rtl="0" fontAlgn="base">
+              <a:spcBef>
+                <a:spcPct val="20000"/>
+              </a:spcBef>
+              <a:spcAft>
+                <a:spcPct val="0"/>
+              </a:spcAft>
+              <a:buClr>
+                <a:srgbClr val="CC9900"/>
+              </a:buClr>
+              <a:buFont typeface="Arial" charset="0"/>
+              <a:buChar char="»"/>
+              <a:defRPr>
+                <a:solidFill>
+                  <a:schemeClr val="tx1"/>
+                </a:solidFill>
+                <a:latin typeface="+mn-lt"/>
+                <a:ea typeface="+mn-ea"/>
+              </a:defRPr>
+            </a:lvl8pPr>
+            <a:lvl9pPr marL="3532188" algn="l" rtl="0" fontAlgn="base">
+              <a:spcBef>
+                <a:spcPct val="20000"/>
+              </a:spcBef>
+              <a:spcAft>
+                <a:spcPct val="0"/>
+              </a:spcAft>
+              <a:buClr>
+                <a:srgbClr val="CC9900"/>
+              </a:buClr>
+              <a:buFont typeface="Arial" charset="0"/>
+              <a:buChar char="»"/>
+              <a:defRPr>
+                <a:solidFill>
+                  <a:schemeClr val="tx1"/>
+                </a:solidFill>
+                <a:latin typeface="+mn-lt"/>
+                <a:ea typeface="+mn-ea"/>
+              </a:defRPr>
+            </a:lvl9pPr>
+          </a:lstStyle>
+          <a:p>
+            <a:pPr algn="just"/>
+            <a:r>
+              <a:rPr lang="zh-CN" altLang="en-US" dirty="0"/>
+              <a:t> 基于互信息的指标优选算法（</a:t>
+            </a:r>
+            <a:r>
+              <a:rPr lang="en-US" altLang="zh-CN" dirty="0"/>
+              <a:t>Joint Mutual Information</a:t>
+            </a:r>
+            <a:r>
+              <a:rPr lang="zh-CN" altLang="en-US" dirty="0"/>
+              <a:t>，</a:t>
+            </a:r>
+            <a:r>
+              <a:rPr lang="en-US" altLang="zh-CN" dirty="0"/>
+              <a:t>JMI</a:t>
+            </a:r>
+            <a:r>
+              <a:rPr lang="zh-CN" altLang="en-US" dirty="0"/>
+              <a:t>）</a:t>
+            </a:r>
+            <a:endParaRPr lang="en-US" altLang="zh-CN" dirty="0"/>
+          </a:p>
+        </p:txBody>
+      </p:sp>
+      <mc:AlternateContent xmlns:mc="http://schemas.openxmlformats.org/markup-compatibility/2006">
+        <mc:Choice xmlns:a14="http://schemas.microsoft.com/office/drawing/2010/main" Requires="a14">
+          <p:sp>
+            <p:nvSpPr>
+              <p:cNvPr id="4" name="矩形 3"/>
+              <p:cNvSpPr/>
+              <p:nvPr/>
+            </p:nvSpPr>
+            <p:spPr>
+              <a:xfrm>
+                <a:off x="2769946" y="5129733"/>
+                <a:ext cx="6363706" cy="1583767"/>
+              </a:xfrm>
+              <a:prstGeom prst="rect">
+                <a:avLst/>
+              </a:prstGeom>
+            </p:spPr>
+            <p:txBody>
+              <a:bodyPr wrap="square">
+                <a:spAutoFit/>
+              </a:bodyPr>
+              <a:lstStyle/>
+              <a:p>
+                <a14:m>
+                  <m:oMath xmlns:m="http://schemas.openxmlformats.org/officeDocument/2006/math">
+                    <m:sSub>
+                      <m:sSubPr>
+                        <m:ctrlPr>
+                          <a:rPr lang="en-US" i="1" spc="-5">
+                            <a:latin typeface="Cambria Math" panose="02040503050406030204" pitchFamily="18" charset="0"/>
+                          </a:rPr>
+                        </m:ctrlPr>
+                      </m:sSubPr>
+                      <m:e>
+                        <m:r>
+                          <a:rPr lang="en-US" i="1" spc="-5">
+                            <a:latin typeface="Cambria Math" panose="02040503050406030204" pitchFamily="18" charset="0"/>
+                            <a:ea typeface="宋体" panose="02010600030101010101" pitchFamily="2" charset="-122"/>
+                            <a:cs typeface="Times New Roman" panose="02020603050405020304" pitchFamily="18" charset="0"/>
+                          </a:rPr>
+                          <m:t>𝑋</m:t>
+                        </m:r>
+                      </m:e>
+                      <m:sub>
+                        <m:r>
+                          <a:rPr lang="en-US" i="1" spc="-5">
+                            <a:latin typeface="Cambria Math" panose="02040503050406030204" pitchFamily="18" charset="0"/>
+                            <a:ea typeface="宋体" panose="02010600030101010101" pitchFamily="2" charset="-122"/>
+                            <a:cs typeface="Times New Roman" panose="02020603050405020304" pitchFamily="18" charset="0"/>
+                          </a:rPr>
+                          <m:t>𝑘</m:t>
+                        </m:r>
+                      </m:sub>
+                    </m:sSub>
+                    <m:r>
+                      <a:rPr lang="en-US" i="1" spc="-5">
+                        <a:latin typeface="Cambria Math" panose="02040503050406030204" pitchFamily="18" charset="0"/>
+                        <a:ea typeface="宋体" panose="02010600030101010101" pitchFamily="2" charset="-122"/>
+                        <a:cs typeface="Times New Roman" panose="02020603050405020304" pitchFamily="18" charset="0"/>
+                      </a:rPr>
+                      <m:t>,</m:t>
+                    </m:r>
+                    <m:sSub>
+                      <m:sSubPr>
+                        <m:ctrlPr>
+                          <a:rPr lang="en-US" i="1" spc="-5">
+                            <a:latin typeface="Cambria Math" panose="02040503050406030204" pitchFamily="18" charset="0"/>
+                          </a:rPr>
+                        </m:ctrlPr>
+                      </m:sSubPr>
+                      <m:e>
+                        <m:r>
+                          <a:rPr lang="en-US" i="1" spc="-5">
+                            <a:latin typeface="Cambria Math" panose="02040503050406030204" pitchFamily="18" charset="0"/>
+                            <a:ea typeface="宋体" panose="02010600030101010101" pitchFamily="2" charset="-122"/>
+                            <a:cs typeface="Times New Roman" panose="02020603050405020304" pitchFamily="18" charset="0"/>
+                          </a:rPr>
+                          <m:t>𝑋</m:t>
+                        </m:r>
+                      </m:e>
+                      <m:sub>
+                        <m:r>
+                          <a:rPr lang="en-US" i="1" spc="-5">
+                            <a:latin typeface="Cambria Math" panose="02040503050406030204" pitchFamily="18" charset="0"/>
+                            <a:ea typeface="宋体" panose="02010600030101010101" pitchFamily="2" charset="-122"/>
+                            <a:cs typeface="Times New Roman" panose="02020603050405020304" pitchFamily="18" charset="0"/>
+                          </a:rPr>
+                          <m:t>𝑗</m:t>
+                        </m:r>
+                      </m:sub>
+                    </m:sSub>
+                    <m:r>
+                      <a:rPr lang="en-US" i="1" spc="-5">
+                        <a:latin typeface="Cambria Math" panose="02040503050406030204" pitchFamily="18" charset="0"/>
+                        <a:ea typeface="宋体" panose="02010600030101010101" pitchFamily="2" charset="-122"/>
+                        <a:cs typeface="Times New Roman" panose="02020603050405020304" pitchFamily="18" charset="0"/>
+                      </a:rPr>
+                      <m:t>∈</m:t>
+                    </m:r>
+                    <m:r>
+                      <a:rPr lang="en-US" i="1" spc="-5">
+                        <a:latin typeface="Cambria Math" panose="02040503050406030204" pitchFamily="18" charset="0"/>
+                        <a:ea typeface="宋体" panose="02010600030101010101" pitchFamily="2" charset="-122"/>
+                        <a:cs typeface="Times New Roman" panose="02020603050405020304" pitchFamily="18" charset="0"/>
+                      </a:rPr>
+                      <m:t>𝐴</m:t>
+                    </m:r>
+                  </m:oMath>
+                </a14:m>
+                <a:r>
+                  <a:rPr lang="zh-CN" altLang="en-US" spc="-5" dirty="0">
+                    <a:latin typeface="微软雅黑" panose="020B0503020204020204" pitchFamily="34" charset="-122"/>
+                    <a:ea typeface="微软雅黑" panose="020B0503020204020204" pitchFamily="34" charset="-122"/>
+                    <a:cs typeface="Times New Roman" panose="02020603050405020304" pitchFamily="18" charset="0"/>
+                  </a:rPr>
+                  <a:t>；</a:t>
+                </a:r>
+                <a14:m>
+                  <m:oMath xmlns:m="http://schemas.openxmlformats.org/officeDocument/2006/math">
+                    <m:r>
+                      <a:rPr lang="en-US" i="1">
+                        <a:latin typeface="Cambria Math" panose="02040503050406030204" pitchFamily="18" charset="0"/>
+                      </a:rPr>
+                      <m:t>𝑌</m:t>
+                    </m:r>
+                    <m:r>
+                      <a:rPr lang="en-US" i="1" spc="-5">
+                        <a:latin typeface="Cambria Math" panose="02040503050406030204" pitchFamily="18" charset="0"/>
+                        <a:ea typeface="宋体" panose="02010600030101010101" pitchFamily="2" charset="-122"/>
+                        <a:cs typeface="Times New Roman" panose="02020603050405020304" pitchFamily="18" charset="0"/>
+                      </a:rPr>
+                      <m:t>∈</m:t>
+                    </m:r>
+                  </m:oMath>
+                </a14:m>
+                <a:r>
+                  <a:rPr lang="en-US" i="1" spc="-5" dirty="0">
+                    <a:latin typeface="微软雅黑" panose="020B0503020204020204" pitchFamily="34" charset="-122"/>
+                    <a:ea typeface="微软雅黑" panose="020B0503020204020204" pitchFamily="34" charset="-122"/>
+                    <a:cs typeface="Times New Roman" panose="02020603050405020304" pitchFamily="18" charset="0"/>
+                  </a:rPr>
+                  <a:t> </a:t>
+                </a:r>
+                <a:r>
+                  <a:rPr lang="en-US" spc="-5" dirty="0">
+                    <a:latin typeface="微软雅黑" panose="020B0503020204020204" pitchFamily="34" charset="-122"/>
+                    <a:ea typeface="微软雅黑" panose="020B0503020204020204" pitchFamily="34" charset="-122"/>
+                    <a:cs typeface="Times New Roman" panose="02020603050405020304" pitchFamily="18" charset="0"/>
+                  </a:rPr>
+                  <a:t>{</a:t>
+                </a:r>
+                <a:r>
+                  <a:rPr lang="zh-CN" altLang="en-US" spc="-5" dirty="0">
+                    <a:latin typeface="微软雅黑" panose="020B0503020204020204" pitchFamily="34" charset="-122"/>
+                    <a:ea typeface="微软雅黑" panose="020B0503020204020204" pitchFamily="34" charset="-122"/>
+                    <a:cs typeface="Times New Roman" panose="02020603050405020304" pitchFamily="18" charset="0"/>
+                  </a:rPr>
+                  <a:t>正常型</a:t>
+                </a:r>
+                <a:r>
+                  <a:rPr lang="en-US" spc="-5" dirty="0">
+                    <a:latin typeface="微软雅黑" panose="020B0503020204020204" pitchFamily="34" charset="-122"/>
+                    <a:ea typeface="微软雅黑" panose="020B0503020204020204" pitchFamily="34" charset="-122"/>
+                    <a:cs typeface="Times New Roman" panose="02020603050405020304" pitchFamily="18" charset="0"/>
+                  </a:rPr>
+                  <a:t>, </a:t>
+                </a:r>
+                <a:r>
+                  <a:rPr lang="zh-CN" altLang="en-US" spc="-5" dirty="0">
+                    <a:latin typeface="微软雅黑" panose="020B0503020204020204" pitchFamily="34" charset="-122"/>
+                    <a:ea typeface="微软雅黑" panose="020B0503020204020204" pitchFamily="34" charset="-122"/>
+                    <a:cs typeface="Times New Roman" panose="02020603050405020304" pitchFamily="18" charset="0"/>
+                  </a:rPr>
+                  <a:t>较激进型</a:t>
+                </a:r>
+                <a:r>
+                  <a:rPr lang="en-US" spc="-5" dirty="0">
+                    <a:latin typeface="微软雅黑" panose="020B0503020204020204" pitchFamily="34" charset="-122"/>
+                    <a:ea typeface="微软雅黑" panose="020B0503020204020204" pitchFamily="34" charset="-122"/>
+                    <a:cs typeface="Times New Roman" panose="02020603050405020304" pitchFamily="18" charset="0"/>
+                  </a:rPr>
+                  <a:t>, </a:t>
+                </a:r>
+                <a:r>
+                  <a:rPr lang="zh-CN" altLang="en-US" spc="-5" dirty="0">
+                    <a:latin typeface="微软雅黑" panose="020B0503020204020204" pitchFamily="34" charset="-122"/>
+                    <a:ea typeface="微软雅黑" panose="020B0503020204020204" pitchFamily="34" charset="-122"/>
+                    <a:cs typeface="Times New Roman" panose="02020603050405020304" pitchFamily="18" charset="0"/>
+                  </a:rPr>
+                  <a:t>激进型</a:t>
+                </a:r>
+                <a:r>
+                  <a:rPr lang="en-US" spc="-5" dirty="0">
+                    <a:latin typeface="微软雅黑" panose="020B0503020204020204" pitchFamily="34" charset="-122"/>
+                    <a:ea typeface="微软雅黑" panose="020B0503020204020204" pitchFamily="34" charset="-122"/>
+                    <a:cs typeface="Times New Roman" panose="02020603050405020304" pitchFamily="18" charset="0"/>
+                  </a:rPr>
+                  <a:t>}; </a:t>
+                </a:r>
+                <a14:m>
+                  <m:oMath xmlns:m="http://schemas.openxmlformats.org/officeDocument/2006/math">
+                    <m:r>
+                      <a:rPr lang="en-US" i="1">
+                        <a:latin typeface="Cambria Math" panose="02040503050406030204" pitchFamily="18" charset="0"/>
+                      </a:rPr>
+                      <m:t>𝑆</m:t>
+                    </m:r>
+                  </m:oMath>
+                </a14:m>
+                <a:r>
+                  <a:rPr lang="zh-CN" altLang="en-US" spc="-5" dirty="0">
+                    <a:latin typeface="微软雅黑" panose="020B0503020204020204" pitchFamily="34" charset="-122"/>
+                    <a:ea typeface="微软雅黑" panose="020B0503020204020204" pitchFamily="34" charset="-122"/>
+                    <a:cs typeface="Times New Roman" panose="02020603050405020304" pitchFamily="18" charset="0"/>
+                  </a:rPr>
+                  <a:t>：已遴选指标集</a:t>
+                </a:r>
+                <a:endParaRPr lang="en-US" altLang="zh-CN" spc="-5" dirty="0">
+                  <a:latin typeface="微软雅黑" panose="020B0503020204020204" pitchFamily="34" charset="-122"/>
+                  <a:ea typeface="微软雅黑" panose="020B0503020204020204" pitchFamily="34" charset="-122"/>
+                  <a:cs typeface="Times New Roman" panose="02020603050405020304" pitchFamily="18" charset="0"/>
+                </a:endParaRPr>
+              </a:p>
+              <a:p>
+                <a:endParaRPr lang="en-US" spc="-5" dirty="0">
+                  <a:latin typeface="微软雅黑" panose="020B0503020204020204" pitchFamily="34" charset="-122"/>
+                  <a:ea typeface="微软雅黑" panose="020B0503020204020204" pitchFamily="34" charset="-122"/>
+                  <a:cs typeface="Times New Roman" panose="02020603050405020304" pitchFamily="18" charset="0"/>
+                </a:endParaRPr>
+              </a:p>
+              <a:p>
+                <a14:m>
+                  <m:oMath xmlns:m="http://schemas.openxmlformats.org/officeDocument/2006/math">
+                    <m:r>
+                      <a:rPr lang="en-US" i="1" spc="-5">
+                        <a:latin typeface="Cambria Math" panose="02040503050406030204" pitchFamily="18" charset="0"/>
+                        <a:ea typeface="宋体" panose="02010600030101010101" pitchFamily="2" charset="-122"/>
+                        <a:cs typeface="Times New Roman" panose="02020603050405020304" pitchFamily="18" charset="0"/>
+                      </a:rPr>
+                      <m:t>𝐼</m:t>
+                    </m:r>
+                    <m:d>
+                      <m:dPr>
+                        <m:ctrlPr>
+                          <a:rPr lang="en-US" i="1" spc="-5">
+                            <a:latin typeface="Cambria Math" panose="02040503050406030204" pitchFamily="18" charset="0"/>
+                          </a:rPr>
+                        </m:ctrlPr>
+                      </m:dPr>
+                      <m:e>
+                        <m:sSub>
+                          <m:sSubPr>
+                            <m:ctrlPr>
+                              <a:rPr lang="en-US" i="1" spc="-5">
+                                <a:latin typeface="Cambria Math" panose="02040503050406030204" pitchFamily="18" charset="0"/>
+                              </a:rPr>
+                            </m:ctrlPr>
+                          </m:sSubPr>
+                          <m:e>
+                            <m:r>
+                              <a:rPr lang="en-US" i="1" spc="-5">
+                                <a:latin typeface="Cambria Math" panose="02040503050406030204" pitchFamily="18" charset="0"/>
+                                <a:ea typeface="宋体" panose="02010600030101010101" pitchFamily="2" charset="-122"/>
+                                <a:cs typeface="Times New Roman" panose="02020603050405020304" pitchFamily="18" charset="0"/>
+                              </a:rPr>
+                              <m:t>𝑋</m:t>
+                            </m:r>
+                          </m:e>
+                          <m:sub>
+                            <m:r>
+                              <a:rPr lang="en-US" i="1" spc="-5">
+                                <a:latin typeface="Cambria Math" panose="02040503050406030204" pitchFamily="18" charset="0"/>
+                                <a:ea typeface="宋体" panose="02010600030101010101" pitchFamily="2" charset="-122"/>
+                                <a:cs typeface="Times New Roman" panose="02020603050405020304" pitchFamily="18" charset="0"/>
+                              </a:rPr>
+                              <m:t>𝑘</m:t>
+                            </m:r>
+                          </m:sub>
+                        </m:sSub>
+                        <m:r>
+                          <a:rPr lang="en-US" i="1" spc="-5">
+                            <a:latin typeface="Cambria Math" panose="02040503050406030204" pitchFamily="18" charset="0"/>
+                            <a:ea typeface="宋体" panose="02010600030101010101" pitchFamily="2" charset="-122"/>
+                            <a:cs typeface="Times New Roman" panose="02020603050405020304" pitchFamily="18" charset="0"/>
+                          </a:rPr>
+                          <m:t>;</m:t>
+                        </m:r>
+                        <m:r>
+                          <a:rPr lang="en-US" i="1">
+                            <a:latin typeface="Cambria Math" panose="02040503050406030204" pitchFamily="18" charset="0"/>
+                          </a:rPr>
+                          <m:t>𝑌</m:t>
+                        </m:r>
+                      </m:e>
+                    </m:d>
+                    <m:r>
+                      <a:rPr lang="en-US" i="1" spc="-5">
+                        <a:latin typeface="Cambria Math" panose="02040503050406030204" pitchFamily="18" charset="0"/>
+                        <a:ea typeface="宋体" panose="02010600030101010101" pitchFamily="2" charset="-122"/>
+                        <a:cs typeface="Times New Roman" panose="02020603050405020304" pitchFamily="18" charset="0"/>
+                      </a:rPr>
+                      <m:t> </m:t>
+                    </m:r>
+                  </m:oMath>
+                </a14:m>
+                <a:r>
+                  <a:rPr lang="zh-CN" altLang="en-US" spc="-5" dirty="0">
+                    <a:latin typeface="微软雅黑" panose="020B0503020204020204" pitchFamily="34" charset="-122"/>
+                    <a:ea typeface="微软雅黑" panose="020B0503020204020204" pitchFamily="34" charset="-122"/>
+                    <a:cs typeface="Times New Roman" panose="02020603050405020304" pitchFamily="18" charset="0"/>
+                  </a:rPr>
+                  <a:t>：第</a:t>
+                </a:r>
+                <a:r>
+                  <a:rPr lang="en-US" altLang="zh-CN" spc="-5" dirty="0">
+                    <a:latin typeface="微软雅黑" panose="020B0503020204020204" pitchFamily="34" charset="-122"/>
+                    <a:ea typeface="微软雅黑" panose="020B0503020204020204" pitchFamily="34" charset="-122"/>
+                    <a:cs typeface="Times New Roman" panose="02020603050405020304" pitchFamily="18" charset="0"/>
+                  </a:rPr>
+                  <a:t>k</a:t>
+                </a:r>
+                <a:r>
+                  <a:rPr lang="zh-CN" altLang="en-US" spc="-5" dirty="0">
+                    <a:latin typeface="微软雅黑" panose="020B0503020204020204" pitchFamily="34" charset="-122"/>
+                    <a:ea typeface="微软雅黑" panose="020B0503020204020204" pitchFamily="34" charset="-122"/>
+                    <a:cs typeface="Times New Roman" panose="02020603050405020304" pitchFamily="18" charset="0"/>
+                  </a:rPr>
+                  <a:t>个指标</a:t>
+                </a:r>
+                <a:r>
+                  <a:rPr lang="en-US" spc="-5" dirty="0">
+                    <a:latin typeface="微软雅黑" panose="020B0503020204020204" pitchFamily="34" charset="-122"/>
+                    <a:ea typeface="微软雅黑" panose="020B0503020204020204" pitchFamily="34" charset="-122"/>
+                    <a:cs typeface="Times New Roman" panose="02020603050405020304" pitchFamily="18" charset="0"/>
+                  </a:rPr>
+                  <a:t> </a:t>
+                </a:r>
+                <a14:m>
+                  <m:oMath xmlns:m="http://schemas.openxmlformats.org/officeDocument/2006/math">
+                    <m:sSub>
+                      <m:sSubPr>
+                        <m:ctrlPr>
+                          <a:rPr lang="en-US" i="1" spc="-5">
+                            <a:latin typeface="Cambria Math" panose="02040503050406030204" pitchFamily="18" charset="0"/>
+                          </a:rPr>
+                        </m:ctrlPr>
+                      </m:sSubPr>
+                      <m:e>
+                        <m:r>
+                          <a:rPr lang="en-US" i="1" spc="-5">
+                            <a:latin typeface="Cambria Math" panose="02040503050406030204" pitchFamily="18" charset="0"/>
+                            <a:ea typeface="宋体" panose="02010600030101010101" pitchFamily="2" charset="-122"/>
+                            <a:cs typeface="Times New Roman" panose="02020603050405020304" pitchFamily="18" charset="0"/>
+                          </a:rPr>
+                          <m:t>𝑋</m:t>
+                        </m:r>
+                      </m:e>
+                      <m:sub>
+                        <m:r>
+                          <a:rPr lang="en-US" i="1" spc="-5">
+                            <a:latin typeface="Cambria Math" panose="02040503050406030204" pitchFamily="18" charset="0"/>
+                            <a:ea typeface="宋体" panose="02010600030101010101" pitchFamily="2" charset="-122"/>
+                            <a:cs typeface="Times New Roman" panose="02020603050405020304" pitchFamily="18" charset="0"/>
+                          </a:rPr>
+                          <m:t>𝑘</m:t>
+                        </m:r>
+                      </m:sub>
+                    </m:sSub>
+                    <m:r>
+                      <a:rPr lang="en-US" i="1" spc="-5">
+                        <a:latin typeface="Cambria Math" panose="02040503050406030204" pitchFamily="18" charset="0"/>
+                        <a:ea typeface="宋体" panose="02010600030101010101" pitchFamily="2" charset="-122"/>
+                        <a:cs typeface="Times New Roman" panose="02020603050405020304" pitchFamily="18" charset="0"/>
+                      </a:rPr>
+                      <m:t> </m:t>
+                    </m:r>
+                  </m:oMath>
+                </a14:m>
+                <a:r>
+                  <a:rPr lang="zh-CN" altLang="en-US" spc="-5" dirty="0">
+                    <a:latin typeface="微软雅黑" panose="020B0503020204020204" pitchFamily="34" charset="-122"/>
+                    <a:ea typeface="微软雅黑" panose="020B0503020204020204" pitchFamily="34" charset="-122"/>
+                    <a:cs typeface="Times New Roman" panose="02020603050405020304" pitchFamily="18" charset="0"/>
+                  </a:rPr>
+                  <a:t>与标签</a:t>
+                </a:r>
+                <a14:m>
+                  <m:oMath xmlns:m="http://schemas.openxmlformats.org/officeDocument/2006/math">
+                    <m:r>
+                      <a:rPr lang="en-US" i="1" spc="-5">
+                        <a:latin typeface="Cambria Math" panose="02040503050406030204" pitchFamily="18" charset="0"/>
+                        <a:ea typeface="宋体" panose="02010600030101010101" pitchFamily="2" charset="-122"/>
+                        <a:cs typeface="Times New Roman" panose="02020603050405020304" pitchFamily="18" charset="0"/>
+                      </a:rPr>
+                      <m:t>𝐶</m:t>
+                    </m:r>
+                  </m:oMath>
+                </a14:m>
+                <a:r>
+                  <a:rPr lang="zh-CN" altLang="en-US" spc="-5" dirty="0">
+                    <a:latin typeface="微软雅黑" panose="020B0503020204020204" pitchFamily="34" charset="-122"/>
+                    <a:ea typeface="微软雅黑" panose="020B0503020204020204" pitchFamily="34" charset="-122"/>
+                    <a:cs typeface="Times New Roman" panose="02020603050405020304" pitchFamily="18" charset="0"/>
+                  </a:rPr>
+                  <a:t>之前的</a:t>
+                </a:r>
+                <a:r>
+                  <a:rPr lang="zh-CN" altLang="en-US" spc="-5" dirty="0">
+                    <a:solidFill>
+                      <a:srgbClr val="C00000"/>
+                    </a:solidFill>
+                    <a:latin typeface="微软雅黑" panose="020B0503020204020204" pitchFamily="34" charset="-122"/>
+                    <a:ea typeface="微软雅黑" panose="020B0503020204020204" pitchFamily="34" charset="-122"/>
+                    <a:cs typeface="Times New Roman" panose="02020603050405020304" pitchFamily="18" charset="0"/>
+                  </a:rPr>
+                  <a:t>相关性</a:t>
+                </a:r>
+                <a:r>
+                  <a:rPr lang="en-US" spc="-5" dirty="0">
+                    <a:latin typeface="微软雅黑" panose="020B0503020204020204" pitchFamily="34" charset="-122"/>
+                    <a:ea typeface="微软雅黑" panose="020B0503020204020204" pitchFamily="34" charset="-122"/>
+                    <a:cs typeface="Times New Roman" panose="02020603050405020304" pitchFamily="18" charset="0"/>
+                  </a:rPr>
+                  <a:t> </a:t>
+                </a:r>
+              </a:p>
+              <a:p>
+                <a14:m>
+                  <m:oMath xmlns:m="http://schemas.openxmlformats.org/officeDocument/2006/math">
+                    <m:r>
+                      <a:rPr lang="en-US" i="1" spc="-5">
+                        <a:latin typeface="Cambria Math" panose="02040503050406030204" pitchFamily="18" charset="0"/>
+                        <a:ea typeface="宋体" panose="02010600030101010101" pitchFamily="2" charset="-122"/>
+                        <a:cs typeface="Times New Roman" panose="02020603050405020304" pitchFamily="18" charset="0"/>
+                      </a:rPr>
+                      <m:t>𝐼</m:t>
+                    </m:r>
+                    <m:d>
+                      <m:dPr>
+                        <m:ctrlPr>
+                          <a:rPr lang="en-US" i="1" spc="-5">
+                            <a:latin typeface="Cambria Math" panose="02040503050406030204" pitchFamily="18" charset="0"/>
+                          </a:rPr>
+                        </m:ctrlPr>
+                      </m:dPr>
+                      <m:e>
+                        <m:sSub>
+                          <m:sSubPr>
+                            <m:ctrlPr>
+                              <a:rPr lang="en-US" i="1" spc="-5">
+                                <a:latin typeface="Cambria Math" panose="02040503050406030204" pitchFamily="18" charset="0"/>
+                              </a:rPr>
+                            </m:ctrlPr>
+                          </m:sSubPr>
+                          <m:e>
+                            <m:r>
+                              <a:rPr lang="en-US" i="1" spc="-5">
+                                <a:latin typeface="Cambria Math" panose="02040503050406030204" pitchFamily="18" charset="0"/>
+                                <a:ea typeface="宋体" panose="02010600030101010101" pitchFamily="2" charset="-122"/>
+                                <a:cs typeface="Times New Roman" panose="02020603050405020304" pitchFamily="18" charset="0"/>
+                              </a:rPr>
+                              <m:t>𝑋</m:t>
+                            </m:r>
+                          </m:e>
+                          <m:sub>
+                            <m:r>
+                              <a:rPr lang="en-US" i="1" spc="-5">
+                                <a:latin typeface="Cambria Math" panose="02040503050406030204" pitchFamily="18" charset="0"/>
+                                <a:ea typeface="宋体" panose="02010600030101010101" pitchFamily="2" charset="-122"/>
+                                <a:cs typeface="Times New Roman" panose="02020603050405020304" pitchFamily="18" charset="0"/>
+                              </a:rPr>
+                              <m:t>𝑘</m:t>
+                            </m:r>
+                          </m:sub>
+                        </m:sSub>
+                        <m:r>
+                          <a:rPr lang="en-US" i="1" spc="-5">
+                            <a:latin typeface="Cambria Math" panose="02040503050406030204" pitchFamily="18" charset="0"/>
+                            <a:ea typeface="宋体" panose="02010600030101010101" pitchFamily="2" charset="-122"/>
+                            <a:cs typeface="Times New Roman" panose="02020603050405020304" pitchFamily="18" charset="0"/>
+                          </a:rPr>
+                          <m:t>;</m:t>
+                        </m:r>
+                        <m:sSub>
+                          <m:sSubPr>
+                            <m:ctrlPr>
+                              <a:rPr lang="en-US" i="1" spc="-5">
+                                <a:latin typeface="Cambria Math" panose="02040503050406030204" pitchFamily="18" charset="0"/>
+                              </a:rPr>
+                            </m:ctrlPr>
+                          </m:sSubPr>
+                          <m:e>
+                            <m:r>
+                              <a:rPr lang="en-US" i="1" spc="-5">
+                                <a:latin typeface="Cambria Math" panose="02040503050406030204" pitchFamily="18" charset="0"/>
+                                <a:ea typeface="宋体" panose="02010600030101010101" pitchFamily="2" charset="-122"/>
+                                <a:cs typeface="Times New Roman" panose="02020603050405020304" pitchFamily="18" charset="0"/>
+                              </a:rPr>
+                              <m:t>𝑋</m:t>
+                            </m:r>
+                          </m:e>
+                          <m:sub>
+                            <m:r>
+                              <a:rPr lang="en-US" i="1" spc="-5">
+                                <a:latin typeface="Cambria Math" panose="02040503050406030204" pitchFamily="18" charset="0"/>
+                                <a:ea typeface="宋体" panose="02010600030101010101" pitchFamily="2" charset="-122"/>
+                                <a:cs typeface="Times New Roman" panose="02020603050405020304" pitchFamily="18" charset="0"/>
+                              </a:rPr>
+                              <m:t>𝑗</m:t>
+                            </m:r>
+                          </m:sub>
+                        </m:sSub>
+                      </m:e>
+                    </m:d>
+                    <m:r>
+                      <m:rPr>
+                        <m:nor/>
+                      </m:rPr>
+                      <a:rPr lang="zh-CN" altLang="en-US" spc="-5" dirty="0">
+                        <a:latin typeface="微软雅黑" panose="020B0503020204020204" pitchFamily="34" charset="-122"/>
+                        <a:ea typeface="微软雅黑" panose="020B0503020204020204" pitchFamily="34" charset="-122"/>
+                        <a:cs typeface="Times New Roman" panose="02020603050405020304" pitchFamily="18" charset="0"/>
+                      </a:rPr>
+                      <m:t>：第</m:t>
+                    </m:r>
+                    <m:r>
+                      <m:rPr>
+                        <m:nor/>
+                      </m:rPr>
+                      <a:rPr lang="en-US" altLang="zh-CN" spc="-5" dirty="0">
+                        <a:latin typeface="微软雅黑" panose="020B0503020204020204" pitchFamily="34" charset="-122"/>
+                        <a:ea typeface="微软雅黑" panose="020B0503020204020204" pitchFamily="34" charset="-122"/>
+                        <a:cs typeface="Times New Roman" panose="02020603050405020304" pitchFamily="18" charset="0"/>
+                      </a:rPr>
+                      <m:t>k</m:t>
+                    </m:r>
+                    <m:r>
+                      <m:rPr>
+                        <m:nor/>
+                      </m:rPr>
+                      <a:rPr lang="zh-CN" altLang="en-US" spc="-5" dirty="0">
+                        <a:latin typeface="微软雅黑" panose="020B0503020204020204" pitchFamily="34" charset="-122"/>
+                        <a:ea typeface="微软雅黑" panose="020B0503020204020204" pitchFamily="34" charset="-122"/>
+                        <a:cs typeface="Times New Roman" panose="02020603050405020304" pitchFamily="18" charset="0"/>
+                      </a:rPr>
+                      <m:t>个指标</m:t>
+                    </m:r>
+                    <m:r>
+                      <m:rPr>
+                        <m:nor/>
+                      </m:rPr>
+                      <a:rPr lang="en-US" spc="-5" dirty="0">
+                        <a:latin typeface="微软雅黑" panose="020B0503020204020204" pitchFamily="34" charset="-122"/>
+                        <a:ea typeface="微软雅黑" panose="020B0503020204020204" pitchFamily="34" charset="-122"/>
+                        <a:cs typeface="Times New Roman" panose="02020603050405020304" pitchFamily="18" charset="0"/>
+                      </a:rPr>
+                      <m:t> </m:t>
+                    </m:r>
+                    <m:sSub>
+                      <m:sSubPr>
+                        <m:ctrlPr>
+                          <a:rPr lang="en-US" i="1" spc="-5">
+                            <a:latin typeface="Cambria Math" panose="02040503050406030204" pitchFamily="18" charset="0"/>
+                          </a:rPr>
+                        </m:ctrlPr>
+                      </m:sSubPr>
+                      <m:e>
+                        <m:r>
+                          <a:rPr lang="en-US" i="1" spc="-5">
+                            <a:latin typeface="Cambria Math" panose="02040503050406030204" pitchFamily="18" charset="0"/>
+                            <a:ea typeface="宋体" panose="02010600030101010101" pitchFamily="2" charset="-122"/>
+                            <a:cs typeface="Times New Roman" panose="02020603050405020304" pitchFamily="18" charset="0"/>
+                          </a:rPr>
+                          <m:t>𝑋</m:t>
+                        </m:r>
+                      </m:e>
+                      <m:sub>
+                        <m:r>
+                          <a:rPr lang="en-US" i="1" spc="-5">
+                            <a:latin typeface="Cambria Math" panose="02040503050406030204" pitchFamily="18" charset="0"/>
+                            <a:ea typeface="宋体" panose="02010600030101010101" pitchFamily="2" charset="-122"/>
+                            <a:cs typeface="Times New Roman" panose="02020603050405020304" pitchFamily="18" charset="0"/>
+                          </a:rPr>
+                          <m:t>𝑘</m:t>
+                        </m:r>
+                      </m:sub>
+                    </m:sSub>
+                    <m:r>
+                      <a:rPr lang="en-US" i="1" spc="-5">
+                        <a:latin typeface="Cambria Math" panose="02040503050406030204" pitchFamily="18" charset="0"/>
+                        <a:ea typeface="宋体" panose="02010600030101010101" pitchFamily="2" charset="-122"/>
+                        <a:cs typeface="Times New Roman" panose="02020603050405020304" pitchFamily="18" charset="0"/>
+                      </a:rPr>
+                      <m:t> </m:t>
+                    </m:r>
+                    <m:r>
+                      <m:rPr>
+                        <m:nor/>
+                      </m:rPr>
+                      <a:rPr lang="zh-CN" altLang="en-US" spc="-5" dirty="0">
+                        <a:latin typeface="微软雅黑" panose="020B0503020204020204" pitchFamily="34" charset="-122"/>
+                        <a:ea typeface="微软雅黑" panose="020B0503020204020204" pitchFamily="34" charset="-122"/>
+                        <a:cs typeface="Times New Roman" panose="02020603050405020304" pitchFamily="18" charset="0"/>
+                      </a:rPr>
+                      <m:t>与第</m:t>
+                    </m:r>
+                    <m:r>
+                      <a:rPr lang="en-US" altLang="zh-CN" i="1" spc="-5" dirty="0">
+                        <a:latin typeface="Cambria Math" panose="02040503050406030204" pitchFamily="18" charset="0"/>
+                      </a:rPr>
+                      <m:t>𝑗</m:t>
+                    </m:r>
+                    <m:r>
+                      <m:rPr>
+                        <m:nor/>
+                      </m:rPr>
+                      <a:rPr lang="zh-CN" altLang="en-US" spc="-5" dirty="0">
+                        <a:latin typeface="微软雅黑" panose="020B0503020204020204" pitchFamily="34" charset="-122"/>
+                        <a:ea typeface="微软雅黑" panose="020B0503020204020204" pitchFamily="34" charset="-122"/>
+                        <a:cs typeface="Times New Roman" panose="02020603050405020304" pitchFamily="18" charset="0"/>
+                      </a:rPr>
+                      <m:t>个指标</m:t>
+                    </m:r>
+                    <m:r>
+                      <m:rPr>
+                        <m:nor/>
+                      </m:rPr>
+                      <a:rPr lang="en-US" spc="-5" dirty="0">
+                        <a:latin typeface="微软雅黑" panose="020B0503020204020204" pitchFamily="34" charset="-122"/>
+                        <a:ea typeface="微软雅黑" panose="020B0503020204020204" pitchFamily="34" charset="-122"/>
+                        <a:cs typeface="Times New Roman" panose="02020603050405020304" pitchFamily="18" charset="0"/>
+                      </a:rPr>
+                      <m:t> </m:t>
+                    </m:r>
+                    <m:sSub>
+                      <m:sSubPr>
+                        <m:ctrlPr>
+                          <a:rPr lang="en-US" i="1" spc="-5">
+                            <a:latin typeface="Cambria Math" panose="02040503050406030204" pitchFamily="18" charset="0"/>
+                          </a:rPr>
+                        </m:ctrlPr>
+                      </m:sSubPr>
+                      <m:e>
+                        <m:r>
+                          <a:rPr lang="en-US" i="1" spc="-5">
+                            <a:latin typeface="Cambria Math" panose="02040503050406030204" pitchFamily="18" charset="0"/>
+                            <a:ea typeface="宋体" panose="02010600030101010101" pitchFamily="2" charset="-122"/>
+                            <a:cs typeface="Times New Roman" panose="02020603050405020304" pitchFamily="18" charset="0"/>
+                          </a:rPr>
+                          <m:t>𝑋</m:t>
+                        </m:r>
+                      </m:e>
+                      <m:sub>
+                        <m:r>
+                          <a:rPr lang="en-US" i="1" spc="-5">
+                            <a:latin typeface="Cambria Math" panose="02040503050406030204" pitchFamily="18" charset="0"/>
+                            <a:ea typeface="宋体" panose="02010600030101010101" pitchFamily="2" charset="-122"/>
+                            <a:cs typeface="Times New Roman" panose="02020603050405020304" pitchFamily="18" charset="0"/>
+                          </a:rPr>
+                          <m:t>𝑗</m:t>
+                        </m:r>
+                      </m:sub>
+                    </m:sSub>
+                  </m:oMath>
+                </a14:m>
+                <a:r>
+                  <a:rPr lang="zh-CN" altLang="en-US" spc="-5" dirty="0">
+                    <a:latin typeface="微软雅黑" panose="020B0503020204020204" pitchFamily="34" charset="-122"/>
+                    <a:ea typeface="微软雅黑" panose="020B0503020204020204" pitchFamily="34" charset="-122"/>
+                    <a:cs typeface="Times New Roman" panose="02020603050405020304" pitchFamily="18" charset="0"/>
+                  </a:rPr>
+                  <a:t>之间的</a:t>
+                </a:r>
+                <a:r>
+                  <a:rPr lang="zh-CN" altLang="en-US" spc="-5" dirty="0">
+                    <a:solidFill>
+                      <a:srgbClr val="C00000"/>
+                    </a:solidFill>
+                    <a:latin typeface="微软雅黑" panose="020B0503020204020204" pitchFamily="34" charset="-122"/>
+                    <a:ea typeface="微软雅黑" panose="020B0503020204020204" pitchFamily="34" charset="-122"/>
+                    <a:cs typeface="Times New Roman" panose="02020603050405020304" pitchFamily="18" charset="0"/>
+                  </a:rPr>
+                  <a:t>冗余度</a:t>
+                </a:r>
+                <a:r>
+                  <a:rPr lang="en-US" spc="-5" dirty="0">
+                    <a:latin typeface="微软雅黑" panose="020B0503020204020204" pitchFamily="34" charset="-122"/>
+                    <a:ea typeface="微软雅黑" panose="020B0503020204020204" pitchFamily="34" charset="-122"/>
+                    <a:cs typeface="Times New Roman" panose="02020603050405020304" pitchFamily="18" charset="0"/>
+                  </a:rPr>
+                  <a:t> </a:t>
+                </a:r>
+                <a14:m>
+                  <m:oMath xmlns:m="http://schemas.openxmlformats.org/officeDocument/2006/math">
+                    <m:r>
+                      <a:rPr lang="en-US" i="1" spc="-5">
+                        <a:latin typeface="Cambria Math" panose="02040503050406030204" pitchFamily="18" charset="0"/>
+                        <a:ea typeface="宋体" panose="02010600030101010101" pitchFamily="2" charset="-122"/>
+                        <a:cs typeface="Times New Roman" panose="02020603050405020304" pitchFamily="18" charset="0"/>
+                      </a:rPr>
+                      <m:t>𝐼</m:t>
+                    </m:r>
+                    <m:d>
+                      <m:dPr>
+                        <m:ctrlPr>
+                          <a:rPr lang="en-US" i="1" spc="-5">
+                            <a:latin typeface="Cambria Math" panose="02040503050406030204" pitchFamily="18" charset="0"/>
+                          </a:rPr>
+                        </m:ctrlPr>
+                      </m:dPr>
+                      <m:e>
+                        <m:sSub>
+                          <m:sSubPr>
+                            <m:ctrlPr>
+                              <a:rPr lang="en-US" i="1" spc="-5">
+                                <a:latin typeface="Cambria Math" panose="02040503050406030204" pitchFamily="18" charset="0"/>
+                              </a:rPr>
+                            </m:ctrlPr>
+                          </m:sSubPr>
+                          <m:e>
+                            <m:r>
+                              <a:rPr lang="en-US" i="1" spc="-5">
+                                <a:latin typeface="Cambria Math" panose="02040503050406030204" pitchFamily="18" charset="0"/>
+                                <a:ea typeface="宋体" panose="02010600030101010101" pitchFamily="2" charset="-122"/>
+                                <a:cs typeface="Times New Roman" panose="02020603050405020304" pitchFamily="18" charset="0"/>
+                              </a:rPr>
+                              <m:t>𝑋</m:t>
+                            </m:r>
+                          </m:e>
+                          <m:sub>
+                            <m:r>
+                              <a:rPr lang="en-US" i="1" spc="-5">
+                                <a:latin typeface="Cambria Math" panose="02040503050406030204" pitchFamily="18" charset="0"/>
+                                <a:ea typeface="宋体" panose="02010600030101010101" pitchFamily="2" charset="-122"/>
+                                <a:cs typeface="Times New Roman" panose="02020603050405020304" pitchFamily="18" charset="0"/>
+                              </a:rPr>
+                              <m:t>𝑘</m:t>
+                            </m:r>
+                          </m:sub>
+                        </m:sSub>
+                        <m:sSub>
+                          <m:sSubPr>
+                            <m:ctrlPr>
+                              <a:rPr lang="en-US" i="1" spc="-5">
+                                <a:latin typeface="Cambria Math" panose="02040503050406030204" pitchFamily="18" charset="0"/>
+                              </a:rPr>
+                            </m:ctrlPr>
+                          </m:sSubPr>
+                          <m:e>
+                            <m:r>
+                              <a:rPr lang="en-US" i="1" spc="-5">
+                                <a:latin typeface="Cambria Math" panose="02040503050406030204" pitchFamily="18" charset="0"/>
+                                <a:ea typeface="宋体" panose="02010600030101010101" pitchFamily="2" charset="-122"/>
+                                <a:cs typeface="Times New Roman" panose="02020603050405020304" pitchFamily="18" charset="0"/>
+                              </a:rPr>
+                              <m:t>𝑋</m:t>
+                            </m:r>
+                          </m:e>
+                          <m:sub>
+                            <m:r>
+                              <a:rPr lang="en-US" i="1" spc="-5">
+                                <a:latin typeface="Cambria Math" panose="02040503050406030204" pitchFamily="18" charset="0"/>
+                                <a:ea typeface="宋体" panose="02010600030101010101" pitchFamily="2" charset="-122"/>
+                                <a:cs typeface="Times New Roman" panose="02020603050405020304" pitchFamily="18" charset="0"/>
+                              </a:rPr>
+                              <m:t>𝑗</m:t>
+                            </m:r>
+                          </m:sub>
+                        </m:sSub>
+                        <m:r>
+                          <a:rPr lang="en-US" i="1" spc="-5">
+                            <a:latin typeface="Cambria Math" panose="02040503050406030204" pitchFamily="18" charset="0"/>
+                            <a:ea typeface="宋体" panose="02010600030101010101" pitchFamily="2" charset="-122"/>
+                            <a:cs typeface="Times New Roman" panose="02020603050405020304" pitchFamily="18" charset="0"/>
+                          </a:rPr>
+                          <m:t>;</m:t>
+                        </m:r>
+                        <m:r>
+                          <a:rPr lang="en-US" i="1">
+                            <a:latin typeface="Cambria Math" panose="02040503050406030204" pitchFamily="18" charset="0"/>
+                          </a:rPr>
+                          <m:t>𝑌</m:t>
+                        </m:r>
+                      </m:e>
+                    </m:d>
+                  </m:oMath>
+                </a14:m>
+                <a:r>
+                  <a:rPr lang="en-US" spc="-5" dirty="0">
+                    <a:latin typeface="微软雅黑" panose="020B0503020204020204" pitchFamily="34" charset="-122"/>
+                    <a:ea typeface="微软雅黑" panose="020B0503020204020204" pitchFamily="34" charset="-122"/>
+                    <a:cs typeface="Times New Roman" panose="02020603050405020304" pitchFamily="18" charset="0"/>
+                  </a:rPr>
+                  <a:t> </a:t>
+                </a:r>
+                <a14:m>
+                  <m:oMath xmlns:m="http://schemas.openxmlformats.org/officeDocument/2006/math">
+                    <m:r>
+                      <m:rPr>
+                        <m:nor/>
+                      </m:rPr>
+                      <a:rPr lang="zh-CN" altLang="en-US" spc="-5" dirty="0">
+                        <a:latin typeface="微软雅黑" panose="020B0503020204020204" pitchFamily="34" charset="-122"/>
+                        <a:ea typeface="微软雅黑" panose="020B0503020204020204" pitchFamily="34" charset="-122"/>
+                        <a:cs typeface="Times New Roman" panose="02020603050405020304" pitchFamily="18" charset="0"/>
+                      </a:rPr>
+                      <m:t>：第</m:t>
+                    </m:r>
+                    <m:r>
+                      <m:rPr>
+                        <m:nor/>
+                      </m:rPr>
+                      <a:rPr lang="en-US" altLang="zh-CN" spc="-5" dirty="0">
+                        <a:latin typeface="微软雅黑" panose="020B0503020204020204" pitchFamily="34" charset="-122"/>
+                        <a:ea typeface="微软雅黑" panose="020B0503020204020204" pitchFamily="34" charset="-122"/>
+                        <a:cs typeface="Times New Roman" panose="02020603050405020304" pitchFamily="18" charset="0"/>
+                      </a:rPr>
+                      <m:t>k</m:t>
+                    </m:r>
+                    <m:r>
+                      <m:rPr>
+                        <m:nor/>
+                      </m:rPr>
+                      <a:rPr lang="zh-CN" altLang="en-US" spc="-5" dirty="0">
+                        <a:latin typeface="微软雅黑" panose="020B0503020204020204" pitchFamily="34" charset="-122"/>
+                        <a:ea typeface="微软雅黑" panose="020B0503020204020204" pitchFamily="34" charset="-122"/>
+                        <a:cs typeface="Times New Roman" panose="02020603050405020304" pitchFamily="18" charset="0"/>
+                      </a:rPr>
+                      <m:t>个指标</m:t>
+                    </m:r>
+                    <m:r>
+                      <m:rPr>
+                        <m:nor/>
+                      </m:rPr>
+                      <a:rPr lang="en-US" spc="-5" dirty="0">
+                        <a:latin typeface="微软雅黑" panose="020B0503020204020204" pitchFamily="34" charset="-122"/>
+                        <a:ea typeface="微软雅黑" panose="020B0503020204020204" pitchFamily="34" charset="-122"/>
+                        <a:cs typeface="Times New Roman" panose="02020603050405020304" pitchFamily="18" charset="0"/>
+                      </a:rPr>
+                      <m:t> </m:t>
+                    </m:r>
+                    <m:sSub>
+                      <m:sSubPr>
+                        <m:ctrlPr>
+                          <a:rPr lang="en-US" i="1" spc="-5">
+                            <a:latin typeface="Cambria Math" panose="02040503050406030204" pitchFamily="18" charset="0"/>
+                          </a:rPr>
+                        </m:ctrlPr>
+                      </m:sSubPr>
+                      <m:e>
+                        <m:r>
+                          <a:rPr lang="en-US" i="1" spc="-5">
+                            <a:latin typeface="Cambria Math" panose="02040503050406030204" pitchFamily="18" charset="0"/>
+                            <a:ea typeface="宋体" panose="02010600030101010101" pitchFamily="2" charset="-122"/>
+                            <a:cs typeface="Times New Roman" panose="02020603050405020304" pitchFamily="18" charset="0"/>
+                          </a:rPr>
+                          <m:t>𝑋</m:t>
+                        </m:r>
+                      </m:e>
+                      <m:sub>
+                        <m:r>
+                          <a:rPr lang="en-US" i="1" spc="-5">
+                            <a:latin typeface="Cambria Math" panose="02040503050406030204" pitchFamily="18" charset="0"/>
+                            <a:ea typeface="宋体" panose="02010600030101010101" pitchFamily="2" charset="-122"/>
+                            <a:cs typeface="Times New Roman" panose="02020603050405020304" pitchFamily="18" charset="0"/>
+                          </a:rPr>
+                          <m:t>𝑘</m:t>
+                        </m:r>
+                      </m:sub>
+                    </m:sSub>
+                    <m:r>
+                      <a:rPr lang="en-US" i="1" spc="-5">
+                        <a:latin typeface="Cambria Math" panose="02040503050406030204" pitchFamily="18" charset="0"/>
+                        <a:ea typeface="宋体" panose="02010600030101010101" pitchFamily="2" charset="-122"/>
+                        <a:cs typeface="Times New Roman" panose="02020603050405020304" pitchFamily="18" charset="0"/>
+                      </a:rPr>
+                      <m:t> </m:t>
+                    </m:r>
+                    <m:r>
+                      <m:rPr>
+                        <m:nor/>
+                      </m:rPr>
+                      <a:rPr lang="zh-CN" altLang="en-US" spc="-5" dirty="0">
+                        <a:latin typeface="微软雅黑" panose="020B0503020204020204" pitchFamily="34" charset="-122"/>
+                        <a:ea typeface="微软雅黑" panose="020B0503020204020204" pitchFamily="34" charset="-122"/>
+                        <a:cs typeface="Times New Roman" panose="02020603050405020304" pitchFamily="18" charset="0"/>
+                      </a:rPr>
+                      <m:t>与第</m:t>
+                    </m:r>
+                    <m:r>
+                      <a:rPr lang="en-US" altLang="zh-CN" i="1" spc="-5" dirty="0">
+                        <a:latin typeface="Cambria Math" panose="02040503050406030204" pitchFamily="18" charset="0"/>
+                      </a:rPr>
+                      <m:t>𝑗</m:t>
+                    </m:r>
+                    <m:r>
+                      <m:rPr>
+                        <m:nor/>
+                      </m:rPr>
+                      <a:rPr lang="zh-CN" altLang="en-US" spc="-5" dirty="0">
+                        <a:latin typeface="微软雅黑" panose="020B0503020204020204" pitchFamily="34" charset="-122"/>
+                        <a:ea typeface="微软雅黑" panose="020B0503020204020204" pitchFamily="34" charset="-122"/>
+                        <a:cs typeface="Times New Roman" panose="02020603050405020304" pitchFamily="18" charset="0"/>
+                      </a:rPr>
+                      <m:t>个指标</m:t>
+                    </m:r>
+                    <m:r>
+                      <m:rPr>
+                        <m:nor/>
+                      </m:rPr>
+                      <a:rPr lang="en-US" spc="-5" dirty="0">
+                        <a:latin typeface="微软雅黑" panose="020B0503020204020204" pitchFamily="34" charset="-122"/>
+                        <a:ea typeface="微软雅黑" panose="020B0503020204020204" pitchFamily="34" charset="-122"/>
+                        <a:cs typeface="Times New Roman" panose="02020603050405020304" pitchFamily="18" charset="0"/>
+                      </a:rPr>
+                      <m:t> </m:t>
+                    </m:r>
+                    <m:sSub>
+                      <m:sSubPr>
+                        <m:ctrlPr>
+                          <a:rPr lang="en-US" i="1" spc="-5">
+                            <a:latin typeface="Cambria Math" panose="02040503050406030204" pitchFamily="18" charset="0"/>
+                          </a:rPr>
+                        </m:ctrlPr>
+                      </m:sSubPr>
+                      <m:e>
+                        <m:r>
+                          <a:rPr lang="en-US" i="1" spc="-5">
+                            <a:latin typeface="Cambria Math" panose="02040503050406030204" pitchFamily="18" charset="0"/>
+                            <a:ea typeface="宋体" panose="02010600030101010101" pitchFamily="2" charset="-122"/>
+                            <a:cs typeface="Times New Roman" panose="02020603050405020304" pitchFamily="18" charset="0"/>
+                          </a:rPr>
+                          <m:t>𝑋</m:t>
+                        </m:r>
+                      </m:e>
+                      <m:sub>
+                        <m:r>
+                          <a:rPr lang="en-US" i="1" spc="-5">
+                            <a:latin typeface="Cambria Math" panose="02040503050406030204" pitchFamily="18" charset="0"/>
+                            <a:ea typeface="宋体" panose="02010600030101010101" pitchFamily="2" charset="-122"/>
+                            <a:cs typeface="Times New Roman" panose="02020603050405020304" pitchFamily="18" charset="0"/>
+                          </a:rPr>
+                          <m:t>𝑗</m:t>
+                        </m:r>
+                      </m:sub>
+                    </m:sSub>
+                    <m:r>
+                      <m:rPr>
+                        <m:nor/>
+                      </m:rPr>
+                      <a:rPr lang="zh-CN" altLang="en-US" spc="-5" dirty="0">
+                        <a:latin typeface="微软雅黑" panose="020B0503020204020204" pitchFamily="34" charset="-122"/>
+                        <a:ea typeface="微软雅黑" panose="020B0503020204020204" pitchFamily="34" charset="-122"/>
+                        <a:cs typeface="Times New Roman" panose="02020603050405020304" pitchFamily="18" charset="0"/>
+                      </a:rPr>
+                      <m:t>之间的</m:t>
+                    </m:r>
+                  </m:oMath>
+                </a14:m>
+                <a:r>
+                  <a:rPr lang="zh-CN" altLang="en-US" spc="-5" dirty="0">
+                    <a:solidFill>
+                      <a:srgbClr val="C00000"/>
+                    </a:solidFill>
+                    <a:latin typeface="微软雅黑" panose="020B0503020204020204" pitchFamily="34" charset="-122"/>
+                    <a:ea typeface="微软雅黑" panose="020B0503020204020204" pitchFamily="34" charset="-122"/>
+                    <a:cs typeface="Times New Roman" panose="02020603050405020304" pitchFamily="18" charset="0"/>
+                  </a:rPr>
+                  <a:t>互补性</a:t>
+                </a:r>
+                <a:endParaRPr lang="en-US" dirty="0">
+                  <a:solidFill>
+                    <a:srgbClr val="C00000"/>
+                  </a:solidFill>
+                  <a:latin typeface="微软雅黑" panose="020B0503020204020204" pitchFamily="34" charset="-122"/>
+                  <a:ea typeface="微软雅黑" panose="020B0503020204020204" pitchFamily="34" charset="-122"/>
+                  <a:cs typeface="Times New Roman" panose="02020603050405020304" pitchFamily="18" charset="0"/>
+                </a:endParaRPr>
+              </a:p>
+            </p:txBody>
+          </p:sp>
+        </mc:Choice>
+        <mc:Fallback>
+          <p:sp>
+            <p:nvSpPr>
+              <p:cNvPr id="4" name="矩形 3"/>
+              <p:cNvSpPr>
+                <a:spLocks noRot="1" noChangeAspect="1" noMove="1" noResize="1" noEditPoints="1" noAdjustHandles="1" noChangeArrowheads="1" noChangeShapeType="1" noTextEdit="1"/>
+              </p:cNvSpPr>
+              <p:nvPr/>
+            </p:nvSpPr>
+            <p:spPr>
+              <a:xfrm>
+                <a:off x="2769946" y="5129733"/>
+                <a:ext cx="6363706" cy="1583767"/>
+              </a:xfrm>
+              <a:prstGeom prst="rect">
+                <a:avLst/>
+              </a:prstGeom>
+              <a:blipFill>
+                <a:blip r:embed="rId4"/>
+                <a:stretch>
+                  <a:fillRect t="-1923" r="-287" b="-3462"/>
+                </a:stretch>
+              </a:blipFill>
+            </p:spPr>
+            <p:txBody>
+              <a:bodyPr/>
+              <a:lstStyle/>
+              <a:p>
+                <a:r>
+                  <a:rPr lang="zh-CN" altLang="en-US">
+                    <a:noFill/>
+                  </a:rPr>
+                  <a:t> </a:t>
+                </a:r>
+              </a:p>
+            </p:txBody>
+          </p:sp>
+        </mc:Fallback>
+      </mc:AlternateContent>
+      <p:sp>
+        <p:nvSpPr>
+          <p:cNvPr id="14" name="内容占位符 2"/>
+          <p:cNvSpPr txBox="1">
+            <a:spLocks/>
+          </p:cNvSpPr>
+          <p:nvPr/>
+        </p:nvSpPr>
+        <p:spPr bwMode="auto">
+          <a:xfrm>
+            <a:off x="6806872" y="5129733"/>
+            <a:ext cx="3404388" cy="1290819"/>
+          </a:xfrm>
+          <a:prstGeom prst="rect">
+            <a:avLst/>
+          </a:prstGeom>
+          <a:noFill/>
+          <a:ln w="9525">
+            <a:solidFill>
+              <a:schemeClr val="tx1"/>
+            </a:solidFill>
+            <a:miter lim="800000"/>
+            <a:headEnd/>
+            <a:tailEnd/>
+          </a:ln>
+        </p:spPr>
+        <p:txBody>
+          <a:bodyPr vert="horz" wrap="square" lIns="91440" tIns="45720" rIns="91440" bIns="45720" numCol="1" anchor="t" anchorCtr="0" compatLnSpc="1">
+            <a:prstTxWarp prst="textNoShape">
+              <a:avLst/>
+            </a:prstTxWarp>
+          </a:bodyPr>
+          <a:lstStyle>
+            <a:lvl1pPr algn="l" rtl="0" eaLnBrk="0" fontAlgn="base" hangingPunct="0">
+              <a:spcBef>
+                <a:spcPct val="20000"/>
+              </a:spcBef>
+              <a:spcAft>
+                <a:spcPct val="0"/>
+              </a:spcAft>
+              <a:buClr>
+                <a:srgbClr val="CC9900"/>
+              </a:buClr>
+              <a:buFont typeface="Wingdings" pitchFamily="2" charset="2"/>
+              <a:buChar char="p"/>
+              <a:defRPr sz="2000" b="0">
+                <a:solidFill>
+                  <a:srgbClr val="4A6784"/>
+                </a:solidFill>
+                <a:latin typeface="微软雅黑" pitchFamily="34" charset="-122"/>
+                <a:ea typeface="微软雅黑" pitchFamily="34" charset="-122"/>
+                <a:cs typeface="+mn-cs"/>
+              </a:defRPr>
+            </a:lvl1pPr>
+            <a:lvl2pPr marL="441325" indent="15875" algn="l" rtl="0" eaLnBrk="0" fontAlgn="base" hangingPunct="0">
+              <a:spcBef>
+                <a:spcPct val="20000"/>
+              </a:spcBef>
+              <a:spcAft>
+                <a:spcPct val="0"/>
+              </a:spcAft>
+              <a:buClr>
+                <a:srgbClr val="CC9900"/>
+              </a:buClr>
+              <a:buFont typeface="Wingdings" pitchFamily="2" charset="2"/>
+              <a:buChar char="Ø"/>
+              <a:defRPr b="0">
+                <a:solidFill>
+                  <a:schemeClr val="tx1"/>
+                </a:solidFill>
+                <a:latin typeface="微软雅黑" pitchFamily="34" charset="-122"/>
+                <a:ea typeface="微软雅黑" pitchFamily="34" charset="-122"/>
+              </a:defRPr>
+            </a:lvl2pPr>
+            <a:lvl3pPr marL="898525" indent="15875" algn="l" rtl="0" eaLnBrk="0" fontAlgn="base" hangingPunct="0">
+              <a:spcBef>
+                <a:spcPct val="20000"/>
+              </a:spcBef>
+              <a:spcAft>
+                <a:spcPct val="0"/>
+              </a:spcAft>
+              <a:buClr>
+                <a:srgbClr val="CC9900"/>
+              </a:buClr>
+              <a:buChar char="•"/>
+              <a:defRPr sz="1600">
+                <a:solidFill>
+                  <a:schemeClr val="tx1"/>
+                </a:solidFill>
+                <a:latin typeface="微软雅黑" pitchFamily="34" charset="-122"/>
+                <a:ea typeface="微软雅黑" pitchFamily="34" charset="-122"/>
+              </a:defRPr>
+            </a:lvl3pPr>
+            <a:lvl4pPr marL="1260475" algn="l" rtl="0" eaLnBrk="0" fontAlgn="base" hangingPunct="0">
+              <a:spcBef>
+                <a:spcPct val="20000"/>
+              </a:spcBef>
+              <a:spcAft>
+                <a:spcPct val="0"/>
+              </a:spcAft>
+              <a:buClr>
+                <a:srgbClr val="CC9900"/>
+              </a:buClr>
+              <a:buChar char="•"/>
+              <a:defRPr sz="1600">
+                <a:solidFill>
+                  <a:schemeClr val="tx1"/>
+                </a:solidFill>
+                <a:latin typeface="微软雅黑" pitchFamily="34" charset="-122"/>
+                <a:ea typeface="微软雅黑" pitchFamily="34" charset="-122"/>
+              </a:defRPr>
+            </a:lvl4pPr>
+            <a:lvl5pPr marL="1703388" algn="l" rtl="0" eaLnBrk="0" fontAlgn="base" hangingPunct="0">
+              <a:spcBef>
+                <a:spcPct val="20000"/>
+              </a:spcBef>
+              <a:spcAft>
+                <a:spcPct val="0"/>
+              </a:spcAft>
+              <a:buClr>
+                <a:srgbClr val="CC9900"/>
+              </a:buClr>
+              <a:buFont typeface="Arial" charset="0"/>
+              <a:buChar char="»"/>
+              <a:defRPr sz="1600">
+                <a:solidFill>
+                  <a:schemeClr val="tx1"/>
+                </a:solidFill>
+                <a:latin typeface="微软雅黑" pitchFamily="34" charset="-122"/>
+                <a:ea typeface="微软雅黑" pitchFamily="34" charset="-122"/>
+              </a:defRPr>
+            </a:lvl5pPr>
+            <a:lvl6pPr marL="2160588" algn="l" rtl="0" fontAlgn="base">
+              <a:spcBef>
+                <a:spcPct val="20000"/>
+              </a:spcBef>
+              <a:spcAft>
+                <a:spcPct val="0"/>
+              </a:spcAft>
+              <a:buClr>
+                <a:srgbClr val="CC9900"/>
+              </a:buClr>
+              <a:buFont typeface="Arial" charset="0"/>
+              <a:buChar char="»"/>
+              <a:defRPr>
+                <a:solidFill>
+                  <a:schemeClr val="tx1"/>
+                </a:solidFill>
+                <a:latin typeface="+mn-lt"/>
+                <a:ea typeface="+mn-ea"/>
+              </a:defRPr>
+            </a:lvl6pPr>
+            <a:lvl7pPr marL="2617788" algn="l" rtl="0" fontAlgn="base">
+              <a:spcBef>
+                <a:spcPct val="20000"/>
+              </a:spcBef>
+              <a:spcAft>
+                <a:spcPct val="0"/>
+              </a:spcAft>
+              <a:buClr>
+                <a:srgbClr val="CC9900"/>
+              </a:buClr>
+              <a:buFont typeface="Arial" charset="0"/>
+              <a:buChar char="»"/>
+              <a:defRPr>
+                <a:solidFill>
+                  <a:schemeClr val="tx1"/>
+                </a:solidFill>
+                <a:latin typeface="+mn-lt"/>
+                <a:ea typeface="+mn-ea"/>
+              </a:defRPr>
+            </a:lvl7pPr>
+            <a:lvl8pPr marL="3074988" algn="l" rtl="0" fontAlgn="base">
+              <a:spcBef>
+                <a:spcPct val="20000"/>
+              </a:spcBef>
+              <a:spcAft>
+                <a:spcPct val="0"/>
+              </a:spcAft>
+              <a:buClr>
+                <a:srgbClr val="CC9900"/>
+              </a:buClr>
+              <a:buFont typeface="Arial" charset="0"/>
+              <a:buChar char="»"/>
+              <a:defRPr>
+                <a:solidFill>
+                  <a:schemeClr val="tx1"/>
+                </a:solidFill>
+                <a:latin typeface="+mn-lt"/>
+                <a:ea typeface="+mn-ea"/>
+              </a:defRPr>
+            </a:lvl8pPr>
+            <a:lvl9pPr marL="3532188" algn="l" rtl="0" fontAlgn="base">
+              <a:spcBef>
+                <a:spcPct val="20000"/>
+              </a:spcBef>
+              <a:spcAft>
+                <a:spcPct val="0"/>
+              </a:spcAft>
+              <a:buClr>
+                <a:srgbClr val="CC9900"/>
+              </a:buClr>
+              <a:buFont typeface="Arial" charset="0"/>
+              <a:buChar char="»"/>
+              <a:defRPr>
+                <a:solidFill>
+                  <a:schemeClr val="tx1"/>
+                </a:solidFill>
+                <a:latin typeface="+mn-lt"/>
+                <a:ea typeface="+mn-ea"/>
+              </a:defRPr>
+            </a:lvl9pPr>
+          </a:lstStyle>
+          <a:p>
+            <a:pPr marL="285750" indent="-285750" algn="just">
+              <a:buFont typeface="Wingdings" panose="05000000000000000000" pitchFamily="2" charset="2"/>
+              <a:buChar char="l"/>
+            </a:pPr>
+            <a:r>
+              <a:rPr lang="zh-CN" altLang="en-US" sz="1800" dirty="0">
+                <a:solidFill>
+                  <a:schemeClr val="tx1"/>
+                </a:solidFill>
+              </a:rPr>
+              <a:t>综合考虑了候选指标之间的相关性，冗余度，互补性</a:t>
+            </a:r>
+            <a:endParaRPr lang="en-US" altLang="zh-CN" sz="1800" dirty="0">
+              <a:solidFill>
+                <a:schemeClr val="tx1"/>
+              </a:solidFill>
+            </a:endParaRPr>
+          </a:p>
+          <a:p>
+            <a:pPr marL="285750" indent="-285750" algn="just">
+              <a:buFont typeface="Wingdings" panose="05000000000000000000" pitchFamily="2" charset="2"/>
+              <a:buChar char="l"/>
+            </a:pPr>
+            <a:r>
+              <a:rPr lang="zh-CN" altLang="en-US" sz="1800" dirty="0">
+                <a:solidFill>
+                  <a:schemeClr val="tx1"/>
+                </a:solidFill>
+              </a:rPr>
+              <a:t>可更优的表达不同分类之间的特性差异，提高分类精度</a:t>
+            </a:r>
+            <a:endParaRPr lang="en-US" altLang="zh-CN" sz="1800" dirty="0">
+              <a:solidFill>
+                <a:schemeClr val="tx1"/>
+              </a:solidFill>
+            </a:endParaRPr>
+          </a:p>
+        </p:txBody>
+      </p:sp>
+      <p:pic>
+        <p:nvPicPr>
+          <p:cNvPr id="6" name="图片 5"/>
+          <p:cNvPicPr>
+            <a:picLocks noChangeAspect="1"/>
+          </p:cNvPicPr>
+          <p:nvPr/>
+        </p:nvPicPr>
+        <p:blipFill>
+          <a:blip r:embed="rId5"/>
+          <a:stretch>
+            <a:fillRect/>
+          </a:stretch>
+        </p:blipFill>
+        <p:spPr>
+          <a:xfrm>
+            <a:off x="6945876" y="1822813"/>
+            <a:ext cx="3322074" cy="1895749"/>
+          </a:xfrm>
+          <a:prstGeom prst="rect">
+            <a:avLst/>
+          </a:prstGeom>
+        </p:spPr>
+      </p:pic>
+      <p:sp>
+        <p:nvSpPr>
+          <p:cNvPr id="11" name="内容占位符 2"/>
+          <p:cNvSpPr txBox="1">
+            <a:spLocks/>
+          </p:cNvSpPr>
+          <p:nvPr/>
+        </p:nvSpPr>
+        <p:spPr bwMode="auto">
+          <a:xfrm>
+            <a:off x="2221514" y="1569061"/>
+            <a:ext cx="2921126" cy="462041"/>
+          </a:xfrm>
+          <a:prstGeom prst="rect">
+            <a:avLst/>
+          </a:prstGeom>
+          <a:noFill/>
+          <a:ln w="9525">
+            <a:noFill/>
+            <a:miter lim="800000"/>
+            <a:headEnd/>
+            <a:tailEnd/>
+          </a:ln>
+        </p:spPr>
+        <p:txBody>
+          <a:bodyPr vert="horz" wrap="square" lIns="91440" tIns="45720" rIns="91440" bIns="45720" numCol="1" anchor="t" anchorCtr="0" compatLnSpc="1">
+            <a:prstTxWarp prst="textNoShape">
+              <a:avLst/>
+            </a:prstTxWarp>
+          </a:bodyPr>
+          <a:lstStyle>
+            <a:lvl1pPr algn="l" rtl="0" eaLnBrk="0" fontAlgn="base" hangingPunct="0">
+              <a:spcBef>
+                <a:spcPct val="20000"/>
+              </a:spcBef>
+              <a:spcAft>
+                <a:spcPct val="0"/>
+              </a:spcAft>
+              <a:buClr>
+                <a:srgbClr val="CC9900"/>
+              </a:buClr>
+              <a:buFont typeface="Wingdings" pitchFamily="2" charset="2"/>
+              <a:buChar char="p"/>
+              <a:defRPr sz="2000" b="0">
+                <a:solidFill>
+                  <a:srgbClr val="4A6784"/>
+                </a:solidFill>
+                <a:latin typeface="微软雅黑" pitchFamily="34" charset="-122"/>
+                <a:ea typeface="微软雅黑" pitchFamily="34" charset="-122"/>
+                <a:cs typeface="+mn-cs"/>
+              </a:defRPr>
+            </a:lvl1pPr>
+            <a:lvl2pPr marL="441325" indent="15875" algn="l" rtl="0" eaLnBrk="0" fontAlgn="base" hangingPunct="0">
+              <a:spcBef>
+                <a:spcPct val="20000"/>
+              </a:spcBef>
+              <a:spcAft>
+                <a:spcPct val="0"/>
+              </a:spcAft>
+              <a:buClr>
+                <a:srgbClr val="CC9900"/>
+              </a:buClr>
+              <a:buFont typeface="Wingdings" pitchFamily="2" charset="2"/>
+              <a:buChar char="Ø"/>
+              <a:defRPr b="0">
+                <a:solidFill>
+                  <a:schemeClr val="tx1"/>
+                </a:solidFill>
+                <a:latin typeface="微软雅黑" pitchFamily="34" charset="-122"/>
+                <a:ea typeface="微软雅黑" pitchFamily="34" charset="-122"/>
+              </a:defRPr>
+            </a:lvl2pPr>
+            <a:lvl3pPr marL="898525" indent="15875" algn="l" rtl="0" eaLnBrk="0" fontAlgn="base" hangingPunct="0">
+              <a:spcBef>
+                <a:spcPct val="20000"/>
+              </a:spcBef>
+              <a:spcAft>
+                <a:spcPct val="0"/>
+              </a:spcAft>
+              <a:buClr>
+                <a:srgbClr val="CC9900"/>
+              </a:buClr>
+              <a:buChar char="•"/>
+              <a:defRPr sz="1600">
+                <a:solidFill>
+                  <a:schemeClr val="tx1"/>
+                </a:solidFill>
+                <a:latin typeface="微软雅黑" pitchFamily="34" charset="-122"/>
+                <a:ea typeface="微软雅黑" pitchFamily="34" charset="-122"/>
+              </a:defRPr>
+            </a:lvl3pPr>
+            <a:lvl4pPr marL="1260475" algn="l" rtl="0" eaLnBrk="0" fontAlgn="base" hangingPunct="0">
+              <a:spcBef>
+                <a:spcPct val="20000"/>
+              </a:spcBef>
+              <a:spcAft>
+                <a:spcPct val="0"/>
+              </a:spcAft>
+              <a:buClr>
+                <a:srgbClr val="CC9900"/>
+              </a:buClr>
+              <a:buChar char="•"/>
+              <a:defRPr sz="1600">
+                <a:solidFill>
+                  <a:schemeClr val="tx1"/>
+                </a:solidFill>
+                <a:latin typeface="微软雅黑" pitchFamily="34" charset="-122"/>
+                <a:ea typeface="微软雅黑" pitchFamily="34" charset="-122"/>
+              </a:defRPr>
+            </a:lvl4pPr>
+            <a:lvl5pPr marL="1703388" algn="l" rtl="0" eaLnBrk="0" fontAlgn="base" hangingPunct="0">
+              <a:spcBef>
+                <a:spcPct val="20000"/>
+              </a:spcBef>
+              <a:spcAft>
+                <a:spcPct val="0"/>
+              </a:spcAft>
+              <a:buClr>
+                <a:srgbClr val="CC9900"/>
+              </a:buClr>
+              <a:buFont typeface="Arial" charset="0"/>
+              <a:buChar char="»"/>
+              <a:defRPr sz="1600">
+                <a:solidFill>
+                  <a:schemeClr val="tx1"/>
+                </a:solidFill>
+                <a:latin typeface="微软雅黑" pitchFamily="34" charset="-122"/>
+                <a:ea typeface="微软雅黑" pitchFamily="34" charset="-122"/>
+              </a:defRPr>
+            </a:lvl5pPr>
+            <a:lvl6pPr marL="2160588" algn="l" rtl="0" fontAlgn="base">
+              <a:spcBef>
+                <a:spcPct val="20000"/>
+              </a:spcBef>
+              <a:spcAft>
+                <a:spcPct val="0"/>
+              </a:spcAft>
+              <a:buClr>
+                <a:srgbClr val="CC9900"/>
+              </a:buClr>
+              <a:buFont typeface="Arial" charset="0"/>
+              <a:buChar char="»"/>
+              <a:defRPr>
+                <a:solidFill>
+                  <a:schemeClr val="tx1"/>
+                </a:solidFill>
+                <a:latin typeface="+mn-lt"/>
+                <a:ea typeface="+mn-ea"/>
+              </a:defRPr>
+            </a:lvl6pPr>
+            <a:lvl7pPr marL="2617788" algn="l" rtl="0" fontAlgn="base">
+              <a:spcBef>
+                <a:spcPct val="20000"/>
+              </a:spcBef>
+              <a:spcAft>
+                <a:spcPct val="0"/>
+              </a:spcAft>
+              <a:buClr>
+                <a:srgbClr val="CC9900"/>
+              </a:buClr>
+              <a:buFont typeface="Arial" charset="0"/>
+              <a:buChar char="»"/>
+              <a:defRPr>
+                <a:solidFill>
+                  <a:schemeClr val="tx1"/>
+                </a:solidFill>
+                <a:latin typeface="+mn-lt"/>
+                <a:ea typeface="+mn-ea"/>
+              </a:defRPr>
+            </a:lvl7pPr>
+            <a:lvl8pPr marL="3074988" algn="l" rtl="0" fontAlgn="base">
+              <a:spcBef>
+                <a:spcPct val="20000"/>
+              </a:spcBef>
+              <a:spcAft>
+                <a:spcPct val="0"/>
+              </a:spcAft>
+              <a:buClr>
+                <a:srgbClr val="CC9900"/>
+              </a:buClr>
+              <a:buFont typeface="Arial" charset="0"/>
+              <a:buChar char="»"/>
+              <a:defRPr>
+                <a:solidFill>
+                  <a:schemeClr val="tx1"/>
+                </a:solidFill>
+                <a:latin typeface="+mn-lt"/>
+                <a:ea typeface="+mn-ea"/>
+              </a:defRPr>
+            </a:lvl8pPr>
+            <a:lvl9pPr marL="3532188" algn="l" rtl="0" fontAlgn="base">
+              <a:spcBef>
+                <a:spcPct val="20000"/>
+              </a:spcBef>
+              <a:spcAft>
+                <a:spcPct val="0"/>
+              </a:spcAft>
+              <a:buClr>
+                <a:srgbClr val="CC9900"/>
+              </a:buClr>
+              <a:buFont typeface="Arial" charset="0"/>
+              <a:buChar char="»"/>
+              <a:defRPr>
+                <a:solidFill>
+                  <a:schemeClr val="tx1"/>
+                </a:solidFill>
+                <a:latin typeface="+mn-lt"/>
+                <a:ea typeface="+mn-ea"/>
+              </a:defRPr>
+            </a:lvl9pPr>
+          </a:lstStyle>
+          <a:p>
+            <a:pPr marL="285750" indent="-285750" algn="just">
+              <a:buFont typeface="Wingdings" panose="05000000000000000000" pitchFamily="2" charset="2"/>
+              <a:buChar char="l"/>
+            </a:pPr>
+            <a:r>
+              <a:rPr lang="zh-CN" altLang="en-US" sz="1800" dirty="0">
+                <a:solidFill>
+                  <a:schemeClr val="tx1"/>
+                </a:solidFill>
+              </a:rPr>
+              <a:t>熵与互信息</a:t>
+            </a:r>
+          </a:p>
+        </p:txBody>
+      </p:sp>
+      <mc:AlternateContent xmlns:mc="http://schemas.openxmlformats.org/markup-compatibility/2006">
+        <mc:Choice xmlns:a14="http://schemas.microsoft.com/office/drawing/2010/main" Requires="a14">
+          <p:sp>
+            <p:nvSpPr>
+              <p:cNvPr id="5" name="矩形 4"/>
+              <p:cNvSpPr/>
+              <p:nvPr/>
+            </p:nvSpPr>
+            <p:spPr>
+              <a:xfrm>
+                <a:off x="2769946" y="1861052"/>
+                <a:ext cx="2918812" cy="764505"/>
+              </a:xfrm>
+              <a:prstGeom prst="rect">
+                <a:avLst/>
+              </a:prstGeom>
+            </p:spPr>
+            <p:txBody>
+              <a:bodyPr wrap="none">
+                <a:spAutoFit/>
+              </a:bodyPr>
+              <a:lstStyle/>
+              <a:p>
+                <a:pPr/>
+                <a14:m>
+                  <m:oMathPara xmlns:m="http://schemas.openxmlformats.org/officeDocument/2006/math">
+                    <m:oMathParaPr>
+                      <m:jc m:val="centerGroup"/>
+                    </m:oMathParaPr>
+                    <m:oMath xmlns:m="http://schemas.openxmlformats.org/officeDocument/2006/math">
+                      <m:r>
+                        <a:rPr lang="en-US" i="1">
+                          <a:latin typeface="Cambria Math" panose="02040503050406030204" pitchFamily="18" charset="0"/>
+                        </a:rPr>
+                        <m:t>𝐻</m:t>
+                      </m:r>
+                      <m:d>
+                        <m:dPr>
+                          <m:ctrlPr>
+                            <a:rPr lang="en-US" i="1">
+                              <a:latin typeface="Cambria Math" panose="02040503050406030204" pitchFamily="18" charset="0"/>
+                            </a:rPr>
+                          </m:ctrlPr>
+                        </m:dPr>
+                        <m:e>
+                          <m:r>
+                            <a:rPr lang="en-US" i="1">
+                              <a:latin typeface="Cambria Math" panose="02040503050406030204" pitchFamily="18" charset="0"/>
+                            </a:rPr>
+                            <m:t>𝑋</m:t>
+                          </m:r>
+                        </m:e>
+                      </m:d>
+                      <m:r>
+                        <a:rPr lang="en-US">
+                          <a:latin typeface="Cambria Math" panose="02040503050406030204" pitchFamily="18" charset="0"/>
+                        </a:rPr>
+                        <m:t>=−</m:t>
+                      </m:r>
+                      <m:nary>
+                        <m:naryPr>
+                          <m:chr m:val="∑"/>
+                          <m:limLoc m:val="undOvr"/>
+                          <m:supHide m:val="on"/>
+                          <m:ctrlPr>
+                            <a:rPr lang="en-US" i="1">
+                              <a:latin typeface="Cambria Math" panose="02040503050406030204" pitchFamily="18" charset="0"/>
+                            </a:rPr>
+                          </m:ctrlPr>
+                        </m:naryPr>
+                        <m:sub>
+                          <m:r>
+                            <a:rPr lang="en-US" i="1">
+                              <a:latin typeface="Cambria Math" panose="02040503050406030204" pitchFamily="18" charset="0"/>
+                            </a:rPr>
+                            <m:t>𝑥</m:t>
+                          </m:r>
+                          <m:r>
+                            <a:rPr lang="en-US">
+                              <a:latin typeface="Cambria Math" panose="02040503050406030204" pitchFamily="18" charset="0"/>
+                            </a:rPr>
+                            <m:t>∈</m:t>
+                          </m:r>
+                          <m:r>
+                            <a:rPr lang="en-US" i="1">
+                              <a:latin typeface="Cambria Math" panose="02040503050406030204" pitchFamily="18" charset="0"/>
+                            </a:rPr>
+                            <m:t>𝑋</m:t>
+                          </m:r>
+                        </m:sub>
+                        <m:sup/>
+                        <m:e>
+                          <m:r>
+                            <a:rPr lang="en-US" i="1">
+                              <a:latin typeface="Cambria Math" panose="02040503050406030204" pitchFamily="18" charset="0"/>
+                            </a:rPr>
+                            <m:t>𝑝</m:t>
+                          </m:r>
+                          <m:d>
+                            <m:dPr>
+                              <m:ctrlPr>
+                                <a:rPr lang="en-US" i="1">
+                                  <a:latin typeface="Cambria Math" panose="02040503050406030204" pitchFamily="18" charset="0"/>
+                                </a:rPr>
+                              </m:ctrlPr>
+                            </m:dPr>
+                            <m:e>
+                              <m:r>
+                                <a:rPr lang="en-US" i="1">
+                                  <a:latin typeface="Cambria Math" panose="02040503050406030204" pitchFamily="18" charset="0"/>
+                                </a:rPr>
+                                <m:t>𝑥</m:t>
+                              </m:r>
+                            </m:e>
+                          </m:d>
+                        </m:e>
+                      </m:nary>
+                      <m:func>
+                        <m:funcPr>
+                          <m:ctrlPr>
+                            <a:rPr lang="en-US" i="1">
+                              <a:latin typeface="Cambria Math" panose="02040503050406030204" pitchFamily="18" charset="0"/>
+                            </a:rPr>
+                          </m:ctrlPr>
+                        </m:funcPr>
+                        <m:fName>
+                          <m:r>
+                            <m:rPr>
+                              <m:sty m:val="p"/>
+                            </m:rPr>
+                            <a:rPr lang="en-US">
+                              <a:latin typeface="Cambria Math" panose="02040503050406030204" pitchFamily="18" charset="0"/>
+                            </a:rPr>
+                            <m:t>log</m:t>
+                          </m:r>
+                        </m:fName>
+                        <m:e>
+                          <m:r>
+                            <a:rPr lang="en-US" i="1">
+                              <a:latin typeface="Cambria Math" panose="02040503050406030204" pitchFamily="18" charset="0"/>
+                            </a:rPr>
+                            <m:t>𝑝</m:t>
+                          </m:r>
+                          <m:d>
+                            <m:dPr>
+                              <m:ctrlPr>
+                                <a:rPr lang="en-US" i="1">
+                                  <a:latin typeface="Cambria Math" panose="02040503050406030204" pitchFamily="18" charset="0"/>
+                                </a:rPr>
+                              </m:ctrlPr>
+                            </m:dPr>
+                            <m:e>
+                              <m:r>
+                                <a:rPr lang="en-US" i="1">
+                                  <a:latin typeface="Cambria Math" panose="02040503050406030204" pitchFamily="18" charset="0"/>
+                                </a:rPr>
+                                <m:t>𝑥</m:t>
+                              </m:r>
+                            </m:e>
+                          </m:d>
+                        </m:e>
+                      </m:func>
+                    </m:oMath>
+                  </m:oMathPara>
+                </a14:m>
+                <a:endParaRPr lang="en-US" dirty="0"/>
+              </a:p>
+            </p:txBody>
+          </p:sp>
+        </mc:Choice>
+        <mc:Fallback>
+          <p:sp>
+            <p:nvSpPr>
+              <p:cNvPr id="5" name="矩形 4"/>
+              <p:cNvSpPr>
+                <a:spLocks noRot="1" noChangeAspect="1" noMove="1" noResize="1" noEditPoints="1" noAdjustHandles="1" noChangeArrowheads="1" noChangeShapeType="1" noTextEdit="1"/>
+              </p:cNvSpPr>
+              <p:nvPr/>
+            </p:nvSpPr>
+            <p:spPr>
+              <a:xfrm>
+                <a:off x="2769946" y="1861052"/>
+                <a:ext cx="2918812" cy="764505"/>
+              </a:xfrm>
+              <a:prstGeom prst="rect">
+                <a:avLst/>
+              </a:prstGeom>
+              <a:blipFill>
+                <a:blip r:embed="rId6"/>
+                <a:stretch>
+                  <a:fillRect/>
+                </a:stretch>
+              </a:blipFill>
+            </p:spPr>
+            <p:txBody>
+              <a:bodyPr/>
+              <a:lstStyle/>
+              <a:p>
+                <a:r>
+                  <a:rPr lang="zh-CN" altLang="en-US">
+                    <a:noFill/>
+                  </a:rPr>
+                  <a:t> </a:t>
+                </a:r>
+              </a:p>
+            </p:txBody>
+          </p:sp>
+        </mc:Fallback>
+      </mc:AlternateContent>
+      <mc:AlternateContent xmlns:mc="http://schemas.openxmlformats.org/markup-compatibility/2006">
+        <mc:Choice xmlns:a14="http://schemas.microsoft.com/office/drawing/2010/main" Requires="a14">
+          <p:sp>
+            <p:nvSpPr>
+              <p:cNvPr id="8" name="矩形 7"/>
+              <p:cNvSpPr/>
+              <p:nvPr/>
+            </p:nvSpPr>
+            <p:spPr>
+              <a:xfrm>
+                <a:off x="2769947" y="2763483"/>
+                <a:ext cx="3511791" cy="1070999"/>
+              </a:xfrm>
+              <a:prstGeom prst="rect">
+                <a:avLst/>
+              </a:prstGeom>
+            </p:spPr>
+            <p:txBody>
+              <a:bodyPr wrap="square">
+                <a:spAutoFit/>
+              </a:bodyPr>
+              <a:lstStyle/>
+              <a:p>
+                <a:pPr/>
+                <a14:m>
+                  <m:oMathPara xmlns:m="http://schemas.openxmlformats.org/officeDocument/2006/math">
+                    <m:oMathParaPr>
+                      <m:jc m:val="left"/>
+                    </m:oMathParaPr>
+                    <m:oMath xmlns:m="http://schemas.openxmlformats.org/officeDocument/2006/math">
+                      <m:r>
+                        <a:rPr lang="en-US" i="1">
+                          <a:latin typeface="Cambria Math" panose="02040503050406030204" pitchFamily="18" charset="0"/>
+                        </a:rPr>
+                        <m:t>𝐼</m:t>
+                      </m:r>
+                      <m:d>
+                        <m:dPr>
+                          <m:ctrlPr>
+                            <a:rPr lang="en-US" i="1">
+                              <a:latin typeface="Cambria Math" panose="02040503050406030204" pitchFamily="18" charset="0"/>
+                            </a:rPr>
+                          </m:ctrlPr>
+                        </m:dPr>
+                        <m:e>
+                          <m:r>
+                            <a:rPr lang="en-US" i="1">
+                              <a:latin typeface="Cambria Math" panose="02040503050406030204" pitchFamily="18" charset="0"/>
+                            </a:rPr>
+                            <m:t>𝑋</m:t>
+                          </m:r>
+                          <m:r>
+                            <a:rPr lang="en-US">
+                              <a:latin typeface="Cambria Math" panose="02040503050406030204" pitchFamily="18" charset="0"/>
+                            </a:rPr>
+                            <m:t>;</m:t>
+                          </m:r>
+                          <m:r>
+                            <a:rPr lang="en-US" i="1">
+                              <a:latin typeface="Cambria Math" panose="02040503050406030204" pitchFamily="18" charset="0"/>
+                            </a:rPr>
+                            <m:t>𝑌</m:t>
+                          </m:r>
+                        </m:e>
+                      </m:d>
+                      <m:r>
+                        <a:rPr lang="en-US">
+                          <a:latin typeface="Cambria Math" panose="02040503050406030204" pitchFamily="18" charset="0"/>
+                        </a:rPr>
+                        <m:t>=</m:t>
+                      </m:r>
+                      <m:r>
+                        <a:rPr lang="en-US" i="1">
+                          <a:latin typeface="Cambria Math" panose="02040503050406030204" pitchFamily="18" charset="0"/>
+                        </a:rPr>
+                        <m:t>𝐻</m:t>
+                      </m:r>
+                      <m:d>
+                        <m:dPr>
+                          <m:ctrlPr>
+                            <a:rPr lang="en-US" i="1">
+                              <a:latin typeface="Cambria Math" panose="02040503050406030204" pitchFamily="18" charset="0"/>
+                            </a:rPr>
+                          </m:ctrlPr>
+                        </m:dPr>
+                        <m:e>
+                          <m:r>
+                            <a:rPr lang="en-US" i="1">
+                              <a:latin typeface="Cambria Math" panose="02040503050406030204" pitchFamily="18" charset="0"/>
+                            </a:rPr>
+                            <m:t>𝑋</m:t>
+                          </m:r>
+                        </m:e>
+                      </m:d>
+                      <m:r>
+                        <a:rPr lang="en-US">
+                          <a:latin typeface="Cambria Math" panose="02040503050406030204" pitchFamily="18" charset="0"/>
+                        </a:rPr>
+                        <m:t>−</m:t>
+                      </m:r>
+                      <m:r>
+                        <a:rPr lang="en-US" i="1">
+                          <a:latin typeface="Cambria Math" panose="02040503050406030204" pitchFamily="18" charset="0"/>
+                        </a:rPr>
+                        <m:t>𝐻</m:t>
+                      </m:r>
+                      <m:d>
+                        <m:dPr>
+                          <m:ctrlPr>
+                            <a:rPr lang="en-US" i="1">
+                              <a:latin typeface="Cambria Math" panose="02040503050406030204" pitchFamily="18" charset="0"/>
+                            </a:rPr>
+                          </m:ctrlPr>
+                        </m:dPr>
+                        <m:e>
+                          <m:r>
+                            <a:rPr lang="en-US" i="1">
+                              <a:latin typeface="Cambria Math" panose="02040503050406030204" pitchFamily="18" charset="0"/>
+                            </a:rPr>
+                            <m:t>𝑋</m:t>
+                          </m:r>
+                          <m:r>
+                            <a:rPr lang="en-US">
+                              <a:latin typeface="Cambria Math" panose="02040503050406030204" pitchFamily="18" charset="0"/>
+                            </a:rPr>
+                            <m:t>|</m:t>
+                          </m:r>
+                          <m:r>
+                            <a:rPr lang="en-US" i="1">
+                              <a:latin typeface="Cambria Math" panose="02040503050406030204" pitchFamily="18" charset="0"/>
+                            </a:rPr>
+                            <m:t>𝑌</m:t>
+                          </m:r>
+                        </m:e>
+                      </m:d>
+                      <m:r>
+                        <a:rPr lang="en-US">
+                          <a:latin typeface="Cambria Math" panose="02040503050406030204" pitchFamily="18" charset="0"/>
+                        </a:rPr>
+                        <m:t>=</m:t>
+                      </m:r>
+                      <m:nary>
+                        <m:naryPr>
+                          <m:chr m:val="∑"/>
+                          <m:limLoc m:val="undOvr"/>
+                          <m:supHide m:val="on"/>
+                          <m:ctrlPr>
+                            <a:rPr lang="en-US" i="1">
+                              <a:latin typeface="Cambria Math" panose="02040503050406030204" pitchFamily="18" charset="0"/>
+                            </a:rPr>
+                          </m:ctrlPr>
+                        </m:naryPr>
+                        <m:sub>
+                          <m:r>
+                            <a:rPr lang="en-US" i="1">
+                              <a:latin typeface="Cambria Math" panose="02040503050406030204" pitchFamily="18" charset="0"/>
+                            </a:rPr>
+                            <m:t>𝑥</m:t>
+                          </m:r>
+                          <m:r>
+                            <a:rPr lang="en-US">
+                              <a:latin typeface="Cambria Math" panose="02040503050406030204" pitchFamily="18" charset="0"/>
+                            </a:rPr>
+                            <m:t>∈</m:t>
+                          </m:r>
+                          <m:r>
+                            <a:rPr lang="en-US" i="1">
+                              <a:latin typeface="Cambria Math" panose="02040503050406030204" pitchFamily="18" charset="0"/>
+                            </a:rPr>
+                            <m:t>𝑋</m:t>
+                          </m:r>
+                        </m:sub>
+                        <m:sup/>
+                        <m:e>
+                          <m:nary>
+                            <m:naryPr>
+                              <m:chr m:val="∑"/>
+                              <m:limLoc m:val="undOvr"/>
+                              <m:supHide m:val="on"/>
+                              <m:ctrlPr>
+                                <a:rPr lang="en-US" i="1">
+                                  <a:latin typeface="Cambria Math" panose="02040503050406030204" pitchFamily="18" charset="0"/>
+                                </a:rPr>
+                              </m:ctrlPr>
+                            </m:naryPr>
+                            <m:sub>
+                              <m:r>
+                                <a:rPr lang="en-US" i="1">
+                                  <a:latin typeface="Cambria Math" panose="02040503050406030204" pitchFamily="18" charset="0"/>
+                                </a:rPr>
+                                <m:t>𝑦</m:t>
+                              </m:r>
+                              <m:r>
+                                <a:rPr lang="en-US">
+                                  <a:latin typeface="Cambria Math" panose="02040503050406030204" pitchFamily="18" charset="0"/>
+                                </a:rPr>
+                                <m:t>∈</m:t>
+                              </m:r>
+                              <m:r>
+                                <a:rPr lang="en-US" i="1">
+                                  <a:latin typeface="Cambria Math" panose="02040503050406030204" pitchFamily="18" charset="0"/>
+                                </a:rPr>
+                                <m:t>𝑌</m:t>
+                              </m:r>
+                            </m:sub>
+                            <m:sup/>
+                            <m:e>
+                              <m:r>
+                                <a:rPr lang="en-US" i="1">
+                                  <a:latin typeface="Cambria Math" panose="02040503050406030204" pitchFamily="18" charset="0"/>
+                                </a:rPr>
+                                <m:t>𝑝</m:t>
+                              </m:r>
+                              <m:d>
+                                <m:dPr>
+                                  <m:ctrlPr>
+                                    <a:rPr lang="en-US" i="1">
+                                      <a:latin typeface="Cambria Math" panose="02040503050406030204" pitchFamily="18" charset="0"/>
+                                    </a:rPr>
+                                  </m:ctrlPr>
+                                </m:dPr>
+                                <m:e>
+                                  <m:r>
+                                    <a:rPr lang="en-US" i="1">
+                                      <a:latin typeface="Cambria Math" panose="02040503050406030204" pitchFamily="18" charset="0"/>
+                                    </a:rPr>
+                                    <m:t>𝑥𝑦</m:t>
+                                  </m:r>
+                                </m:e>
+                              </m:d>
+                            </m:e>
+                          </m:nary>
+                          <m:func>
+                            <m:funcPr>
+                              <m:ctrlPr>
+                                <a:rPr lang="en-US" i="1">
+                                  <a:latin typeface="Cambria Math" panose="02040503050406030204" pitchFamily="18" charset="0"/>
+                                </a:rPr>
+                              </m:ctrlPr>
+                            </m:funcPr>
+                            <m:fName>
+                              <m:r>
+                                <m:rPr>
+                                  <m:sty m:val="p"/>
+                                </m:rPr>
+                                <a:rPr lang="en-US">
+                                  <a:latin typeface="Cambria Math" panose="02040503050406030204" pitchFamily="18" charset="0"/>
+                                </a:rPr>
+                                <m:t>log</m:t>
+                              </m:r>
+                            </m:fName>
+                            <m:e>
+                              <m:f>
+                                <m:fPr>
+                                  <m:ctrlPr>
+                                    <a:rPr lang="en-US" i="1">
+                                      <a:latin typeface="Cambria Math" panose="02040503050406030204" pitchFamily="18" charset="0"/>
+                                    </a:rPr>
+                                  </m:ctrlPr>
+                                </m:fPr>
+                                <m:num>
+                                  <m:r>
+                                    <a:rPr lang="en-US" i="1">
+                                      <a:latin typeface="Cambria Math" panose="02040503050406030204" pitchFamily="18" charset="0"/>
+                                    </a:rPr>
+                                    <m:t>𝑝</m:t>
+                                  </m:r>
+                                  <m:d>
+                                    <m:dPr>
+                                      <m:ctrlPr>
+                                        <a:rPr lang="en-US" i="1">
+                                          <a:latin typeface="Cambria Math" panose="02040503050406030204" pitchFamily="18" charset="0"/>
+                                        </a:rPr>
+                                      </m:ctrlPr>
+                                    </m:dPr>
+                                    <m:e>
+                                      <m:r>
+                                        <a:rPr lang="en-US" i="1">
+                                          <a:latin typeface="Cambria Math" panose="02040503050406030204" pitchFamily="18" charset="0"/>
+                                        </a:rPr>
+                                        <m:t>𝑥𝑦</m:t>
+                                      </m:r>
+                                    </m:e>
+                                  </m:d>
+                                </m:num>
+                                <m:den>
+                                  <m:r>
+                                    <a:rPr lang="en-US" i="1">
+                                      <a:latin typeface="Cambria Math" panose="02040503050406030204" pitchFamily="18" charset="0"/>
+                                    </a:rPr>
+                                    <m:t>𝑝</m:t>
+                                  </m:r>
+                                  <m:d>
+                                    <m:dPr>
+                                      <m:ctrlPr>
+                                        <a:rPr lang="en-US" i="1">
+                                          <a:latin typeface="Cambria Math" panose="02040503050406030204" pitchFamily="18" charset="0"/>
+                                        </a:rPr>
+                                      </m:ctrlPr>
+                                    </m:dPr>
+                                    <m:e>
+                                      <m:r>
+                                        <a:rPr lang="en-US" i="1">
+                                          <a:latin typeface="Cambria Math" panose="02040503050406030204" pitchFamily="18" charset="0"/>
+                                        </a:rPr>
+                                        <m:t>𝑥</m:t>
+                                      </m:r>
+                                    </m:e>
+                                  </m:d>
+                                  <m:r>
+                                    <a:rPr lang="en-US" i="1">
+                                      <a:latin typeface="Cambria Math" panose="02040503050406030204" pitchFamily="18" charset="0"/>
+                                    </a:rPr>
+                                    <m:t>𝑝</m:t>
+                                  </m:r>
+                                  <m:d>
+                                    <m:dPr>
+                                      <m:ctrlPr>
+                                        <a:rPr lang="en-US" i="1">
+                                          <a:latin typeface="Cambria Math" panose="02040503050406030204" pitchFamily="18" charset="0"/>
+                                        </a:rPr>
+                                      </m:ctrlPr>
+                                    </m:dPr>
+                                    <m:e>
+                                      <m:r>
+                                        <a:rPr lang="en-US" i="1">
+                                          <a:latin typeface="Cambria Math" panose="02040503050406030204" pitchFamily="18" charset="0"/>
+                                        </a:rPr>
+                                        <m:t>𝑦</m:t>
+                                      </m:r>
+                                    </m:e>
+                                  </m:d>
+                                </m:den>
+                              </m:f>
+                            </m:e>
+                          </m:func>
+                        </m:e>
+                      </m:nary>
+                    </m:oMath>
+                  </m:oMathPara>
+                </a14:m>
+                <a:endParaRPr lang="en-US" dirty="0"/>
+              </a:p>
+            </p:txBody>
+          </p:sp>
+        </mc:Choice>
+        <mc:Fallback>
+          <p:sp>
+            <p:nvSpPr>
+              <p:cNvPr id="8" name="矩形 7"/>
+              <p:cNvSpPr>
+                <a:spLocks noRot="1" noChangeAspect="1" noMove="1" noResize="1" noEditPoints="1" noAdjustHandles="1" noChangeArrowheads="1" noChangeShapeType="1" noTextEdit="1"/>
+              </p:cNvSpPr>
+              <p:nvPr/>
+            </p:nvSpPr>
+            <p:spPr>
+              <a:xfrm>
+                <a:off x="2769947" y="2763483"/>
+                <a:ext cx="3511791" cy="1070999"/>
+              </a:xfrm>
+              <a:prstGeom prst="rect">
+                <a:avLst/>
+              </a:prstGeom>
+              <a:blipFill>
+                <a:blip r:embed="rId7"/>
+                <a:stretch>
+                  <a:fillRect/>
+                </a:stretch>
+              </a:blipFill>
+            </p:spPr>
+            <p:txBody>
+              <a:bodyPr/>
+              <a:lstStyle/>
+              <a:p>
+                <a:r>
+                  <a:rPr lang="zh-CN" altLang="en-US">
+                    <a:noFill/>
+                  </a:rPr>
+                  <a:t> </a:t>
+                </a:r>
+              </a:p>
+            </p:txBody>
+          </p:sp>
+        </mc:Fallback>
+      </mc:AlternateContent>
+      <p:sp>
+        <p:nvSpPr>
+          <p:cNvPr id="15" name="内容占位符 2"/>
+          <p:cNvSpPr txBox="1">
+            <a:spLocks/>
+          </p:cNvSpPr>
+          <p:nvPr/>
+        </p:nvSpPr>
+        <p:spPr bwMode="auto">
+          <a:xfrm>
+            <a:off x="2221514" y="3918749"/>
+            <a:ext cx="2921126" cy="462041"/>
+          </a:xfrm>
+          <a:prstGeom prst="rect">
+            <a:avLst/>
+          </a:prstGeom>
+          <a:noFill/>
+          <a:ln w="9525">
+            <a:noFill/>
+            <a:miter lim="800000"/>
+            <a:headEnd/>
+            <a:tailEnd/>
+          </a:ln>
+        </p:spPr>
+        <p:txBody>
+          <a:bodyPr vert="horz" wrap="square" lIns="91440" tIns="45720" rIns="91440" bIns="45720" numCol="1" anchor="t" anchorCtr="0" compatLnSpc="1">
+            <a:prstTxWarp prst="textNoShape">
+              <a:avLst/>
+            </a:prstTxWarp>
+          </a:bodyPr>
+          <a:lstStyle>
+            <a:lvl1pPr algn="l" rtl="0" eaLnBrk="0" fontAlgn="base" hangingPunct="0">
+              <a:spcBef>
+                <a:spcPct val="20000"/>
+              </a:spcBef>
+              <a:spcAft>
+                <a:spcPct val="0"/>
+              </a:spcAft>
+              <a:buClr>
+                <a:srgbClr val="CC9900"/>
+              </a:buClr>
+              <a:buFont typeface="Wingdings" pitchFamily="2" charset="2"/>
+              <a:buChar char="p"/>
+              <a:defRPr sz="2000" b="0">
+                <a:solidFill>
+                  <a:srgbClr val="4A6784"/>
+                </a:solidFill>
+                <a:latin typeface="微软雅黑" pitchFamily="34" charset="-122"/>
+                <a:ea typeface="微软雅黑" pitchFamily="34" charset="-122"/>
+                <a:cs typeface="+mn-cs"/>
+              </a:defRPr>
+            </a:lvl1pPr>
+            <a:lvl2pPr marL="441325" indent="15875" algn="l" rtl="0" eaLnBrk="0" fontAlgn="base" hangingPunct="0">
+              <a:spcBef>
+                <a:spcPct val="20000"/>
+              </a:spcBef>
+              <a:spcAft>
+                <a:spcPct val="0"/>
+              </a:spcAft>
+              <a:buClr>
+                <a:srgbClr val="CC9900"/>
+              </a:buClr>
+              <a:buFont typeface="Wingdings" pitchFamily="2" charset="2"/>
+              <a:buChar char="Ø"/>
+              <a:defRPr b="0">
+                <a:solidFill>
+                  <a:schemeClr val="tx1"/>
+                </a:solidFill>
+                <a:latin typeface="微软雅黑" pitchFamily="34" charset="-122"/>
+                <a:ea typeface="微软雅黑" pitchFamily="34" charset="-122"/>
+              </a:defRPr>
+            </a:lvl2pPr>
+            <a:lvl3pPr marL="898525" indent="15875" algn="l" rtl="0" eaLnBrk="0" fontAlgn="base" hangingPunct="0">
+              <a:spcBef>
+                <a:spcPct val="20000"/>
+              </a:spcBef>
+              <a:spcAft>
+                <a:spcPct val="0"/>
+              </a:spcAft>
+              <a:buClr>
+                <a:srgbClr val="CC9900"/>
+              </a:buClr>
+              <a:buChar char="•"/>
+              <a:defRPr sz="1600">
+                <a:solidFill>
+                  <a:schemeClr val="tx1"/>
+                </a:solidFill>
+                <a:latin typeface="微软雅黑" pitchFamily="34" charset="-122"/>
+                <a:ea typeface="微软雅黑" pitchFamily="34" charset="-122"/>
+              </a:defRPr>
+            </a:lvl3pPr>
+            <a:lvl4pPr marL="1260475" algn="l" rtl="0" eaLnBrk="0" fontAlgn="base" hangingPunct="0">
+              <a:spcBef>
+                <a:spcPct val="20000"/>
+              </a:spcBef>
+              <a:spcAft>
+                <a:spcPct val="0"/>
+              </a:spcAft>
+              <a:buClr>
+                <a:srgbClr val="CC9900"/>
+              </a:buClr>
+              <a:buChar char="•"/>
+              <a:defRPr sz="1600">
+                <a:solidFill>
+                  <a:schemeClr val="tx1"/>
+                </a:solidFill>
+                <a:latin typeface="微软雅黑" pitchFamily="34" charset="-122"/>
+                <a:ea typeface="微软雅黑" pitchFamily="34" charset="-122"/>
+              </a:defRPr>
+            </a:lvl4pPr>
+            <a:lvl5pPr marL="1703388" algn="l" rtl="0" eaLnBrk="0" fontAlgn="base" hangingPunct="0">
+              <a:spcBef>
+                <a:spcPct val="20000"/>
+              </a:spcBef>
+              <a:spcAft>
+                <a:spcPct val="0"/>
+              </a:spcAft>
+              <a:buClr>
+                <a:srgbClr val="CC9900"/>
+              </a:buClr>
+              <a:buFont typeface="Arial" charset="0"/>
+              <a:buChar char="»"/>
+              <a:defRPr sz="1600">
+                <a:solidFill>
+                  <a:schemeClr val="tx1"/>
+                </a:solidFill>
+                <a:latin typeface="微软雅黑" pitchFamily="34" charset="-122"/>
+                <a:ea typeface="微软雅黑" pitchFamily="34" charset="-122"/>
+              </a:defRPr>
+            </a:lvl5pPr>
+            <a:lvl6pPr marL="2160588" algn="l" rtl="0" fontAlgn="base">
+              <a:spcBef>
+                <a:spcPct val="20000"/>
+              </a:spcBef>
+              <a:spcAft>
+                <a:spcPct val="0"/>
+              </a:spcAft>
+              <a:buClr>
+                <a:srgbClr val="CC9900"/>
+              </a:buClr>
+              <a:buFont typeface="Arial" charset="0"/>
+              <a:buChar char="»"/>
+              <a:defRPr>
+                <a:solidFill>
+                  <a:schemeClr val="tx1"/>
+                </a:solidFill>
+                <a:latin typeface="+mn-lt"/>
+                <a:ea typeface="+mn-ea"/>
+              </a:defRPr>
+            </a:lvl6pPr>
+            <a:lvl7pPr marL="2617788" algn="l" rtl="0" fontAlgn="base">
+              <a:spcBef>
+                <a:spcPct val="20000"/>
+              </a:spcBef>
+              <a:spcAft>
+                <a:spcPct val="0"/>
+              </a:spcAft>
+              <a:buClr>
+                <a:srgbClr val="CC9900"/>
+              </a:buClr>
+              <a:buFont typeface="Arial" charset="0"/>
+              <a:buChar char="»"/>
+              <a:defRPr>
+                <a:solidFill>
+                  <a:schemeClr val="tx1"/>
+                </a:solidFill>
+                <a:latin typeface="+mn-lt"/>
+                <a:ea typeface="+mn-ea"/>
+              </a:defRPr>
+            </a:lvl7pPr>
+            <a:lvl8pPr marL="3074988" algn="l" rtl="0" fontAlgn="base">
+              <a:spcBef>
+                <a:spcPct val="20000"/>
+              </a:spcBef>
+              <a:spcAft>
+                <a:spcPct val="0"/>
+              </a:spcAft>
+              <a:buClr>
+                <a:srgbClr val="CC9900"/>
+              </a:buClr>
+              <a:buFont typeface="Arial" charset="0"/>
+              <a:buChar char="»"/>
+              <a:defRPr>
+                <a:solidFill>
+                  <a:schemeClr val="tx1"/>
+                </a:solidFill>
+                <a:latin typeface="+mn-lt"/>
+                <a:ea typeface="+mn-ea"/>
+              </a:defRPr>
+            </a:lvl8pPr>
+            <a:lvl9pPr marL="3532188" algn="l" rtl="0" fontAlgn="base">
+              <a:spcBef>
+                <a:spcPct val="20000"/>
+              </a:spcBef>
+              <a:spcAft>
+                <a:spcPct val="0"/>
+              </a:spcAft>
+              <a:buClr>
+                <a:srgbClr val="CC9900"/>
+              </a:buClr>
+              <a:buFont typeface="Arial" charset="0"/>
+              <a:buChar char="»"/>
+              <a:defRPr>
+                <a:solidFill>
+                  <a:schemeClr val="tx1"/>
+                </a:solidFill>
+                <a:latin typeface="+mn-lt"/>
+                <a:ea typeface="+mn-ea"/>
+              </a:defRPr>
+            </a:lvl9pPr>
+          </a:lstStyle>
+          <a:p>
+            <a:pPr marL="285750" indent="-285750" algn="just">
+              <a:buFont typeface="Wingdings" panose="05000000000000000000" pitchFamily="2" charset="2"/>
+              <a:buChar char="l"/>
+            </a:pPr>
+            <a:r>
+              <a:rPr lang="zh-CN" altLang="en-US" sz="1800" dirty="0">
+                <a:solidFill>
+                  <a:schemeClr val="tx1"/>
+                </a:solidFill>
+              </a:rPr>
+              <a:t>性能指标</a:t>
+            </a:r>
+          </a:p>
+        </p:txBody>
+      </p:sp>
+      <mc:AlternateContent xmlns:mc="http://schemas.openxmlformats.org/markup-compatibility/2006">
+        <mc:Choice xmlns:a14="http://schemas.microsoft.com/office/drawing/2010/main" Requires="a14">
+          <p:sp>
+            <p:nvSpPr>
+              <p:cNvPr id="12" name="矩形 11"/>
+              <p:cNvSpPr/>
+              <p:nvPr/>
+            </p:nvSpPr>
+            <p:spPr>
+              <a:xfrm>
+                <a:off x="2769947" y="4292530"/>
+                <a:ext cx="5512041" cy="795859"/>
+              </a:xfrm>
+              <a:prstGeom prst="rect">
+                <a:avLst/>
+              </a:prstGeom>
+            </p:spPr>
+            <p:txBody>
+              <a:bodyPr wrap="square">
+                <a:spAutoFit/>
+              </a:bodyPr>
+              <a:lstStyle/>
+              <a:p>
+                <a:pPr/>
+                <a14:m>
+                  <m:oMathPara xmlns:m="http://schemas.openxmlformats.org/officeDocument/2006/math">
+                    <m:oMathParaPr>
+                      <m:jc m:val="left"/>
+                    </m:oMathParaPr>
+                    <m:oMath xmlns:m="http://schemas.openxmlformats.org/officeDocument/2006/math">
+                      <m:sSub>
+                        <m:sSubPr>
+                          <m:ctrlPr>
+                            <a:rPr lang="en-US" i="1">
+                              <a:latin typeface="Cambria Math" panose="02040503050406030204" pitchFamily="18" charset="0"/>
+                            </a:rPr>
+                          </m:ctrlPr>
+                        </m:sSubPr>
+                        <m:e>
+                          <m:r>
+                            <a:rPr lang="en-US" i="1">
+                              <a:latin typeface="Cambria Math" panose="02040503050406030204" pitchFamily="18" charset="0"/>
+                            </a:rPr>
+                            <m:t>𝐽</m:t>
+                          </m:r>
+                        </m:e>
+                        <m:sub>
+                          <m:r>
+                            <m:rPr>
+                              <m:sty m:val="p"/>
+                            </m:rPr>
+                            <a:rPr lang="en-US">
+                              <a:latin typeface="Cambria Math" panose="02040503050406030204" pitchFamily="18" charset="0"/>
+                            </a:rPr>
+                            <m:t>jmi</m:t>
+                          </m:r>
+                        </m:sub>
+                      </m:sSub>
+                      <m:d>
+                        <m:dPr>
+                          <m:ctrlPr>
+                            <a:rPr lang="en-US" i="1">
+                              <a:latin typeface="Cambria Math" panose="02040503050406030204" pitchFamily="18" charset="0"/>
+                            </a:rPr>
+                          </m:ctrlPr>
+                        </m:dPr>
+                        <m:e>
+                          <m:sSub>
+                            <m:sSubPr>
+                              <m:ctrlPr>
+                                <a:rPr lang="en-US" i="1">
+                                  <a:latin typeface="Cambria Math" panose="02040503050406030204" pitchFamily="18" charset="0"/>
+                                </a:rPr>
+                              </m:ctrlPr>
+                            </m:sSubPr>
+                            <m:e>
+                              <m:r>
+                                <a:rPr lang="en-US" i="1">
+                                  <a:latin typeface="Cambria Math" panose="02040503050406030204" pitchFamily="18" charset="0"/>
+                                </a:rPr>
+                                <m:t>𝑋</m:t>
+                              </m:r>
+                            </m:e>
+                            <m:sub>
+                              <m:r>
+                                <a:rPr lang="en-US" i="1">
+                                  <a:latin typeface="Cambria Math" panose="02040503050406030204" pitchFamily="18" charset="0"/>
+                                </a:rPr>
+                                <m:t>𝑘</m:t>
+                              </m:r>
+                            </m:sub>
+                          </m:sSub>
+                        </m:e>
+                      </m:d>
+                      <m:r>
+                        <a:rPr lang="en-US">
+                          <a:latin typeface="Cambria Math" panose="02040503050406030204" pitchFamily="18" charset="0"/>
+                        </a:rPr>
+                        <m:t>=</m:t>
+                      </m:r>
+                      <m:r>
+                        <a:rPr lang="en-US" i="1">
+                          <a:latin typeface="Cambria Math" panose="02040503050406030204" pitchFamily="18" charset="0"/>
+                        </a:rPr>
+                        <m:t>𝐼</m:t>
+                      </m:r>
+                      <m:d>
+                        <m:dPr>
+                          <m:ctrlPr>
+                            <a:rPr lang="en-US" i="1">
+                              <a:latin typeface="Cambria Math" panose="02040503050406030204" pitchFamily="18" charset="0"/>
+                            </a:rPr>
+                          </m:ctrlPr>
+                        </m:dPr>
+                        <m:e>
+                          <m:sSub>
+                            <m:sSubPr>
+                              <m:ctrlPr>
+                                <a:rPr lang="en-US" i="1">
+                                  <a:latin typeface="Cambria Math" panose="02040503050406030204" pitchFamily="18" charset="0"/>
+                                </a:rPr>
+                              </m:ctrlPr>
+                            </m:sSubPr>
+                            <m:e>
+                              <m:r>
+                                <a:rPr lang="en-US" i="1">
+                                  <a:latin typeface="Cambria Math" panose="02040503050406030204" pitchFamily="18" charset="0"/>
+                                </a:rPr>
+                                <m:t>𝑋</m:t>
+                              </m:r>
+                            </m:e>
+                            <m:sub>
+                              <m:r>
+                                <a:rPr lang="en-US" i="1">
+                                  <a:latin typeface="Cambria Math" panose="02040503050406030204" pitchFamily="18" charset="0"/>
+                                </a:rPr>
+                                <m:t>𝑘</m:t>
+                              </m:r>
+                            </m:sub>
+                          </m:sSub>
+                          <m:r>
+                            <a:rPr lang="en-US">
+                              <a:latin typeface="Cambria Math" panose="02040503050406030204" pitchFamily="18" charset="0"/>
+                            </a:rPr>
+                            <m:t>;</m:t>
+                          </m:r>
+                          <m:r>
+                            <a:rPr lang="en-US" i="1">
+                              <a:latin typeface="Cambria Math" panose="02040503050406030204" pitchFamily="18" charset="0"/>
+                            </a:rPr>
+                            <m:t>𝑌</m:t>
+                          </m:r>
+                        </m:e>
+                      </m:d>
+                      <m:r>
+                        <a:rPr lang="en-US">
+                          <a:latin typeface="Cambria Math" panose="02040503050406030204" pitchFamily="18" charset="0"/>
+                        </a:rPr>
+                        <m:t>−</m:t>
+                      </m:r>
+                      <m:f>
+                        <m:fPr>
+                          <m:ctrlPr>
+                            <a:rPr lang="en-US" i="1">
+                              <a:latin typeface="Cambria Math" panose="02040503050406030204" pitchFamily="18" charset="0"/>
+                            </a:rPr>
+                          </m:ctrlPr>
+                        </m:fPr>
+                        <m:num>
+                          <m:r>
+                            <a:rPr lang="en-US">
+                              <a:latin typeface="Cambria Math" panose="02040503050406030204" pitchFamily="18" charset="0"/>
+                            </a:rPr>
+                            <m:t>1</m:t>
+                          </m:r>
+                        </m:num>
+                        <m:den>
+                          <m:d>
+                            <m:dPr>
+                              <m:begChr m:val="|"/>
+                              <m:endChr m:val="|"/>
+                              <m:ctrlPr>
+                                <a:rPr lang="en-US" i="1">
+                                  <a:latin typeface="Cambria Math" panose="02040503050406030204" pitchFamily="18" charset="0"/>
+                                </a:rPr>
+                              </m:ctrlPr>
+                            </m:dPr>
+                            <m:e>
+                              <m:r>
+                                <a:rPr lang="en-US" i="1">
+                                  <a:latin typeface="Cambria Math" panose="02040503050406030204" pitchFamily="18" charset="0"/>
+                                </a:rPr>
+                                <m:t>𝑆</m:t>
+                              </m:r>
+                            </m:e>
+                          </m:d>
+                        </m:den>
+                      </m:f>
+                      <m:nary>
+                        <m:naryPr>
+                          <m:chr m:val="∑"/>
+                          <m:limLoc m:val="undOvr"/>
+                          <m:supHide m:val="on"/>
+                          <m:ctrlPr>
+                            <a:rPr lang="en-US" i="1">
+                              <a:latin typeface="Cambria Math" panose="02040503050406030204" pitchFamily="18" charset="0"/>
+                            </a:rPr>
+                          </m:ctrlPr>
+                        </m:naryPr>
+                        <m:sub>
+                          <m:r>
+                            <a:rPr lang="en-US" i="1">
+                              <a:latin typeface="Cambria Math" panose="02040503050406030204" pitchFamily="18" charset="0"/>
+                            </a:rPr>
+                            <m:t>𝑗</m:t>
+                          </m:r>
+                          <m:r>
+                            <a:rPr lang="en-US" i="1">
+                              <a:latin typeface="Cambria Math" panose="02040503050406030204" pitchFamily="18" charset="0"/>
+                            </a:rPr>
+                            <m:t>𝜖</m:t>
+                          </m:r>
+                          <m:r>
+                            <a:rPr lang="en-US" i="1">
+                              <a:latin typeface="Cambria Math" panose="02040503050406030204" pitchFamily="18" charset="0"/>
+                            </a:rPr>
+                            <m:t>𝑆</m:t>
+                          </m:r>
+                        </m:sub>
+                        <m:sup/>
+                        <m:e>
+                          <m:d>
+                            <m:dPr>
+                              <m:begChr m:val="["/>
+                              <m:endChr m:val="]"/>
+                              <m:ctrlPr>
+                                <a:rPr lang="en-US" i="1">
+                                  <a:latin typeface="Cambria Math" panose="02040503050406030204" pitchFamily="18" charset="0"/>
+                                </a:rPr>
+                              </m:ctrlPr>
+                            </m:dPr>
+                            <m:e>
+                              <m:d>
+                                <m:dPr>
+                                  <m:begChr m:val=""/>
+                                  <m:ctrlPr>
+                                    <a:rPr lang="en-US" i="1">
+                                      <a:latin typeface="Cambria Math" panose="02040503050406030204" pitchFamily="18" charset="0"/>
+                                    </a:rPr>
+                                  </m:ctrlPr>
+                                </m:dPr>
+                                <m:e>
+                                  <m:r>
+                                    <a:rPr lang="en-US" i="1">
+                                      <a:latin typeface="Cambria Math" panose="02040503050406030204" pitchFamily="18" charset="0"/>
+                                    </a:rPr>
+                                    <m:t>𝐼</m:t>
+                                  </m:r>
+                                  <m:d>
+                                    <m:dPr>
+                                      <m:ctrlPr>
+                                        <a:rPr lang="en-US" i="1">
+                                          <a:latin typeface="Cambria Math" panose="02040503050406030204" pitchFamily="18" charset="0"/>
+                                        </a:rPr>
+                                      </m:ctrlPr>
+                                    </m:dPr>
+                                    <m:e>
+                                      <m:sSub>
+                                        <m:sSubPr>
+                                          <m:ctrlPr>
+                                            <a:rPr lang="en-US" i="1">
+                                              <a:latin typeface="Cambria Math" panose="02040503050406030204" pitchFamily="18" charset="0"/>
+                                            </a:rPr>
+                                          </m:ctrlPr>
+                                        </m:sSubPr>
+                                        <m:e>
+                                          <m:r>
+                                            <a:rPr lang="en-US" i="1">
+                                              <a:latin typeface="Cambria Math" panose="02040503050406030204" pitchFamily="18" charset="0"/>
+                                            </a:rPr>
+                                            <m:t>𝑋</m:t>
+                                          </m:r>
+                                        </m:e>
+                                        <m:sub>
+                                          <m:r>
+                                            <a:rPr lang="en-US" i="1">
+                                              <a:latin typeface="Cambria Math" panose="02040503050406030204" pitchFamily="18" charset="0"/>
+                                            </a:rPr>
+                                            <m:t>𝑘</m:t>
+                                          </m:r>
+                                        </m:sub>
+                                      </m:sSub>
+                                      <m:sSub>
+                                        <m:sSubPr>
+                                          <m:ctrlPr>
+                                            <a:rPr lang="en-US" i="1">
+                                              <a:latin typeface="Cambria Math" panose="02040503050406030204" pitchFamily="18" charset="0"/>
+                                            </a:rPr>
+                                          </m:ctrlPr>
+                                        </m:sSubPr>
+                                        <m:e>
+                                          <m:r>
+                                            <a:rPr lang="en-US">
+                                              <a:latin typeface="Cambria Math" panose="02040503050406030204" pitchFamily="18" charset="0"/>
+                                            </a:rPr>
+                                            <m:t>;</m:t>
+                                          </m:r>
+                                          <m:r>
+                                            <a:rPr lang="en-US" i="1">
+                                              <a:latin typeface="Cambria Math" panose="02040503050406030204" pitchFamily="18" charset="0"/>
+                                            </a:rPr>
+                                            <m:t>𝑋</m:t>
+                                          </m:r>
+                                        </m:e>
+                                        <m:sub>
+                                          <m:r>
+                                            <a:rPr lang="en-US" i="1">
+                                              <a:latin typeface="Cambria Math" panose="02040503050406030204" pitchFamily="18" charset="0"/>
+                                            </a:rPr>
+                                            <m:t>𝑗</m:t>
+                                          </m:r>
+                                        </m:sub>
+                                      </m:sSub>
+                                    </m:e>
+                                  </m:d>
+                                  <m:r>
+                                    <a:rPr lang="en-US">
+                                      <a:latin typeface="Cambria Math" panose="02040503050406030204" pitchFamily="18" charset="0"/>
+                                    </a:rPr>
+                                    <m:t>−</m:t>
+                                  </m:r>
+                                  <m:r>
+                                    <a:rPr lang="en-US" i="1">
+                                      <a:latin typeface="Cambria Math" panose="02040503050406030204" pitchFamily="18" charset="0"/>
+                                    </a:rPr>
+                                    <m:t>𝐼</m:t>
+                                  </m:r>
+                                  <m:r>
+                                    <a:rPr lang="en-US">
+                                      <a:latin typeface="Cambria Math" panose="02040503050406030204" pitchFamily="18" charset="0"/>
+                                    </a:rPr>
+                                    <m:t>(</m:t>
+                                  </m:r>
+                                  <m:sSub>
+                                    <m:sSubPr>
+                                      <m:ctrlPr>
+                                        <a:rPr lang="en-US" i="1">
+                                          <a:latin typeface="Cambria Math" panose="02040503050406030204" pitchFamily="18" charset="0"/>
+                                        </a:rPr>
+                                      </m:ctrlPr>
+                                    </m:sSubPr>
+                                    <m:e>
+                                      <m:r>
+                                        <a:rPr lang="en-US" i="1">
+                                          <a:latin typeface="Cambria Math" panose="02040503050406030204" pitchFamily="18" charset="0"/>
+                                        </a:rPr>
+                                        <m:t>𝑋</m:t>
+                                      </m:r>
+                                    </m:e>
+                                    <m:sub>
+                                      <m:r>
+                                        <a:rPr lang="en-US" i="1">
+                                          <a:latin typeface="Cambria Math" panose="02040503050406030204" pitchFamily="18" charset="0"/>
+                                        </a:rPr>
+                                        <m:t>𝑘</m:t>
+                                      </m:r>
+                                    </m:sub>
+                                  </m:sSub>
+                                  <m:sSub>
+                                    <m:sSubPr>
+                                      <m:ctrlPr>
+                                        <a:rPr lang="en-US" i="1">
+                                          <a:latin typeface="Cambria Math" panose="02040503050406030204" pitchFamily="18" charset="0"/>
+                                        </a:rPr>
+                                      </m:ctrlPr>
+                                    </m:sSubPr>
+                                    <m:e>
+                                      <m:r>
+                                        <a:rPr lang="en-US" i="1">
+                                          <a:latin typeface="Cambria Math" panose="02040503050406030204" pitchFamily="18" charset="0"/>
+                                        </a:rPr>
+                                        <m:t>𝑋</m:t>
+                                      </m:r>
+                                    </m:e>
+                                    <m:sub>
+                                      <m:r>
+                                        <a:rPr lang="en-US" i="1">
+                                          <a:latin typeface="Cambria Math" panose="02040503050406030204" pitchFamily="18" charset="0"/>
+                                        </a:rPr>
+                                        <m:t>𝑗</m:t>
+                                      </m:r>
+                                    </m:sub>
+                                  </m:sSub>
+                                  <m:r>
+                                    <a:rPr lang="en-US">
+                                      <a:latin typeface="Cambria Math" panose="02040503050406030204" pitchFamily="18" charset="0"/>
+                                    </a:rPr>
+                                    <m:t>;</m:t>
+                                  </m:r>
+                                  <m:r>
+                                    <a:rPr lang="en-US" i="1">
+                                      <a:latin typeface="Cambria Math" panose="02040503050406030204" pitchFamily="18" charset="0"/>
+                                    </a:rPr>
+                                    <m:t>𝑌</m:t>
+                                  </m:r>
+                                </m:e>
+                              </m:d>
+                            </m:e>
+                          </m:d>
+                        </m:e>
+                      </m:nary>
+                    </m:oMath>
+                  </m:oMathPara>
+                </a14:m>
+                <a:endParaRPr lang="en-US" dirty="0"/>
+              </a:p>
+            </p:txBody>
+          </p:sp>
+        </mc:Choice>
+        <mc:Fallback>
+          <p:sp>
+            <p:nvSpPr>
+              <p:cNvPr id="12" name="矩形 11"/>
+              <p:cNvSpPr>
+                <a:spLocks noRot="1" noChangeAspect="1" noMove="1" noResize="1" noEditPoints="1" noAdjustHandles="1" noChangeArrowheads="1" noChangeShapeType="1" noTextEdit="1"/>
+              </p:cNvSpPr>
+              <p:nvPr/>
+            </p:nvSpPr>
+            <p:spPr>
+              <a:xfrm>
+                <a:off x="2769947" y="4292530"/>
+                <a:ext cx="5512041" cy="795859"/>
+              </a:xfrm>
+              <a:prstGeom prst="rect">
+                <a:avLst/>
+              </a:prstGeom>
+              <a:blipFill>
+                <a:blip r:embed="rId8"/>
+                <a:stretch>
+                  <a:fillRect/>
+                </a:stretch>
+              </a:blipFill>
+            </p:spPr>
+            <p:txBody>
+              <a:bodyPr/>
+              <a:lstStyle/>
+              <a:p>
+                <a:r>
+                  <a:rPr lang="zh-CN" altLang="en-US">
+                    <a:noFill/>
+                  </a:rPr>
+                  <a:t> </a:t>
+                </a:r>
+              </a:p>
+            </p:txBody>
+          </p:sp>
+        </mc:Fallback>
+      </mc:AlternateContent>
+      <p:sp>
+        <p:nvSpPr>
+          <p:cNvPr id="16" name="内容占位符 2"/>
+          <p:cNvSpPr txBox="1">
+            <a:spLocks/>
+          </p:cNvSpPr>
+          <p:nvPr/>
+        </p:nvSpPr>
+        <p:spPr bwMode="auto">
+          <a:xfrm>
+            <a:off x="2176075" y="4973329"/>
+            <a:ext cx="2921126" cy="462041"/>
+          </a:xfrm>
+          <a:prstGeom prst="rect">
+            <a:avLst/>
+          </a:prstGeom>
+          <a:noFill/>
+          <a:ln w="9525">
+            <a:noFill/>
+            <a:miter lim="800000"/>
+            <a:headEnd/>
+            <a:tailEnd/>
+          </a:ln>
+        </p:spPr>
+        <p:txBody>
+          <a:bodyPr vert="horz" wrap="square" lIns="91440" tIns="45720" rIns="91440" bIns="45720" numCol="1" anchor="t" anchorCtr="0" compatLnSpc="1">
+            <a:prstTxWarp prst="textNoShape">
+              <a:avLst/>
+            </a:prstTxWarp>
+          </a:bodyPr>
+          <a:lstStyle>
+            <a:lvl1pPr algn="l" rtl="0" eaLnBrk="0" fontAlgn="base" hangingPunct="0">
+              <a:spcBef>
+                <a:spcPct val="20000"/>
+              </a:spcBef>
+              <a:spcAft>
+                <a:spcPct val="0"/>
+              </a:spcAft>
+              <a:buClr>
+                <a:srgbClr val="CC9900"/>
+              </a:buClr>
+              <a:buFont typeface="Wingdings" pitchFamily="2" charset="2"/>
+              <a:buChar char="p"/>
+              <a:defRPr sz="2000" b="0">
+                <a:solidFill>
+                  <a:srgbClr val="4A6784"/>
+                </a:solidFill>
+                <a:latin typeface="微软雅黑" pitchFamily="34" charset="-122"/>
+                <a:ea typeface="微软雅黑" pitchFamily="34" charset="-122"/>
+                <a:cs typeface="+mn-cs"/>
+              </a:defRPr>
+            </a:lvl1pPr>
+            <a:lvl2pPr marL="441325" indent="15875" algn="l" rtl="0" eaLnBrk="0" fontAlgn="base" hangingPunct="0">
+              <a:spcBef>
+                <a:spcPct val="20000"/>
+              </a:spcBef>
+              <a:spcAft>
+                <a:spcPct val="0"/>
+              </a:spcAft>
+              <a:buClr>
+                <a:srgbClr val="CC9900"/>
+              </a:buClr>
+              <a:buFont typeface="Wingdings" pitchFamily="2" charset="2"/>
+              <a:buChar char="Ø"/>
+              <a:defRPr b="0">
+                <a:solidFill>
+                  <a:schemeClr val="tx1"/>
+                </a:solidFill>
+                <a:latin typeface="微软雅黑" pitchFamily="34" charset="-122"/>
+                <a:ea typeface="微软雅黑" pitchFamily="34" charset="-122"/>
+              </a:defRPr>
+            </a:lvl2pPr>
+            <a:lvl3pPr marL="898525" indent="15875" algn="l" rtl="0" eaLnBrk="0" fontAlgn="base" hangingPunct="0">
+              <a:spcBef>
+                <a:spcPct val="20000"/>
+              </a:spcBef>
+              <a:spcAft>
+                <a:spcPct val="0"/>
+              </a:spcAft>
+              <a:buClr>
+                <a:srgbClr val="CC9900"/>
+              </a:buClr>
+              <a:buChar char="•"/>
+              <a:defRPr sz="1600">
+                <a:solidFill>
+                  <a:schemeClr val="tx1"/>
+                </a:solidFill>
+                <a:latin typeface="微软雅黑" pitchFamily="34" charset="-122"/>
+                <a:ea typeface="微软雅黑" pitchFamily="34" charset="-122"/>
+              </a:defRPr>
+            </a:lvl3pPr>
+            <a:lvl4pPr marL="1260475" algn="l" rtl="0" eaLnBrk="0" fontAlgn="base" hangingPunct="0">
+              <a:spcBef>
+                <a:spcPct val="20000"/>
+              </a:spcBef>
+              <a:spcAft>
+                <a:spcPct val="0"/>
+              </a:spcAft>
+              <a:buClr>
+                <a:srgbClr val="CC9900"/>
+              </a:buClr>
+              <a:buChar char="•"/>
+              <a:defRPr sz="1600">
+                <a:solidFill>
+                  <a:schemeClr val="tx1"/>
+                </a:solidFill>
+                <a:latin typeface="微软雅黑" pitchFamily="34" charset="-122"/>
+                <a:ea typeface="微软雅黑" pitchFamily="34" charset="-122"/>
+              </a:defRPr>
+            </a:lvl4pPr>
+            <a:lvl5pPr marL="1703388" algn="l" rtl="0" eaLnBrk="0" fontAlgn="base" hangingPunct="0">
+              <a:spcBef>
+                <a:spcPct val="20000"/>
+              </a:spcBef>
+              <a:spcAft>
+                <a:spcPct val="0"/>
+              </a:spcAft>
+              <a:buClr>
+                <a:srgbClr val="CC9900"/>
+              </a:buClr>
+              <a:buFont typeface="Arial" charset="0"/>
+              <a:buChar char="»"/>
+              <a:defRPr sz="1600">
+                <a:solidFill>
+                  <a:schemeClr val="tx1"/>
+                </a:solidFill>
+                <a:latin typeface="微软雅黑" pitchFamily="34" charset="-122"/>
+                <a:ea typeface="微软雅黑" pitchFamily="34" charset="-122"/>
+              </a:defRPr>
+            </a:lvl5pPr>
+            <a:lvl6pPr marL="2160588" algn="l" rtl="0" fontAlgn="base">
+              <a:spcBef>
+                <a:spcPct val="20000"/>
+              </a:spcBef>
+              <a:spcAft>
+                <a:spcPct val="0"/>
+              </a:spcAft>
+              <a:buClr>
+                <a:srgbClr val="CC9900"/>
+              </a:buClr>
+              <a:buFont typeface="Arial" charset="0"/>
+              <a:buChar char="»"/>
+              <a:defRPr>
+                <a:solidFill>
+                  <a:schemeClr val="tx1"/>
+                </a:solidFill>
+                <a:latin typeface="+mn-lt"/>
+                <a:ea typeface="+mn-ea"/>
+              </a:defRPr>
+            </a:lvl6pPr>
+            <a:lvl7pPr marL="2617788" algn="l" rtl="0" fontAlgn="base">
+              <a:spcBef>
+                <a:spcPct val="20000"/>
+              </a:spcBef>
+              <a:spcAft>
+                <a:spcPct val="0"/>
+              </a:spcAft>
+              <a:buClr>
+                <a:srgbClr val="CC9900"/>
+              </a:buClr>
+              <a:buFont typeface="Arial" charset="0"/>
+              <a:buChar char="»"/>
+              <a:defRPr>
+                <a:solidFill>
+                  <a:schemeClr val="tx1"/>
+                </a:solidFill>
+                <a:latin typeface="+mn-lt"/>
+                <a:ea typeface="+mn-ea"/>
+              </a:defRPr>
+            </a:lvl7pPr>
+            <a:lvl8pPr marL="3074988" algn="l" rtl="0" fontAlgn="base">
+              <a:spcBef>
+                <a:spcPct val="20000"/>
+              </a:spcBef>
+              <a:spcAft>
+                <a:spcPct val="0"/>
+              </a:spcAft>
+              <a:buClr>
+                <a:srgbClr val="CC9900"/>
+              </a:buClr>
+              <a:buFont typeface="Arial" charset="0"/>
+              <a:buChar char="»"/>
+              <a:defRPr>
+                <a:solidFill>
+                  <a:schemeClr val="tx1"/>
+                </a:solidFill>
+                <a:latin typeface="+mn-lt"/>
+                <a:ea typeface="+mn-ea"/>
+              </a:defRPr>
+            </a:lvl8pPr>
+            <a:lvl9pPr marL="3532188" algn="l" rtl="0" fontAlgn="base">
+              <a:spcBef>
+                <a:spcPct val="20000"/>
+              </a:spcBef>
+              <a:spcAft>
+                <a:spcPct val="0"/>
+              </a:spcAft>
+              <a:buClr>
+                <a:srgbClr val="CC9900"/>
+              </a:buClr>
+              <a:buFont typeface="Arial" charset="0"/>
+              <a:buChar char="»"/>
+              <a:defRPr>
+                <a:solidFill>
+                  <a:schemeClr val="tx1"/>
+                </a:solidFill>
+                <a:latin typeface="+mn-lt"/>
+                <a:ea typeface="+mn-ea"/>
+              </a:defRPr>
+            </a:lvl9pPr>
+          </a:lstStyle>
+          <a:p>
+            <a:pPr marL="285750" indent="-285750" algn="just">
+              <a:buFont typeface="Wingdings" panose="05000000000000000000" pitchFamily="2" charset="2"/>
+              <a:buChar char="l"/>
+            </a:pPr>
+            <a:r>
+              <a:rPr lang="zh-CN" altLang="en-US" sz="1800" dirty="0">
+                <a:solidFill>
+                  <a:schemeClr val="tx1"/>
+                </a:solidFill>
+              </a:rPr>
+              <a:t>序列搜索算法</a:t>
+            </a:r>
+          </a:p>
+        </p:txBody>
+      </p:sp>
+      <mc:AlternateContent xmlns:mc="http://schemas.openxmlformats.org/markup-compatibility/2006">
+        <mc:Choice xmlns:a14="http://schemas.microsoft.com/office/drawing/2010/main" Requires="a14">
+          <p:sp>
+            <p:nvSpPr>
+              <p:cNvPr id="13" name="矩形 12"/>
+              <p:cNvSpPr/>
+              <p:nvPr/>
+            </p:nvSpPr>
+            <p:spPr>
+              <a:xfrm>
+                <a:off x="1919535" y="5293257"/>
+                <a:ext cx="4572000" cy="1510735"/>
+              </a:xfrm>
+              <a:prstGeom prst="rect">
+                <a:avLst/>
+              </a:prstGeom>
+            </p:spPr>
+            <p:txBody>
+              <a:bodyPr>
+                <a:spAutoFit/>
+              </a:bodyPr>
+              <a:lstStyle/>
+              <a:p>
+                <a:pPr indent="304800" algn="just">
+                  <a:lnSpc>
+                    <a:spcPct val="125000"/>
+                  </a:lnSpc>
+                  <a:spcBef>
+                    <a:spcPts val="600"/>
+                  </a:spcBef>
+                  <a:spcAft>
+                    <a:spcPts val="600"/>
+                  </a:spcAft>
+                </a:pPr>
+                <a14:m>
+                  <m:oMathPara xmlns:m="http://schemas.openxmlformats.org/officeDocument/2006/math">
+                    <m:oMathParaPr>
+                      <m:jc m:val="centerGroup"/>
+                    </m:oMathParaPr>
+                    <m:oMath xmlns:m="http://schemas.openxmlformats.org/officeDocument/2006/math">
+                      <m:sSub>
+                        <m:sSubPr>
+                          <m:ctrlPr>
+                            <a:rPr lang="en-US" i="1" kern="100">
+                              <a:latin typeface="Cambria Math" panose="02040503050406030204" pitchFamily="18" charset="0"/>
+                              <a:ea typeface="宋体" panose="02010600030101010101" pitchFamily="2" charset="-122"/>
+                            </a:rPr>
+                          </m:ctrlPr>
+                        </m:sSubPr>
+                        <m:e>
+                          <m:r>
+                            <a:rPr lang="en-US" i="1" kern="100">
+                              <a:latin typeface="Cambria Math" panose="02040503050406030204" pitchFamily="18" charset="0"/>
+                              <a:ea typeface="宋体" panose="02010600030101010101" pitchFamily="2" charset="-122"/>
+                            </a:rPr>
+                            <m:t>𝑋</m:t>
+                          </m:r>
+                        </m:e>
+                        <m:sub>
+                          <m:r>
+                            <a:rPr lang="en-US" i="1" kern="100">
+                              <a:latin typeface="Cambria Math" panose="02040503050406030204" pitchFamily="18" charset="0"/>
+                              <a:ea typeface="宋体" panose="02010600030101010101" pitchFamily="2" charset="-122"/>
+                            </a:rPr>
+                            <m:t>𝑘</m:t>
+                          </m:r>
+                        </m:sub>
+                      </m:sSub>
+                      <m:r>
+                        <a:rPr lang="en-US" i="1" kern="100">
+                          <a:latin typeface="Cambria Math" panose="02040503050406030204" pitchFamily="18" charset="0"/>
+                          <a:ea typeface="宋体" panose="02010600030101010101" pitchFamily="2" charset="-122"/>
+                        </a:rPr>
+                        <m:t>=</m:t>
+                      </m:r>
+                      <m:func>
+                        <m:funcPr>
+                          <m:ctrlPr>
+                            <a:rPr lang="en-US" i="1" kern="100">
+                              <a:latin typeface="Cambria Math" panose="02040503050406030204" pitchFamily="18" charset="0"/>
+                              <a:ea typeface="宋体" panose="02010600030101010101" pitchFamily="2" charset="-122"/>
+                            </a:rPr>
+                          </m:ctrlPr>
+                        </m:funcPr>
+                        <m:fName>
+                          <m:limLow>
+                            <m:limLowPr>
+                              <m:ctrlPr>
+                                <a:rPr lang="en-US" i="1" kern="100">
+                                  <a:latin typeface="Cambria Math" panose="02040503050406030204" pitchFamily="18" charset="0"/>
+                                  <a:ea typeface="宋体" panose="02010600030101010101" pitchFamily="2" charset="-122"/>
+                                </a:rPr>
+                              </m:ctrlPr>
+                            </m:limLowPr>
+                            <m:e>
+                              <m:r>
+                                <m:rPr>
+                                  <m:sty m:val="p"/>
+                                </m:rPr>
+                                <a:rPr lang="en-US" kern="100">
+                                  <a:latin typeface="Cambria Math" panose="02040503050406030204" pitchFamily="18" charset="0"/>
+                                  <a:ea typeface="宋体" panose="02010600030101010101" pitchFamily="2" charset="-122"/>
+                                </a:rPr>
+                                <m:t>arg</m:t>
+                              </m:r>
+                              <m:r>
+                                <a:rPr lang="en-US" kern="100">
+                                  <a:latin typeface="Cambria Math" panose="02040503050406030204" pitchFamily="18" charset="0"/>
+                                  <a:ea typeface="宋体" panose="02010600030101010101" pitchFamily="2" charset="-122"/>
+                                </a:rPr>
+                                <m:t> </m:t>
+                              </m:r>
+                              <m:r>
+                                <m:rPr>
+                                  <m:sty m:val="p"/>
+                                </m:rPr>
+                                <a:rPr lang="en-US" kern="100">
+                                  <a:latin typeface="Cambria Math" panose="02040503050406030204" pitchFamily="18" charset="0"/>
+                                  <a:ea typeface="宋体" panose="02010600030101010101" pitchFamily="2" charset="-122"/>
+                                </a:rPr>
+                                <m:t>max</m:t>
+                              </m:r>
+                            </m:e>
+                            <m:lim>
+                              <m:sSub>
+                                <m:sSubPr>
+                                  <m:ctrlPr>
+                                    <a:rPr lang="en-US" i="1" kern="100">
+                                      <a:latin typeface="Cambria Math" panose="02040503050406030204" pitchFamily="18" charset="0"/>
+                                      <a:ea typeface="宋体" panose="02010600030101010101" pitchFamily="2" charset="-122"/>
+                                    </a:rPr>
+                                  </m:ctrlPr>
+                                </m:sSubPr>
+                                <m:e>
+                                  <m:r>
+                                    <a:rPr lang="en-US" i="1" kern="100">
+                                      <a:latin typeface="Cambria Math" panose="02040503050406030204" pitchFamily="18" charset="0"/>
+                                      <a:ea typeface="宋体" panose="02010600030101010101" pitchFamily="2" charset="-122"/>
+                                    </a:rPr>
+                                    <m:t>𝑋</m:t>
+                                  </m:r>
+                                </m:e>
+                                <m:sub>
+                                  <m:r>
+                                    <a:rPr lang="en-US" i="1" kern="100">
+                                      <a:latin typeface="Cambria Math" panose="02040503050406030204" pitchFamily="18" charset="0"/>
+                                      <a:ea typeface="宋体" panose="02010600030101010101" pitchFamily="2" charset="-122"/>
+                                    </a:rPr>
+                                    <m:t>𝑘</m:t>
+                                  </m:r>
+                                </m:sub>
+                              </m:sSub>
+                              <m:r>
+                                <a:rPr lang="en-US" i="1" kern="100">
+                                  <a:latin typeface="Cambria Math" panose="02040503050406030204" pitchFamily="18" charset="0"/>
+                                  <a:ea typeface="宋体" panose="02010600030101010101" pitchFamily="2" charset="-122"/>
+                                </a:rPr>
+                                <m:t>∈</m:t>
+                              </m:r>
+                              <m:sSub>
+                                <m:sSubPr>
+                                  <m:ctrlPr>
+                                    <a:rPr lang="en-US" i="1" kern="100">
+                                      <a:latin typeface="Cambria Math" panose="02040503050406030204" pitchFamily="18" charset="0"/>
+                                      <a:ea typeface="宋体" panose="02010600030101010101" pitchFamily="2" charset="-122"/>
+                                    </a:rPr>
+                                  </m:ctrlPr>
+                                </m:sSubPr>
+                                <m:e>
+                                  <m:r>
+                                    <a:rPr lang="en-US" i="1" kern="100">
+                                      <a:latin typeface="Cambria Math" panose="02040503050406030204" pitchFamily="18" charset="0"/>
+                                      <a:ea typeface="宋体" panose="02010600030101010101" pitchFamily="2" charset="-122"/>
+                                    </a:rPr>
+                                    <m:t>𝑋</m:t>
+                                  </m:r>
+                                </m:e>
+                                <m:sub>
+                                  <m:sSup>
+                                    <m:sSupPr>
+                                      <m:ctrlPr>
+                                        <a:rPr lang="en-US" i="1" kern="100">
+                                          <a:latin typeface="Cambria Math" panose="02040503050406030204" pitchFamily="18" charset="0"/>
+                                          <a:ea typeface="宋体" panose="02010600030101010101" pitchFamily="2" charset="-122"/>
+                                        </a:rPr>
+                                      </m:ctrlPr>
+                                    </m:sSupPr>
+                                    <m:e>
+                                      <m:acc>
+                                        <m:accPr>
+                                          <m:chr m:val="̃"/>
+                                          <m:ctrlPr>
+                                            <a:rPr lang="en-US" i="1" kern="100">
+                                              <a:latin typeface="Cambria Math" panose="02040503050406030204" pitchFamily="18" charset="0"/>
+                                              <a:ea typeface="宋体" panose="02010600030101010101" pitchFamily="2" charset="-122"/>
+                                            </a:rPr>
+                                          </m:ctrlPr>
+                                        </m:accPr>
+                                        <m:e>
+                                          <m:r>
+                                            <a:rPr lang="en-US" i="1" kern="100">
+                                              <a:latin typeface="Cambria Math" panose="02040503050406030204" pitchFamily="18" charset="0"/>
+                                              <a:ea typeface="宋体" panose="02010600030101010101" pitchFamily="2" charset="-122"/>
+                                            </a:rPr>
+                                            <m:t>𝜃</m:t>
+                                          </m:r>
+                                        </m:e>
+                                      </m:acc>
+                                    </m:e>
+                                    <m:sup>
+                                      <m:r>
+                                        <a:rPr lang="en-US" i="1" kern="100">
+                                          <a:latin typeface="Cambria Math" panose="02040503050406030204" pitchFamily="18" charset="0"/>
+                                          <a:ea typeface="宋体" panose="02010600030101010101" pitchFamily="2" charset="-122"/>
+                                        </a:rPr>
+                                        <m:t>𝑡</m:t>
+                                      </m:r>
+                                    </m:sup>
+                                  </m:sSup>
+                                </m:sub>
+                              </m:sSub>
+                            </m:lim>
+                          </m:limLow>
+                        </m:fName>
+                        <m:e>
+                          <m:sSub>
+                            <m:sSubPr>
+                              <m:ctrlPr>
+                                <a:rPr lang="en-US" i="1">
+                                  <a:latin typeface="Cambria Math" panose="02040503050406030204" pitchFamily="18" charset="0"/>
+                                </a:rPr>
+                              </m:ctrlPr>
+                            </m:sSubPr>
+                            <m:e>
+                              <m:r>
+                                <a:rPr lang="en-US" i="1">
+                                  <a:latin typeface="Cambria Math" panose="02040503050406030204" pitchFamily="18" charset="0"/>
+                                </a:rPr>
+                                <m:t>𝐽</m:t>
+                              </m:r>
+                            </m:e>
+                            <m:sub>
+                              <m:r>
+                                <m:rPr>
+                                  <m:sty m:val="p"/>
+                                </m:rPr>
+                                <a:rPr lang="en-US">
+                                  <a:latin typeface="Cambria Math" panose="02040503050406030204" pitchFamily="18" charset="0"/>
+                                </a:rPr>
+                                <m:t>jmi</m:t>
+                              </m:r>
+                            </m:sub>
+                          </m:sSub>
+                          <m:d>
+                            <m:dPr>
+                              <m:ctrlPr>
+                                <a:rPr lang="en-US" i="1">
+                                  <a:latin typeface="Cambria Math" panose="02040503050406030204" pitchFamily="18" charset="0"/>
+                                </a:rPr>
+                              </m:ctrlPr>
+                            </m:dPr>
+                            <m:e>
+                              <m:sSub>
+                                <m:sSubPr>
+                                  <m:ctrlPr>
+                                    <a:rPr lang="en-US" i="1">
+                                      <a:latin typeface="Cambria Math" panose="02040503050406030204" pitchFamily="18" charset="0"/>
+                                    </a:rPr>
+                                  </m:ctrlPr>
+                                </m:sSubPr>
+                                <m:e>
+                                  <m:r>
+                                    <a:rPr lang="en-US" i="1">
+                                      <a:latin typeface="Cambria Math" panose="02040503050406030204" pitchFamily="18" charset="0"/>
+                                    </a:rPr>
+                                    <m:t>𝑋</m:t>
+                                  </m:r>
+                                </m:e>
+                                <m:sub>
+                                  <m:r>
+                                    <a:rPr lang="en-US" i="1">
+                                      <a:latin typeface="Cambria Math" panose="02040503050406030204" pitchFamily="18" charset="0"/>
+                                    </a:rPr>
+                                    <m:t>𝑘</m:t>
+                                  </m:r>
+                                </m:sub>
+                              </m:sSub>
+                            </m:e>
+                          </m:d>
+                        </m:e>
+                      </m:func>
+                    </m:oMath>
+                  </m:oMathPara>
+                </a14:m>
+                <a:endParaRPr lang="en-US" kern="100" dirty="0">
+                  <a:latin typeface="Times New Roman" panose="02020603050405020304" pitchFamily="18" charset="0"/>
+                  <a:ea typeface="宋体" panose="02010600030101010101" pitchFamily="2" charset="-122"/>
+                </a:endParaRPr>
+              </a:p>
+              <a:p>
+                <a:pPr indent="304800" algn="just">
+                  <a:lnSpc>
+                    <a:spcPct val="125000"/>
+                  </a:lnSpc>
+                  <a:spcBef>
+                    <a:spcPts val="600"/>
+                  </a:spcBef>
+                  <a:spcAft>
+                    <a:spcPts val="600"/>
+                  </a:spcAft>
+                </a:pPr>
+                <a14:m>
+                  <m:oMathPara xmlns:m="http://schemas.openxmlformats.org/officeDocument/2006/math">
+                    <m:oMathParaPr>
+                      <m:jc m:val="centerGroup"/>
+                    </m:oMathParaPr>
+                    <m:oMath xmlns:m="http://schemas.openxmlformats.org/officeDocument/2006/math">
+                      <m:sSub>
+                        <m:sSubPr>
+                          <m:ctrlPr>
+                            <a:rPr lang="en-US" i="1" kern="100">
+                              <a:latin typeface="Cambria Math" panose="02040503050406030204" pitchFamily="18" charset="0"/>
+                              <a:ea typeface="宋体" panose="02010600030101010101" pitchFamily="2" charset="-122"/>
+                            </a:rPr>
+                          </m:ctrlPr>
+                        </m:sSubPr>
+                        <m:e>
+                          <m:r>
+                            <a:rPr lang="en-US" i="1" kern="100">
+                              <a:latin typeface="Cambria Math" panose="02040503050406030204" pitchFamily="18" charset="0"/>
+                              <a:ea typeface="宋体" panose="02010600030101010101" pitchFamily="2" charset="-122"/>
+                            </a:rPr>
+                            <m:t>𝑋</m:t>
+                          </m:r>
+                        </m:e>
+                        <m:sub>
+                          <m:sSup>
+                            <m:sSupPr>
+                              <m:ctrlPr>
+                                <a:rPr lang="en-US" i="1" kern="100">
+                                  <a:latin typeface="Cambria Math" panose="02040503050406030204" pitchFamily="18" charset="0"/>
+                                  <a:ea typeface="宋体" panose="02010600030101010101" pitchFamily="2" charset="-122"/>
+                                </a:rPr>
+                              </m:ctrlPr>
+                            </m:sSupPr>
+                            <m:e>
+                              <m:r>
+                                <a:rPr lang="en-US" i="1" kern="100">
+                                  <a:latin typeface="Cambria Math" panose="02040503050406030204" pitchFamily="18" charset="0"/>
+                                  <a:ea typeface="宋体" panose="02010600030101010101" pitchFamily="2" charset="-122"/>
+                                </a:rPr>
+                                <m:t>𝜃</m:t>
+                              </m:r>
+                            </m:e>
+                            <m:sup>
+                              <m:r>
+                                <a:rPr lang="en-US" i="1" kern="100">
+                                  <a:latin typeface="Cambria Math" panose="02040503050406030204" pitchFamily="18" charset="0"/>
+                                  <a:ea typeface="宋体" panose="02010600030101010101" pitchFamily="2" charset="-122"/>
+                                </a:rPr>
+                                <m:t>𝑡</m:t>
+                              </m:r>
+                              <m:r>
+                                <a:rPr lang="en-US" i="1" kern="100">
+                                  <a:latin typeface="Cambria Math" panose="02040503050406030204" pitchFamily="18" charset="0"/>
+                                  <a:ea typeface="宋体" panose="02010600030101010101" pitchFamily="2" charset="-122"/>
+                                </a:rPr>
+                                <m:t>+1</m:t>
+                              </m:r>
+                            </m:sup>
+                          </m:sSup>
+                        </m:sub>
+                      </m:sSub>
+                      <m:r>
+                        <a:rPr lang="en-US" i="1" kern="100">
+                          <a:latin typeface="Cambria Math" panose="02040503050406030204" pitchFamily="18" charset="0"/>
+                          <a:ea typeface="宋体" panose="02010600030101010101" pitchFamily="2" charset="-122"/>
+                        </a:rPr>
+                        <m:t>←</m:t>
+                      </m:r>
+                      <m:sSub>
+                        <m:sSubPr>
+                          <m:ctrlPr>
+                            <a:rPr lang="en-US" i="1" kern="100">
+                              <a:latin typeface="Cambria Math" panose="02040503050406030204" pitchFamily="18" charset="0"/>
+                              <a:ea typeface="宋体" panose="02010600030101010101" pitchFamily="2" charset="-122"/>
+                            </a:rPr>
+                          </m:ctrlPr>
+                        </m:sSubPr>
+                        <m:e>
+                          <m:r>
+                            <a:rPr lang="en-US" i="1" kern="100">
+                              <a:latin typeface="Cambria Math" panose="02040503050406030204" pitchFamily="18" charset="0"/>
+                              <a:ea typeface="宋体" panose="02010600030101010101" pitchFamily="2" charset="-122"/>
+                            </a:rPr>
+                            <m:t>𝑋</m:t>
+                          </m:r>
+                        </m:e>
+                        <m:sub>
+                          <m:sSup>
+                            <m:sSupPr>
+                              <m:ctrlPr>
+                                <a:rPr lang="en-US" i="1" kern="100">
+                                  <a:latin typeface="Cambria Math" panose="02040503050406030204" pitchFamily="18" charset="0"/>
+                                  <a:ea typeface="宋体" panose="02010600030101010101" pitchFamily="2" charset="-122"/>
+                                </a:rPr>
+                              </m:ctrlPr>
+                            </m:sSupPr>
+                            <m:e>
+                              <m:r>
+                                <a:rPr lang="en-US" i="1" kern="100">
+                                  <a:latin typeface="Cambria Math" panose="02040503050406030204" pitchFamily="18" charset="0"/>
+                                  <a:ea typeface="宋体" panose="02010600030101010101" pitchFamily="2" charset="-122"/>
+                                </a:rPr>
+                                <m:t>𝜃</m:t>
+                              </m:r>
+                            </m:e>
+                            <m:sup>
+                              <m:r>
+                                <a:rPr lang="en-US" i="1" kern="100">
+                                  <a:latin typeface="Cambria Math" panose="02040503050406030204" pitchFamily="18" charset="0"/>
+                                  <a:ea typeface="宋体" panose="02010600030101010101" pitchFamily="2" charset="-122"/>
+                                </a:rPr>
+                                <m:t>𝑡</m:t>
+                              </m:r>
+                            </m:sup>
+                          </m:sSup>
+                        </m:sub>
+                      </m:sSub>
+                      <m:r>
+                        <a:rPr lang="en-US" i="1" kern="100">
+                          <a:latin typeface="Cambria Math" panose="02040503050406030204" pitchFamily="18" charset="0"/>
+                          <a:ea typeface="宋体" panose="02010600030101010101" pitchFamily="2" charset="-122"/>
+                        </a:rPr>
+                        <m:t>∪</m:t>
+                      </m:r>
+                      <m:sSub>
+                        <m:sSubPr>
+                          <m:ctrlPr>
+                            <a:rPr lang="en-US" i="1" kern="100">
+                              <a:latin typeface="Cambria Math" panose="02040503050406030204" pitchFamily="18" charset="0"/>
+                              <a:ea typeface="宋体" panose="02010600030101010101" pitchFamily="2" charset="-122"/>
+                            </a:rPr>
+                          </m:ctrlPr>
+                        </m:sSubPr>
+                        <m:e>
+                          <m:r>
+                            <a:rPr lang="en-US" i="1" kern="100">
+                              <a:latin typeface="Cambria Math" panose="02040503050406030204" pitchFamily="18" charset="0"/>
+                              <a:ea typeface="宋体" panose="02010600030101010101" pitchFamily="2" charset="-122"/>
+                            </a:rPr>
+                            <m:t>𝑋</m:t>
+                          </m:r>
+                        </m:e>
+                        <m:sub>
+                          <m:r>
+                            <a:rPr lang="en-US" i="1" kern="100">
+                              <a:latin typeface="Cambria Math" panose="02040503050406030204" pitchFamily="18" charset="0"/>
+                              <a:ea typeface="宋体" panose="02010600030101010101" pitchFamily="2" charset="-122"/>
+                            </a:rPr>
+                            <m:t>𝑘</m:t>
+                          </m:r>
+                        </m:sub>
+                      </m:sSub>
+                    </m:oMath>
+                  </m:oMathPara>
+                </a14:m>
+                <a:endParaRPr lang="en-US" kern="100" dirty="0">
+                  <a:latin typeface="Times New Roman" panose="02020603050405020304" pitchFamily="18" charset="0"/>
+                  <a:ea typeface="宋体" panose="02010600030101010101" pitchFamily="2" charset="-122"/>
+                </a:endParaRPr>
+              </a:p>
+              <a:p>
+                <a:pPr/>
+                <a14:m>
+                  <m:oMathPara xmlns:m="http://schemas.openxmlformats.org/officeDocument/2006/math">
+                    <m:oMathParaPr>
+                      <m:jc m:val="centerGroup"/>
+                    </m:oMathParaPr>
+                    <m:oMath xmlns:m="http://schemas.openxmlformats.org/officeDocument/2006/math">
+                      <m:sSub>
+                        <m:sSubPr>
+                          <m:ctrlPr>
+                            <a:rPr lang="en-US" i="1">
+                              <a:latin typeface="Cambria Math" panose="02040503050406030204" pitchFamily="18" charset="0"/>
+                            </a:rPr>
+                          </m:ctrlPr>
+                        </m:sSubPr>
+                        <m:e>
+                          <m:r>
+                            <a:rPr lang="en-US" i="1" kern="100">
+                              <a:latin typeface="Cambria Math" panose="02040503050406030204" pitchFamily="18" charset="0"/>
+                              <a:ea typeface="宋体" panose="02010600030101010101" pitchFamily="2" charset="-122"/>
+                              <a:cs typeface="Times New Roman" panose="02020603050405020304" pitchFamily="18" charset="0"/>
+                            </a:rPr>
+                            <m:t>𝑋</m:t>
+                          </m:r>
+                        </m:e>
+                        <m:sub>
+                          <m:sSup>
+                            <m:sSupPr>
+                              <m:ctrlPr>
+                                <a:rPr lang="en-US" i="1">
+                                  <a:latin typeface="Cambria Math" panose="02040503050406030204" pitchFamily="18" charset="0"/>
+                                </a:rPr>
+                              </m:ctrlPr>
+                            </m:sSupPr>
+                            <m:e>
+                              <m:acc>
+                                <m:accPr>
+                                  <m:chr m:val="̃"/>
+                                  <m:ctrlPr>
+                                    <a:rPr lang="en-US" i="1">
+                                      <a:latin typeface="Cambria Math" panose="02040503050406030204" pitchFamily="18" charset="0"/>
+                                    </a:rPr>
+                                  </m:ctrlPr>
+                                </m:accPr>
+                                <m:e>
+                                  <m:r>
+                                    <a:rPr lang="en-US" i="1" kern="100">
+                                      <a:latin typeface="Cambria Math" panose="02040503050406030204" pitchFamily="18" charset="0"/>
+                                      <a:ea typeface="宋体" panose="02010600030101010101" pitchFamily="2" charset="-122"/>
+                                      <a:cs typeface="Times New Roman" panose="02020603050405020304" pitchFamily="18" charset="0"/>
+                                    </a:rPr>
+                                    <m:t>𝜃</m:t>
+                                  </m:r>
+                                </m:e>
+                              </m:acc>
+                            </m:e>
+                            <m:sup>
+                              <m:r>
+                                <a:rPr lang="en-US" i="1" kern="100">
+                                  <a:latin typeface="Cambria Math" panose="02040503050406030204" pitchFamily="18" charset="0"/>
+                                  <a:ea typeface="宋体" panose="02010600030101010101" pitchFamily="2" charset="-122"/>
+                                  <a:cs typeface="Times New Roman" panose="02020603050405020304" pitchFamily="18" charset="0"/>
+                                </a:rPr>
+                                <m:t>𝑡</m:t>
+                              </m:r>
+                              <m:r>
+                                <a:rPr lang="en-US" i="1" kern="100">
+                                  <a:latin typeface="Cambria Math" panose="02040503050406030204" pitchFamily="18" charset="0"/>
+                                  <a:ea typeface="宋体" panose="02010600030101010101" pitchFamily="2" charset="-122"/>
+                                  <a:cs typeface="Times New Roman" panose="02020603050405020304" pitchFamily="18" charset="0"/>
+                                </a:rPr>
+                                <m:t>+1</m:t>
+                              </m:r>
+                            </m:sup>
+                          </m:sSup>
+                        </m:sub>
+                      </m:sSub>
+                      <m:r>
+                        <a:rPr lang="en-US" i="1" kern="100">
+                          <a:latin typeface="Cambria Math" panose="02040503050406030204" pitchFamily="18" charset="0"/>
+                          <a:ea typeface="宋体" panose="02010600030101010101" pitchFamily="2" charset="-122"/>
+                          <a:cs typeface="Times New Roman" panose="02020603050405020304" pitchFamily="18" charset="0"/>
+                        </a:rPr>
+                        <m:t>←</m:t>
+                      </m:r>
+                      <m:sSub>
+                        <m:sSubPr>
+                          <m:ctrlPr>
+                            <a:rPr lang="en-US" i="1">
+                              <a:latin typeface="Cambria Math" panose="02040503050406030204" pitchFamily="18" charset="0"/>
+                            </a:rPr>
+                          </m:ctrlPr>
+                        </m:sSubPr>
+                        <m:e>
+                          <m:r>
+                            <a:rPr lang="en-US" i="1" kern="100">
+                              <a:latin typeface="Cambria Math" panose="02040503050406030204" pitchFamily="18" charset="0"/>
+                              <a:ea typeface="宋体" panose="02010600030101010101" pitchFamily="2" charset="-122"/>
+                              <a:cs typeface="Times New Roman" panose="02020603050405020304" pitchFamily="18" charset="0"/>
+                            </a:rPr>
+                            <m:t>𝑋</m:t>
+                          </m:r>
+                        </m:e>
+                        <m:sub>
+                          <m:sSup>
+                            <m:sSupPr>
+                              <m:ctrlPr>
+                                <a:rPr lang="en-US" i="1">
+                                  <a:latin typeface="Cambria Math" panose="02040503050406030204" pitchFamily="18" charset="0"/>
+                                </a:rPr>
+                              </m:ctrlPr>
+                            </m:sSupPr>
+                            <m:e>
+                              <m:acc>
+                                <m:accPr>
+                                  <m:chr m:val="̃"/>
+                                  <m:ctrlPr>
+                                    <a:rPr lang="en-US" i="1">
+                                      <a:latin typeface="Cambria Math" panose="02040503050406030204" pitchFamily="18" charset="0"/>
+                                    </a:rPr>
+                                  </m:ctrlPr>
+                                </m:accPr>
+                                <m:e>
+                                  <m:r>
+                                    <a:rPr lang="en-US" i="1" kern="100">
+                                      <a:latin typeface="Cambria Math" panose="02040503050406030204" pitchFamily="18" charset="0"/>
+                                      <a:ea typeface="宋体" panose="02010600030101010101" pitchFamily="2" charset="-122"/>
+                                      <a:cs typeface="Times New Roman" panose="02020603050405020304" pitchFamily="18" charset="0"/>
+                                    </a:rPr>
+                                    <m:t>𝜃</m:t>
+                                  </m:r>
+                                </m:e>
+                              </m:acc>
+                            </m:e>
+                            <m:sup>
+                              <m:r>
+                                <a:rPr lang="en-US" i="1" kern="100">
+                                  <a:latin typeface="Cambria Math" panose="02040503050406030204" pitchFamily="18" charset="0"/>
+                                  <a:ea typeface="宋体" panose="02010600030101010101" pitchFamily="2" charset="-122"/>
+                                  <a:cs typeface="Times New Roman" panose="02020603050405020304" pitchFamily="18" charset="0"/>
+                                </a:rPr>
+                                <m:t>𝑡</m:t>
+                              </m:r>
+                            </m:sup>
+                          </m:sSup>
+                        </m:sub>
+                      </m:sSub>
+                      <m:r>
+                        <a:rPr lang="en-US" i="1" kern="100">
+                          <a:latin typeface="Cambria Math" panose="02040503050406030204" pitchFamily="18" charset="0"/>
+                          <a:ea typeface="宋体" panose="02010600030101010101" pitchFamily="2" charset="-122"/>
+                          <a:cs typeface="Times New Roman" panose="02020603050405020304" pitchFamily="18" charset="0"/>
+                        </a:rPr>
+                        <m:t>\</m:t>
+                      </m:r>
+                      <m:sSub>
+                        <m:sSubPr>
+                          <m:ctrlPr>
+                            <a:rPr lang="en-US" i="1">
+                              <a:latin typeface="Cambria Math" panose="02040503050406030204" pitchFamily="18" charset="0"/>
+                            </a:rPr>
+                          </m:ctrlPr>
+                        </m:sSubPr>
+                        <m:e>
+                          <m:r>
+                            <a:rPr lang="en-US" i="1" kern="100">
+                              <a:latin typeface="Cambria Math" panose="02040503050406030204" pitchFamily="18" charset="0"/>
+                              <a:ea typeface="宋体" panose="02010600030101010101" pitchFamily="2" charset="-122"/>
+                              <a:cs typeface="Times New Roman" panose="02020603050405020304" pitchFamily="18" charset="0"/>
+                            </a:rPr>
+                            <m:t>𝑋</m:t>
+                          </m:r>
+                        </m:e>
+                        <m:sub>
+                          <m:r>
+                            <a:rPr lang="en-US" i="1" kern="100">
+                              <a:latin typeface="Cambria Math" panose="02040503050406030204" pitchFamily="18" charset="0"/>
+                              <a:ea typeface="宋体" panose="02010600030101010101" pitchFamily="2" charset="-122"/>
+                              <a:cs typeface="Times New Roman" panose="02020603050405020304" pitchFamily="18" charset="0"/>
+                            </a:rPr>
+                            <m:t>𝑘</m:t>
+                          </m:r>
+                        </m:sub>
+                      </m:sSub>
+                    </m:oMath>
+                  </m:oMathPara>
+                </a14:m>
+                <a:endParaRPr lang="en-US" dirty="0"/>
+              </a:p>
+            </p:txBody>
+          </p:sp>
+        </mc:Choice>
+        <mc:Fallback>
+          <p:sp>
+            <p:nvSpPr>
+              <p:cNvPr id="13" name="矩形 12"/>
+              <p:cNvSpPr>
+                <a:spLocks noRot="1" noChangeAspect="1" noMove="1" noResize="1" noEditPoints="1" noAdjustHandles="1" noChangeArrowheads="1" noChangeShapeType="1" noTextEdit="1"/>
+              </p:cNvSpPr>
+              <p:nvPr/>
+            </p:nvSpPr>
+            <p:spPr>
+              <a:xfrm>
+                <a:off x="1919535" y="5293257"/>
+                <a:ext cx="4572000" cy="1510735"/>
+              </a:xfrm>
+              <a:prstGeom prst="rect">
+                <a:avLst/>
+              </a:prstGeom>
+              <a:blipFill>
+                <a:blip r:embed="rId9"/>
+                <a:stretch>
+                  <a:fillRect b="-403"/>
+                </a:stretch>
+              </a:blipFill>
+            </p:spPr>
+            <p:txBody>
+              <a:bodyPr/>
+              <a:lstStyle/>
+              <a:p>
+                <a:r>
+                  <a:rPr lang="zh-CN" altLang="en-US">
+                    <a:noFill/>
+                  </a:rPr>
+                  <a:t> </a:t>
+                </a:r>
+              </a:p>
+            </p:txBody>
+          </p:sp>
+        </mc:Fallback>
+      </mc:AlternateContent>
+      <p:sp>
+        <p:nvSpPr>
+          <p:cNvPr id="17" name="灯片编号占位符 7"/>
+          <p:cNvSpPr>
+            <a:spLocks noGrp="1"/>
+          </p:cNvSpPr>
+          <p:nvPr>
+            <p:ph type="sldNum" sz="quarter" idx="12"/>
+          </p:nvPr>
+        </p:nvSpPr>
+        <p:spPr>
+          <a:xfrm>
+            <a:off x="7981950" y="6356352"/>
+            <a:ext cx="2057400" cy="365125"/>
+          </a:xfrm>
+        </p:spPr>
+        <p:txBody>
+          <a:bodyPr/>
+          <a:lstStyle/>
+          <a:p>
+            <a:r>
+              <a:rPr lang="en-US" altLang="zh-CN" dirty="0"/>
+              <a:t>21</a:t>
+            </a:r>
+            <a:endParaRPr lang="zh-CN" altLang="en-US" dirty="0"/>
+          </a:p>
+        </p:txBody>
+      </p:sp>
+    </p:spTree>
+    <p:extLst>
+      <p:ext uri="{BB962C8B-B14F-4D97-AF65-F5344CB8AC3E}">
+        <p14:creationId xmlns:p14="http://schemas.microsoft.com/office/powerpoint/2010/main" val="513527523"/>
+      </p:ext>
+    </p:extLst>
+  </p:cSld>
+  <p:clrMapOvr>
+    <a:masterClrMapping/>
+  </p:clrMapOvr>
+  <p:timing>
+    <p:tnLst>
+      <p:par>
+        <p:cTn id="1" dur="indefinite" restart="never" nodeType="tmRoot">
+          <p:childTnLst>
+            <p:seq concurrent="1" nextAc="seek">
+              <p:cTn id="2" dur="indefinite" nodeType="mainSeq">
+                <p:childTnLst>
+                  <p:par>
+                    <p:cTn id="3" fill="hold">
+                      <p:stCondLst>
+                        <p:cond delay="indefinite"/>
+                      </p:stCondLst>
+                      <p:childTnLst>
+                        <p:par>
+                          <p:cTn id="4" fill="hold">
+                            <p:stCondLst>
+                              <p:cond delay="0"/>
+                            </p:stCondLst>
+                            <p:childTnLst>
+                              <p:par>
+                                <p:cTn id="5" presetID="10" presetClass="entr" presetSubtype="0" fill="hold" grpId="0" nodeType="clickEffect">
+                                  <p:stCondLst>
+                                    <p:cond delay="0"/>
+                                  </p:stCondLst>
+                                  <p:childTnLst>
+                                    <p:set>
+                                      <p:cBhvr>
+                                        <p:cTn id="6" dur="1" fill="hold">
+                                          <p:stCondLst>
+                                            <p:cond delay="0"/>
+                                          </p:stCondLst>
+                                        </p:cTn>
+                                        <p:tgtEl>
+                                          <p:spTgt spid="15"/>
+                                        </p:tgtEl>
+                                        <p:attrNameLst>
+                                          <p:attrName>style.visibility</p:attrName>
+                                        </p:attrNameLst>
+                                      </p:cBhvr>
+                                      <p:to>
+                                        <p:strVal val="visible"/>
+                                      </p:to>
+                                    </p:set>
+                                    <p:animEffect transition="in" filter="fade">
+                                      <p:cBhvr>
+                                        <p:cTn id="7" dur="500"/>
+                                        <p:tgtEl>
+                                          <p:spTgt spid="15"/>
+                                        </p:tgtEl>
+                                      </p:cBhvr>
+                                    </p:animEffect>
+                                  </p:childTnLst>
+                                </p:cTn>
+                              </p:par>
+                              <p:par>
+                                <p:cTn id="8" presetID="10" presetClass="entr" presetSubtype="0" fill="hold" grpId="0" nodeType="withEffect">
+                                  <p:stCondLst>
+                                    <p:cond delay="0"/>
+                                  </p:stCondLst>
+                                  <p:childTnLst>
+                                    <p:set>
+                                      <p:cBhvr>
+                                        <p:cTn id="9" dur="1" fill="hold">
+                                          <p:stCondLst>
+                                            <p:cond delay="0"/>
+                                          </p:stCondLst>
+                                        </p:cTn>
+                                        <p:tgtEl>
+                                          <p:spTgt spid="12"/>
+                                        </p:tgtEl>
+                                        <p:attrNameLst>
+                                          <p:attrName>style.visibility</p:attrName>
+                                        </p:attrNameLst>
+                                      </p:cBhvr>
+                                      <p:to>
+                                        <p:strVal val="visible"/>
+                                      </p:to>
+                                    </p:set>
+                                    <p:animEffect transition="in" filter="fade">
+                                      <p:cBhvr>
+                                        <p:cTn id="10" dur="500"/>
+                                        <p:tgtEl>
+                                          <p:spTgt spid="12"/>
+                                        </p:tgtEl>
+                                      </p:cBhvr>
+                                    </p:animEffect>
+                                  </p:childTnLst>
+                                </p:cTn>
+                              </p:par>
+                              <p:par>
+                                <p:cTn id="11" presetID="10" presetClass="entr" presetSubtype="0" fill="hold" grpId="0" nodeType="withEffect">
+                                  <p:stCondLst>
+                                    <p:cond delay="0"/>
+                                  </p:stCondLst>
+                                  <p:childTnLst>
+                                    <p:set>
+                                      <p:cBhvr>
+                                        <p:cTn id="12" dur="1" fill="hold">
+                                          <p:stCondLst>
+                                            <p:cond delay="0"/>
+                                          </p:stCondLst>
+                                        </p:cTn>
+                                        <p:tgtEl>
+                                          <p:spTgt spid="4"/>
+                                        </p:tgtEl>
+                                        <p:attrNameLst>
+                                          <p:attrName>style.visibility</p:attrName>
+                                        </p:attrNameLst>
+                                      </p:cBhvr>
+                                      <p:to>
+                                        <p:strVal val="visible"/>
+                                      </p:to>
+                                    </p:set>
+                                    <p:animEffect transition="in" filter="fade">
+                                      <p:cBhvr>
+                                        <p:cTn id="13" dur="500"/>
+                                        <p:tgtEl>
+                                          <p:spTgt spid="4"/>
+                                        </p:tgtEl>
+                                      </p:cBhvr>
+                                    </p:animEffect>
+                                  </p:childTnLst>
+                                </p:cTn>
+                              </p:par>
+                            </p:childTnLst>
+                          </p:cTn>
+                        </p:par>
+                      </p:childTnLst>
+                    </p:cTn>
+                  </p:par>
+                  <p:par>
+                    <p:cTn id="14" fill="hold">
+                      <p:stCondLst>
+                        <p:cond delay="indefinite"/>
+                      </p:stCondLst>
+                      <p:childTnLst>
+                        <p:par>
+                          <p:cTn id="15" fill="hold">
+                            <p:stCondLst>
+                              <p:cond delay="0"/>
+                            </p:stCondLst>
+                            <p:childTnLst>
+                              <p:par>
+                                <p:cTn id="16" presetID="10" presetClass="exit" presetSubtype="0" fill="hold" grpId="1" nodeType="clickEffect">
+                                  <p:stCondLst>
+                                    <p:cond delay="0"/>
+                                  </p:stCondLst>
+                                  <p:childTnLst>
+                                    <p:animEffect transition="out" filter="fade">
+                                      <p:cBhvr>
+                                        <p:cTn id="17" dur="500"/>
+                                        <p:tgtEl>
+                                          <p:spTgt spid="4"/>
+                                        </p:tgtEl>
+                                      </p:cBhvr>
+                                    </p:animEffect>
+                                    <p:set>
+                                      <p:cBhvr>
+                                        <p:cTn id="18" dur="1" fill="hold">
+                                          <p:stCondLst>
+                                            <p:cond delay="499"/>
+                                          </p:stCondLst>
+                                        </p:cTn>
+                                        <p:tgtEl>
+                                          <p:spTgt spid="4"/>
+                                        </p:tgtEl>
+                                        <p:attrNameLst>
+                                          <p:attrName>style.visibility</p:attrName>
+                                        </p:attrNameLst>
+                                      </p:cBhvr>
+                                      <p:to>
+                                        <p:strVal val="hidden"/>
+                                      </p:to>
+                                    </p:set>
+                                  </p:childTnLst>
+                                </p:cTn>
+                              </p:par>
+                            </p:childTnLst>
+                          </p:cTn>
+                        </p:par>
+                        <p:par>
+                          <p:cTn id="19" fill="hold">
+                            <p:stCondLst>
+                              <p:cond delay="500"/>
+                            </p:stCondLst>
+                            <p:childTnLst>
+                              <p:par>
+                                <p:cTn id="20" presetID="10" presetClass="entr" presetSubtype="0" fill="hold" grpId="0" nodeType="afterEffect">
+                                  <p:stCondLst>
+                                    <p:cond delay="0"/>
+                                  </p:stCondLst>
+                                  <p:childTnLst>
+                                    <p:set>
+                                      <p:cBhvr>
+                                        <p:cTn id="21" dur="1" fill="hold">
+                                          <p:stCondLst>
+                                            <p:cond delay="0"/>
+                                          </p:stCondLst>
+                                        </p:cTn>
+                                        <p:tgtEl>
+                                          <p:spTgt spid="16"/>
+                                        </p:tgtEl>
+                                        <p:attrNameLst>
+                                          <p:attrName>style.visibility</p:attrName>
+                                        </p:attrNameLst>
+                                      </p:cBhvr>
+                                      <p:to>
+                                        <p:strVal val="visible"/>
+                                      </p:to>
+                                    </p:set>
+                                    <p:animEffect transition="in" filter="fade">
+                                      <p:cBhvr>
+                                        <p:cTn id="22" dur="500"/>
+                                        <p:tgtEl>
+                                          <p:spTgt spid="16"/>
+                                        </p:tgtEl>
+                                      </p:cBhvr>
+                                    </p:animEffect>
+                                  </p:childTnLst>
+                                </p:cTn>
+                              </p:par>
+                              <p:par>
+                                <p:cTn id="23" presetID="10" presetClass="entr" presetSubtype="0" fill="hold" grpId="0" nodeType="withEffect">
+                                  <p:stCondLst>
+                                    <p:cond delay="0"/>
+                                  </p:stCondLst>
+                                  <p:childTnLst>
+                                    <p:set>
+                                      <p:cBhvr>
+                                        <p:cTn id="24" dur="1" fill="hold">
+                                          <p:stCondLst>
+                                            <p:cond delay="0"/>
+                                          </p:stCondLst>
+                                        </p:cTn>
+                                        <p:tgtEl>
+                                          <p:spTgt spid="13"/>
+                                        </p:tgtEl>
+                                        <p:attrNameLst>
+                                          <p:attrName>style.visibility</p:attrName>
+                                        </p:attrNameLst>
+                                      </p:cBhvr>
+                                      <p:to>
+                                        <p:strVal val="visible"/>
+                                      </p:to>
+                                    </p:set>
+                                    <p:animEffect transition="in" filter="fade">
+                                      <p:cBhvr>
+                                        <p:cTn id="25" dur="500"/>
+                                        <p:tgtEl>
+                                          <p:spTgt spid="13"/>
+                                        </p:tgtEl>
+                                      </p:cBhvr>
+                                    </p:animEffect>
+                                  </p:childTnLst>
+                                </p:cTn>
+                              </p:par>
+                            </p:childTnLst>
+                          </p:cTn>
+                        </p:par>
+                      </p:childTnLst>
+                    </p:cTn>
+                  </p:par>
+                  <p:par>
+                    <p:cTn id="26" fill="hold">
+                      <p:stCondLst>
+                        <p:cond delay="indefinite"/>
+                      </p:stCondLst>
+                      <p:childTnLst>
+                        <p:par>
+                          <p:cTn id="27" fill="hold">
+                            <p:stCondLst>
+                              <p:cond delay="0"/>
+                            </p:stCondLst>
+                            <p:childTnLst>
+                              <p:par>
+                                <p:cTn id="28" presetID="10" presetClass="entr" presetSubtype="0" fill="hold" grpId="0" nodeType="clickEffect">
+                                  <p:stCondLst>
+                                    <p:cond delay="0"/>
+                                  </p:stCondLst>
+                                  <p:childTnLst>
+                                    <p:set>
+                                      <p:cBhvr>
+                                        <p:cTn id="29" dur="1" fill="hold">
+                                          <p:stCondLst>
+                                            <p:cond delay="0"/>
+                                          </p:stCondLst>
+                                        </p:cTn>
+                                        <p:tgtEl>
+                                          <p:spTgt spid="14"/>
+                                        </p:tgtEl>
+                                        <p:attrNameLst>
+                                          <p:attrName>style.visibility</p:attrName>
+                                        </p:attrNameLst>
+                                      </p:cBhvr>
+                                      <p:to>
+                                        <p:strVal val="visible"/>
+                                      </p:to>
+                                    </p:set>
+                                    <p:animEffect transition="in" filter="fade">
+                                      <p:cBhvr>
+                                        <p:cTn id="30" dur="500"/>
+                                        <p:tgtEl>
+                                          <p:spTgt spid="14"/>
+                                        </p:tgtEl>
+                                      </p:cBhvr>
+                                    </p:animEffect>
+                                  </p:childTnLst>
+                                </p:cTn>
+                              </p:par>
+                            </p:childTnLst>
+                          </p:cTn>
+                        </p:par>
+                      </p:childTnLst>
+                    </p:cTn>
+                  </p:par>
+                </p:childTnLst>
+              </p:cTn>
+              <p:prevCondLst>
+                <p:cond evt="onPrev" delay="0">
+                  <p:tgtEl>
+                    <p:sldTgt/>
+                  </p:tgtEl>
+                </p:cond>
+              </p:prevCondLst>
+              <p:nextCondLst>
+                <p:cond evt="onNext" delay="0">
+                  <p:tgtEl>
+                    <p:sldTgt/>
+                  </p:tgtEl>
+                </p:cond>
+              </p:nextCondLst>
+            </p:seq>
+          </p:childTnLst>
+        </p:cTn>
+      </p:par>
+    </p:tnLst>
+    <p:bldLst>
+      <p:bldP spid="4" grpId="0"/>
+      <p:bldP spid="4" grpId="1"/>
+      <p:bldP spid="14" grpId="0" animBg="1"/>
+      <p:bldP spid="15" grpId="0"/>
+      <p:bldP spid="12" grpId="0"/>
+      <p:bldP spid="16" grpId="0"/>
+      <p:bldP spid="13" grpId="0"/>
+    </p:bldLst>
+  </p:timing>
+</p:sld>
+</file>
+
+<file path=ppt/slides/slide5.xml><?xml version="1.0" encoding="utf-8"?>
+<p:sld xmlns:a="http://schemas.openxmlformats.org/drawingml/2006/main" xmlns:r="http://schemas.openxmlformats.org/officeDocument/2006/relationships" xmlns:p="http://schemas.openxmlformats.org/presentationml/2006/main">
+  <p:cSld>
+    <p:spTree>
+      <p:nvGrpSpPr>
+        <p:cNvPr id="1" name=""/>
+        <p:cNvGrpSpPr/>
+        <p:nvPr/>
+      </p:nvGrpSpPr>
+      <p:grpSpPr>
+        <a:xfrm>
+          <a:off x="0" y="0"/>
+          <a:ext cx="0" cy="0"/>
+          <a:chOff x="0" y="0"/>
+          <a:chExt cx="0" cy="0"/>
+        </a:xfrm>
+      </p:grpSpPr>
+      <p:pic>
+        <p:nvPicPr>
+          <p:cNvPr id="1030" name="Picture 6"/>
+          <p:cNvPicPr>
+            <a:picLocks noChangeAspect="1" noChangeArrowheads="1"/>
+          </p:cNvPicPr>
+          <p:nvPr/>
+        </p:nvPicPr>
+        <p:blipFill>
+          <a:blip r:embed="rId3">
+            <a:extLst>
+              <a:ext uri="{28A0092B-C50C-407E-A947-70E740481C1C}">
+                <a14:useLocalDpi xmlns:a14="http://schemas.microsoft.com/office/drawing/2010/main" val="0"/>
+              </a:ext>
+            </a:extLst>
+          </a:blip>
+          <a:srcRect/>
+          <a:stretch>
+            <a:fillRect/>
+          </a:stretch>
+        </p:blipFill>
+        <p:spPr bwMode="auto">
+          <a:xfrm>
+            <a:off x="1524000" y="0"/>
+            <a:ext cx="9144000" cy="685800"/>
+          </a:xfrm>
+          <a:prstGeom prst="rect">
+            <a:avLst/>
+          </a:prstGeom>
+          <a:noFill/>
+          <a:ln>
+            <a:noFill/>
+          </a:ln>
+          <a:effectLst/>
+          <a:extLst>
+            <a:ext uri="{909E8E84-426E-40DD-AFC4-6F175D3DCCD1}">
+              <a14:hiddenFill xmlns:a14="http://schemas.microsoft.com/office/drawing/2010/main">
+                <a:solidFill>
+                  <a:schemeClr val="accent1"/>
+                </a:solidFill>
+              </a14:hiddenFill>
+            </a:ext>
+            <a:ext uri="{91240B29-F687-4F45-9708-019B960494DF}">
+              <a14:hiddenLine xmlns:a14="http://schemas.microsoft.com/office/drawing/2010/main" w="9525">
+                <a:solidFill>
+                  <a:schemeClr val="tx1"/>
+                </a:solidFill>
+                <a:miter lim="800000"/>
+                <a:headEnd/>
+                <a:tailEnd/>
+              </a14:hiddenLine>
+            </a:ext>
+            <a:ext uri="{AF507438-7753-43E0-B8FC-AC1667EBCBE1}">
+              <a14:hiddenEffects xmlns:a14="http://schemas.microsoft.com/office/drawing/2010/main">
+                <a:effectLst>
+                  <a:outerShdw dist="35921" dir="2700000" algn="ctr" rotWithShape="0">
+                    <a:schemeClr val="bg2"/>
+                  </a:outerShdw>
+                </a:effectLst>
+              </a14:hiddenEffects>
+            </a:ext>
+          </a:extLst>
+        </p:spPr>
+      </p:pic>
+      <p:sp>
+        <p:nvSpPr>
+          <p:cNvPr id="2" name="TextBox 1"/>
+          <p:cNvSpPr txBox="1"/>
+          <p:nvPr/>
+        </p:nvSpPr>
+        <p:spPr>
+          <a:xfrm>
+            <a:off x="1919536" y="142845"/>
+            <a:ext cx="8348415" cy="400110"/>
+          </a:xfrm>
+          <a:prstGeom prst="rect">
+            <a:avLst/>
+          </a:prstGeom>
+          <a:noFill/>
+        </p:spPr>
+        <p:txBody>
+          <a:bodyPr wrap="square" rtlCol="0">
+            <a:spAutoFit/>
+          </a:bodyPr>
+          <a:lstStyle/>
+          <a:p>
+            <a:r>
+              <a:rPr lang="zh-CN" altLang="en-US" sz="2000" b="1" dirty="0">
+                <a:solidFill>
+                  <a:srgbClr val="FFFFFF"/>
+                </a:solidFill>
+                <a:effectLst>
+                  <a:outerShdw blurRad="38100" dist="38100" dir="2700000" algn="tl">
+                    <a:srgbClr val="000000">
+                      <a:alpha val="43137"/>
+                    </a:srgbClr>
+                  </a:outerShdw>
+                </a:effectLst>
+                <a:latin typeface="微软雅黑" pitchFamily="34" charset="-122"/>
+                <a:ea typeface="微软雅黑" pitchFamily="34" charset="-122"/>
+              </a:rPr>
+              <a:t>二、基于模式转移特性的驾驶风格评测</a:t>
+            </a:r>
+          </a:p>
+        </p:txBody>
+      </p:sp>
+      <p:sp>
+        <p:nvSpPr>
+          <p:cNvPr id="7" name="矩形 6"/>
+          <p:cNvSpPr/>
+          <p:nvPr/>
+        </p:nvSpPr>
+        <p:spPr>
+          <a:xfrm>
+            <a:off x="1524000" y="6789944"/>
+            <a:ext cx="9144000" cy="68056"/>
+          </a:xfrm>
+          <a:prstGeom prst="rect">
+            <a:avLst/>
+          </a:prstGeom>
+          <a:solidFill>
+            <a:srgbClr val="415D7B"/>
+          </a:solidFill>
+          <a:ln>
+            <a:noFill/>
+          </a:ln>
+        </p:spPr>
+        <p:style>
+          <a:lnRef idx="2">
+            <a:schemeClr val="accent1">
+              <a:shade val="50000"/>
+            </a:schemeClr>
+          </a:lnRef>
+          <a:fillRef idx="1">
+            <a:schemeClr val="accent1"/>
+          </a:fillRef>
+          <a:effectRef idx="0">
+            <a:schemeClr val="accent1"/>
+          </a:effectRef>
+          <a:fontRef idx="minor">
+            <a:schemeClr val="lt1"/>
+          </a:fontRef>
+        </p:style>
+        <p:txBody>
+          <a:bodyPr rtlCol="0" anchor="ctr"/>
+          <a:lstStyle/>
+          <a:p>
+            <a:pPr algn="ctr"/>
+            <a:endParaRPr lang="zh-CN" altLang="en-US"/>
+          </a:p>
+        </p:txBody>
+      </p:sp>
+      <p:sp>
+        <p:nvSpPr>
+          <p:cNvPr id="10" name="内容占位符 2"/>
+          <p:cNvSpPr txBox="1">
+            <a:spLocks/>
+          </p:cNvSpPr>
+          <p:nvPr/>
+        </p:nvSpPr>
+        <p:spPr bwMode="auto">
+          <a:xfrm>
+            <a:off x="1919535" y="1033408"/>
+            <a:ext cx="7912442" cy="441796"/>
+          </a:xfrm>
+          <a:prstGeom prst="rect">
+            <a:avLst/>
+          </a:prstGeom>
+          <a:noFill/>
+          <a:ln w="9525">
+            <a:noFill/>
+            <a:miter lim="800000"/>
+            <a:headEnd/>
+            <a:tailEnd/>
+          </a:ln>
+        </p:spPr>
+        <p:txBody>
+          <a:bodyPr vert="horz" wrap="square" lIns="91440" tIns="45720" rIns="91440" bIns="45720" numCol="1" anchor="t" anchorCtr="0" compatLnSpc="1">
+            <a:prstTxWarp prst="textNoShape">
+              <a:avLst/>
+            </a:prstTxWarp>
+          </a:bodyPr>
+          <a:lstStyle>
+            <a:lvl1pPr algn="l" rtl="0" eaLnBrk="0" fontAlgn="base" hangingPunct="0">
+              <a:spcBef>
+                <a:spcPct val="20000"/>
+              </a:spcBef>
+              <a:spcAft>
+                <a:spcPct val="0"/>
+              </a:spcAft>
+              <a:buClr>
+                <a:srgbClr val="CC9900"/>
+              </a:buClr>
+              <a:buFont typeface="Wingdings" pitchFamily="2" charset="2"/>
+              <a:buChar char="p"/>
+              <a:defRPr sz="2000" b="0">
+                <a:solidFill>
+                  <a:srgbClr val="4A6784"/>
+                </a:solidFill>
+                <a:latin typeface="微软雅黑" pitchFamily="34" charset="-122"/>
+                <a:ea typeface="微软雅黑" pitchFamily="34" charset="-122"/>
+                <a:cs typeface="+mn-cs"/>
+              </a:defRPr>
+            </a:lvl1pPr>
+            <a:lvl2pPr marL="441325" indent="15875" algn="l" rtl="0" eaLnBrk="0" fontAlgn="base" hangingPunct="0">
+              <a:spcBef>
+                <a:spcPct val="20000"/>
+              </a:spcBef>
+              <a:spcAft>
+                <a:spcPct val="0"/>
+              </a:spcAft>
+              <a:buClr>
+                <a:srgbClr val="CC9900"/>
+              </a:buClr>
+              <a:buFont typeface="Wingdings" pitchFamily="2" charset="2"/>
+              <a:buChar char="Ø"/>
+              <a:defRPr b="0">
+                <a:solidFill>
+                  <a:schemeClr val="tx1"/>
+                </a:solidFill>
+                <a:latin typeface="微软雅黑" pitchFamily="34" charset="-122"/>
+                <a:ea typeface="微软雅黑" pitchFamily="34" charset="-122"/>
+              </a:defRPr>
+            </a:lvl2pPr>
+            <a:lvl3pPr marL="898525" indent="15875" algn="l" rtl="0" eaLnBrk="0" fontAlgn="base" hangingPunct="0">
+              <a:spcBef>
+                <a:spcPct val="20000"/>
+              </a:spcBef>
+              <a:spcAft>
+                <a:spcPct val="0"/>
+              </a:spcAft>
+              <a:buClr>
+                <a:srgbClr val="CC9900"/>
+              </a:buClr>
+              <a:buChar char="•"/>
+              <a:defRPr sz="1600">
+                <a:solidFill>
+                  <a:schemeClr val="tx1"/>
+                </a:solidFill>
+                <a:latin typeface="微软雅黑" pitchFamily="34" charset="-122"/>
+                <a:ea typeface="微软雅黑" pitchFamily="34" charset="-122"/>
+              </a:defRPr>
+            </a:lvl3pPr>
+            <a:lvl4pPr marL="1260475" algn="l" rtl="0" eaLnBrk="0" fontAlgn="base" hangingPunct="0">
+              <a:spcBef>
+                <a:spcPct val="20000"/>
+              </a:spcBef>
+              <a:spcAft>
+                <a:spcPct val="0"/>
+              </a:spcAft>
+              <a:buClr>
+                <a:srgbClr val="CC9900"/>
+              </a:buClr>
+              <a:buChar char="•"/>
+              <a:defRPr sz="1600">
+                <a:solidFill>
+                  <a:schemeClr val="tx1"/>
+                </a:solidFill>
+                <a:latin typeface="微软雅黑" pitchFamily="34" charset="-122"/>
+                <a:ea typeface="微软雅黑" pitchFamily="34" charset="-122"/>
+              </a:defRPr>
+            </a:lvl4pPr>
+            <a:lvl5pPr marL="1703388" algn="l" rtl="0" eaLnBrk="0" fontAlgn="base" hangingPunct="0">
+              <a:spcBef>
+                <a:spcPct val="20000"/>
+              </a:spcBef>
+              <a:spcAft>
+                <a:spcPct val="0"/>
+              </a:spcAft>
+              <a:buClr>
+                <a:srgbClr val="CC9900"/>
+              </a:buClr>
+              <a:buFont typeface="Arial" charset="0"/>
+              <a:buChar char="»"/>
+              <a:defRPr sz="1600">
+                <a:solidFill>
+                  <a:schemeClr val="tx1"/>
+                </a:solidFill>
+                <a:latin typeface="微软雅黑" pitchFamily="34" charset="-122"/>
+                <a:ea typeface="微软雅黑" pitchFamily="34" charset="-122"/>
+              </a:defRPr>
+            </a:lvl5pPr>
+            <a:lvl6pPr marL="2160588" algn="l" rtl="0" fontAlgn="base">
+              <a:spcBef>
+                <a:spcPct val="20000"/>
+              </a:spcBef>
+              <a:spcAft>
+                <a:spcPct val="0"/>
+              </a:spcAft>
+              <a:buClr>
+                <a:srgbClr val="CC9900"/>
+              </a:buClr>
+              <a:buFont typeface="Arial" charset="0"/>
+              <a:buChar char="»"/>
+              <a:defRPr>
+                <a:solidFill>
+                  <a:schemeClr val="tx1"/>
+                </a:solidFill>
+                <a:latin typeface="+mn-lt"/>
+                <a:ea typeface="+mn-ea"/>
+              </a:defRPr>
+            </a:lvl6pPr>
+            <a:lvl7pPr marL="2617788" algn="l" rtl="0" fontAlgn="base">
+              <a:spcBef>
+                <a:spcPct val="20000"/>
+              </a:spcBef>
+              <a:spcAft>
+                <a:spcPct val="0"/>
+              </a:spcAft>
+              <a:buClr>
+                <a:srgbClr val="CC9900"/>
+              </a:buClr>
+              <a:buFont typeface="Arial" charset="0"/>
+              <a:buChar char="»"/>
+              <a:defRPr>
+                <a:solidFill>
+                  <a:schemeClr val="tx1"/>
+                </a:solidFill>
+                <a:latin typeface="+mn-lt"/>
+                <a:ea typeface="+mn-ea"/>
+              </a:defRPr>
+            </a:lvl7pPr>
+            <a:lvl8pPr marL="3074988" algn="l" rtl="0" fontAlgn="base">
+              <a:spcBef>
+                <a:spcPct val="20000"/>
+              </a:spcBef>
+              <a:spcAft>
+                <a:spcPct val="0"/>
+              </a:spcAft>
+              <a:buClr>
+                <a:srgbClr val="CC9900"/>
+              </a:buClr>
+              <a:buFont typeface="Arial" charset="0"/>
+              <a:buChar char="»"/>
+              <a:defRPr>
+                <a:solidFill>
+                  <a:schemeClr val="tx1"/>
+                </a:solidFill>
+                <a:latin typeface="+mn-lt"/>
+                <a:ea typeface="+mn-ea"/>
+              </a:defRPr>
+            </a:lvl8pPr>
+            <a:lvl9pPr marL="3532188" algn="l" rtl="0" fontAlgn="base">
+              <a:spcBef>
+                <a:spcPct val="20000"/>
+              </a:spcBef>
+              <a:spcAft>
+                <a:spcPct val="0"/>
+              </a:spcAft>
+              <a:buClr>
+                <a:srgbClr val="CC9900"/>
+              </a:buClr>
+              <a:buFont typeface="Arial" charset="0"/>
+              <a:buChar char="»"/>
+              <a:defRPr>
+                <a:solidFill>
+                  <a:schemeClr val="tx1"/>
+                </a:solidFill>
+                <a:latin typeface="+mn-lt"/>
+                <a:ea typeface="+mn-ea"/>
+              </a:defRPr>
+            </a:lvl9pPr>
+          </a:lstStyle>
+          <a:p>
+            <a:pPr algn="just"/>
+            <a:r>
+              <a:rPr lang="zh-CN" altLang="en-US" dirty="0"/>
+              <a:t> 基于互信息的指标优选算法（</a:t>
+            </a:r>
+            <a:r>
+              <a:rPr lang="en-US" altLang="zh-CN" dirty="0"/>
+              <a:t>Joint Mutual Information</a:t>
+            </a:r>
+            <a:r>
+              <a:rPr lang="zh-CN" altLang="en-US" dirty="0"/>
+              <a:t>，</a:t>
+            </a:r>
+            <a:r>
+              <a:rPr lang="en-US" altLang="zh-CN" dirty="0"/>
+              <a:t>JMI</a:t>
+            </a:r>
+            <a:r>
+              <a:rPr lang="zh-CN" altLang="en-US" dirty="0"/>
+              <a:t>）</a:t>
+            </a:r>
+            <a:endParaRPr lang="en-US" altLang="zh-CN" dirty="0"/>
+          </a:p>
+        </p:txBody>
+      </p:sp>
+      <p:sp>
+        <p:nvSpPr>
+          <p:cNvPr id="14" name="内容占位符 2"/>
+          <p:cNvSpPr txBox="1">
+            <a:spLocks/>
+          </p:cNvSpPr>
+          <p:nvPr/>
+        </p:nvSpPr>
+        <p:spPr bwMode="auto">
+          <a:xfrm>
+            <a:off x="6806872" y="5129733"/>
+            <a:ext cx="3404388" cy="1290819"/>
+          </a:xfrm>
+          <a:prstGeom prst="rect">
+            <a:avLst/>
+          </a:prstGeom>
+          <a:noFill/>
+          <a:ln w="9525">
+            <a:solidFill>
+              <a:schemeClr val="tx1"/>
+            </a:solidFill>
+            <a:miter lim="800000"/>
+            <a:headEnd/>
+            <a:tailEnd/>
+          </a:ln>
+        </p:spPr>
+        <p:txBody>
+          <a:bodyPr vert="horz" wrap="square" lIns="91440" tIns="45720" rIns="91440" bIns="45720" numCol="1" anchor="t" anchorCtr="0" compatLnSpc="1">
+            <a:prstTxWarp prst="textNoShape">
+              <a:avLst/>
+            </a:prstTxWarp>
+          </a:bodyPr>
+          <a:lstStyle>
+            <a:lvl1pPr algn="l" rtl="0" eaLnBrk="0" fontAlgn="base" hangingPunct="0">
+              <a:spcBef>
+                <a:spcPct val="20000"/>
+              </a:spcBef>
+              <a:spcAft>
+                <a:spcPct val="0"/>
+              </a:spcAft>
+              <a:buClr>
+                <a:srgbClr val="CC9900"/>
+              </a:buClr>
+              <a:buFont typeface="Wingdings" pitchFamily="2" charset="2"/>
+              <a:buChar char="p"/>
+              <a:defRPr sz="2000" b="0">
+                <a:solidFill>
+                  <a:srgbClr val="4A6784"/>
+                </a:solidFill>
+                <a:latin typeface="微软雅黑" pitchFamily="34" charset="-122"/>
+                <a:ea typeface="微软雅黑" pitchFamily="34" charset="-122"/>
+                <a:cs typeface="+mn-cs"/>
+              </a:defRPr>
+            </a:lvl1pPr>
+            <a:lvl2pPr marL="441325" indent="15875" algn="l" rtl="0" eaLnBrk="0" fontAlgn="base" hangingPunct="0">
+              <a:spcBef>
+                <a:spcPct val="20000"/>
+              </a:spcBef>
+              <a:spcAft>
+                <a:spcPct val="0"/>
+              </a:spcAft>
+              <a:buClr>
+                <a:srgbClr val="CC9900"/>
+              </a:buClr>
+              <a:buFont typeface="Wingdings" pitchFamily="2" charset="2"/>
+              <a:buChar char="Ø"/>
+              <a:defRPr b="0">
+                <a:solidFill>
+                  <a:schemeClr val="tx1"/>
+                </a:solidFill>
+                <a:latin typeface="微软雅黑" pitchFamily="34" charset="-122"/>
+                <a:ea typeface="微软雅黑" pitchFamily="34" charset="-122"/>
+              </a:defRPr>
+            </a:lvl2pPr>
+            <a:lvl3pPr marL="898525" indent="15875" algn="l" rtl="0" eaLnBrk="0" fontAlgn="base" hangingPunct="0">
+              <a:spcBef>
+                <a:spcPct val="20000"/>
+              </a:spcBef>
+              <a:spcAft>
+                <a:spcPct val="0"/>
+              </a:spcAft>
+              <a:buClr>
+                <a:srgbClr val="CC9900"/>
+              </a:buClr>
+              <a:buChar char="•"/>
+              <a:defRPr sz="1600">
+                <a:solidFill>
+                  <a:schemeClr val="tx1"/>
+                </a:solidFill>
+                <a:latin typeface="微软雅黑" pitchFamily="34" charset="-122"/>
+                <a:ea typeface="微软雅黑" pitchFamily="34" charset="-122"/>
+              </a:defRPr>
+            </a:lvl3pPr>
+            <a:lvl4pPr marL="1260475" algn="l" rtl="0" eaLnBrk="0" fontAlgn="base" hangingPunct="0">
+              <a:spcBef>
+                <a:spcPct val="20000"/>
+              </a:spcBef>
+              <a:spcAft>
+                <a:spcPct val="0"/>
+              </a:spcAft>
+              <a:buClr>
+                <a:srgbClr val="CC9900"/>
+              </a:buClr>
+              <a:buChar char="•"/>
+              <a:defRPr sz="1600">
+                <a:solidFill>
+                  <a:schemeClr val="tx1"/>
+                </a:solidFill>
+                <a:latin typeface="微软雅黑" pitchFamily="34" charset="-122"/>
+                <a:ea typeface="微软雅黑" pitchFamily="34" charset="-122"/>
+              </a:defRPr>
+            </a:lvl4pPr>
+            <a:lvl5pPr marL="1703388" algn="l" rtl="0" eaLnBrk="0" fontAlgn="base" hangingPunct="0">
+              <a:spcBef>
+                <a:spcPct val="20000"/>
+              </a:spcBef>
+              <a:spcAft>
+                <a:spcPct val="0"/>
+              </a:spcAft>
+              <a:buClr>
+                <a:srgbClr val="CC9900"/>
+              </a:buClr>
+              <a:buFont typeface="Arial" charset="0"/>
+              <a:buChar char="»"/>
+              <a:defRPr sz="1600">
+                <a:solidFill>
+                  <a:schemeClr val="tx1"/>
+                </a:solidFill>
+                <a:latin typeface="微软雅黑" pitchFamily="34" charset="-122"/>
+                <a:ea typeface="微软雅黑" pitchFamily="34" charset="-122"/>
+              </a:defRPr>
+            </a:lvl5pPr>
+            <a:lvl6pPr marL="2160588" algn="l" rtl="0" fontAlgn="base">
+              <a:spcBef>
+                <a:spcPct val="20000"/>
+              </a:spcBef>
+              <a:spcAft>
+                <a:spcPct val="0"/>
+              </a:spcAft>
+              <a:buClr>
+                <a:srgbClr val="CC9900"/>
+              </a:buClr>
+              <a:buFont typeface="Arial" charset="0"/>
+              <a:buChar char="»"/>
+              <a:defRPr>
+                <a:solidFill>
+                  <a:schemeClr val="tx1"/>
+                </a:solidFill>
+                <a:latin typeface="+mn-lt"/>
+                <a:ea typeface="+mn-ea"/>
+              </a:defRPr>
+            </a:lvl6pPr>
+            <a:lvl7pPr marL="2617788" algn="l" rtl="0" fontAlgn="base">
+              <a:spcBef>
+                <a:spcPct val="20000"/>
+              </a:spcBef>
+              <a:spcAft>
+                <a:spcPct val="0"/>
+              </a:spcAft>
+              <a:buClr>
+                <a:srgbClr val="CC9900"/>
+              </a:buClr>
+              <a:buFont typeface="Arial" charset="0"/>
+              <a:buChar char="»"/>
+              <a:defRPr>
+                <a:solidFill>
+                  <a:schemeClr val="tx1"/>
+                </a:solidFill>
+                <a:latin typeface="+mn-lt"/>
+                <a:ea typeface="+mn-ea"/>
+              </a:defRPr>
+            </a:lvl7pPr>
+            <a:lvl8pPr marL="3074988" algn="l" rtl="0" fontAlgn="base">
+              <a:spcBef>
+                <a:spcPct val="20000"/>
+              </a:spcBef>
+              <a:spcAft>
+                <a:spcPct val="0"/>
+              </a:spcAft>
+              <a:buClr>
+                <a:srgbClr val="CC9900"/>
+              </a:buClr>
+              <a:buFont typeface="Arial" charset="0"/>
+              <a:buChar char="»"/>
+              <a:defRPr>
+                <a:solidFill>
+                  <a:schemeClr val="tx1"/>
+                </a:solidFill>
+                <a:latin typeface="+mn-lt"/>
+                <a:ea typeface="+mn-ea"/>
+              </a:defRPr>
+            </a:lvl8pPr>
+            <a:lvl9pPr marL="3532188" algn="l" rtl="0" fontAlgn="base">
+              <a:spcBef>
+                <a:spcPct val="20000"/>
+              </a:spcBef>
+              <a:spcAft>
+                <a:spcPct val="0"/>
+              </a:spcAft>
+              <a:buClr>
+                <a:srgbClr val="CC9900"/>
+              </a:buClr>
+              <a:buFont typeface="Arial" charset="0"/>
+              <a:buChar char="»"/>
+              <a:defRPr>
+                <a:solidFill>
+                  <a:schemeClr val="tx1"/>
+                </a:solidFill>
+                <a:latin typeface="+mn-lt"/>
+                <a:ea typeface="+mn-ea"/>
+              </a:defRPr>
+            </a:lvl9pPr>
+          </a:lstStyle>
+          <a:p>
+            <a:pPr marL="285750" indent="-285750" algn="just">
+              <a:buFont typeface="Wingdings" panose="05000000000000000000" pitchFamily="2" charset="2"/>
+              <a:buChar char="l"/>
+            </a:pPr>
+            <a:r>
+              <a:rPr lang="zh-CN" altLang="en-US" sz="1800" dirty="0">
+                <a:solidFill>
+                  <a:schemeClr val="tx1"/>
+                </a:solidFill>
+              </a:rPr>
+              <a:t>综合考虑了候选指标之间的相关性，冗余度，互补性</a:t>
+            </a:r>
+            <a:endParaRPr lang="en-US" altLang="zh-CN" sz="1800" dirty="0">
+              <a:solidFill>
+                <a:schemeClr val="tx1"/>
+              </a:solidFill>
+            </a:endParaRPr>
+          </a:p>
+          <a:p>
+            <a:pPr marL="285750" indent="-285750" algn="just">
+              <a:buFont typeface="Wingdings" panose="05000000000000000000" pitchFamily="2" charset="2"/>
+              <a:buChar char="l"/>
+            </a:pPr>
+            <a:r>
+              <a:rPr lang="zh-CN" altLang="en-US" sz="1800" dirty="0">
+                <a:solidFill>
+                  <a:schemeClr val="tx1"/>
+                </a:solidFill>
+              </a:rPr>
+              <a:t>可更优的表达不同分类之间的特性差异，提高分类精度</a:t>
+            </a:r>
+            <a:endParaRPr lang="en-US" altLang="zh-CN" sz="1800" dirty="0">
+              <a:solidFill>
+                <a:schemeClr val="tx1"/>
+              </a:solidFill>
+            </a:endParaRPr>
+          </a:p>
+        </p:txBody>
+      </p:sp>
+      <p:pic>
+        <p:nvPicPr>
+          <p:cNvPr id="6" name="图片 5"/>
+          <p:cNvPicPr>
+            <a:picLocks noChangeAspect="1"/>
+          </p:cNvPicPr>
+          <p:nvPr/>
+        </p:nvPicPr>
+        <p:blipFill>
+          <a:blip r:embed="rId4"/>
+          <a:stretch>
+            <a:fillRect/>
+          </a:stretch>
+        </p:blipFill>
+        <p:spPr>
+          <a:xfrm>
+            <a:off x="6945876" y="1822813"/>
+            <a:ext cx="3322074" cy="1895749"/>
+          </a:xfrm>
+          <a:prstGeom prst="rect">
+            <a:avLst/>
+          </a:prstGeom>
+        </p:spPr>
+      </p:pic>
+      <p:sp>
+        <p:nvSpPr>
+          <p:cNvPr id="11" name="内容占位符 2"/>
+          <p:cNvSpPr txBox="1">
+            <a:spLocks/>
+          </p:cNvSpPr>
+          <p:nvPr/>
+        </p:nvSpPr>
+        <p:spPr bwMode="auto">
+          <a:xfrm>
+            <a:off x="2221514" y="1569061"/>
+            <a:ext cx="2921126" cy="462041"/>
+          </a:xfrm>
+          <a:prstGeom prst="rect">
+            <a:avLst/>
+          </a:prstGeom>
+          <a:noFill/>
+          <a:ln w="9525">
+            <a:noFill/>
+            <a:miter lim="800000"/>
+            <a:headEnd/>
+            <a:tailEnd/>
+          </a:ln>
+        </p:spPr>
+        <p:txBody>
+          <a:bodyPr vert="horz" wrap="square" lIns="91440" tIns="45720" rIns="91440" bIns="45720" numCol="1" anchor="t" anchorCtr="0" compatLnSpc="1">
+            <a:prstTxWarp prst="textNoShape">
+              <a:avLst/>
+            </a:prstTxWarp>
+          </a:bodyPr>
+          <a:lstStyle>
+            <a:lvl1pPr algn="l" rtl="0" eaLnBrk="0" fontAlgn="base" hangingPunct="0">
+              <a:spcBef>
+                <a:spcPct val="20000"/>
+              </a:spcBef>
+              <a:spcAft>
+                <a:spcPct val="0"/>
+              </a:spcAft>
+              <a:buClr>
+                <a:srgbClr val="CC9900"/>
+              </a:buClr>
+              <a:buFont typeface="Wingdings" pitchFamily="2" charset="2"/>
+              <a:buChar char="p"/>
+              <a:defRPr sz="2000" b="0">
+                <a:solidFill>
+                  <a:srgbClr val="4A6784"/>
+                </a:solidFill>
+                <a:latin typeface="微软雅黑" pitchFamily="34" charset="-122"/>
+                <a:ea typeface="微软雅黑" pitchFamily="34" charset="-122"/>
+                <a:cs typeface="+mn-cs"/>
+              </a:defRPr>
+            </a:lvl1pPr>
+            <a:lvl2pPr marL="441325" indent="15875" algn="l" rtl="0" eaLnBrk="0" fontAlgn="base" hangingPunct="0">
+              <a:spcBef>
+                <a:spcPct val="20000"/>
+              </a:spcBef>
+              <a:spcAft>
+                <a:spcPct val="0"/>
+              </a:spcAft>
+              <a:buClr>
+                <a:srgbClr val="CC9900"/>
+              </a:buClr>
+              <a:buFont typeface="Wingdings" pitchFamily="2" charset="2"/>
+              <a:buChar char="Ø"/>
+              <a:defRPr b="0">
+                <a:solidFill>
+                  <a:schemeClr val="tx1"/>
+                </a:solidFill>
+                <a:latin typeface="微软雅黑" pitchFamily="34" charset="-122"/>
+                <a:ea typeface="微软雅黑" pitchFamily="34" charset="-122"/>
+              </a:defRPr>
+            </a:lvl2pPr>
+            <a:lvl3pPr marL="898525" indent="15875" algn="l" rtl="0" eaLnBrk="0" fontAlgn="base" hangingPunct="0">
+              <a:spcBef>
+                <a:spcPct val="20000"/>
+              </a:spcBef>
+              <a:spcAft>
+                <a:spcPct val="0"/>
+              </a:spcAft>
+              <a:buClr>
+                <a:srgbClr val="CC9900"/>
+              </a:buClr>
+              <a:buChar char="•"/>
+              <a:defRPr sz="1600">
+                <a:solidFill>
+                  <a:schemeClr val="tx1"/>
+                </a:solidFill>
+                <a:latin typeface="微软雅黑" pitchFamily="34" charset="-122"/>
+                <a:ea typeface="微软雅黑" pitchFamily="34" charset="-122"/>
+              </a:defRPr>
+            </a:lvl3pPr>
+            <a:lvl4pPr marL="1260475" algn="l" rtl="0" eaLnBrk="0" fontAlgn="base" hangingPunct="0">
+              <a:spcBef>
+                <a:spcPct val="20000"/>
+              </a:spcBef>
+              <a:spcAft>
+                <a:spcPct val="0"/>
+              </a:spcAft>
+              <a:buClr>
+                <a:srgbClr val="CC9900"/>
+              </a:buClr>
+              <a:buChar char="•"/>
+              <a:defRPr sz="1600">
+                <a:solidFill>
+                  <a:schemeClr val="tx1"/>
+                </a:solidFill>
+                <a:latin typeface="微软雅黑" pitchFamily="34" charset="-122"/>
+                <a:ea typeface="微软雅黑" pitchFamily="34" charset="-122"/>
+              </a:defRPr>
+            </a:lvl4pPr>
+            <a:lvl5pPr marL="1703388" algn="l" rtl="0" eaLnBrk="0" fontAlgn="base" hangingPunct="0">
+              <a:spcBef>
+                <a:spcPct val="20000"/>
+              </a:spcBef>
+              <a:spcAft>
+                <a:spcPct val="0"/>
+              </a:spcAft>
+              <a:buClr>
+                <a:srgbClr val="CC9900"/>
+              </a:buClr>
+              <a:buFont typeface="Arial" charset="0"/>
+              <a:buChar char="»"/>
+              <a:defRPr sz="1600">
+                <a:solidFill>
+                  <a:schemeClr val="tx1"/>
+                </a:solidFill>
+                <a:latin typeface="微软雅黑" pitchFamily="34" charset="-122"/>
+                <a:ea typeface="微软雅黑" pitchFamily="34" charset="-122"/>
+              </a:defRPr>
+            </a:lvl5pPr>
+            <a:lvl6pPr marL="2160588" algn="l" rtl="0" fontAlgn="base">
+              <a:spcBef>
+                <a:spcPct val="20000"/>
+              </a:spcBef>
+              <a:spcAft>
+                <a:spcPct val="0"/>
+              </a:spcAft>
+              <a:buClr>
+                <a:srgbClr val="CC9900"/>
+              </a:buClr>
+              <a:buFont typeface="Arial" charset="0"/>
+              <a:buChar char="»"/>
+              <a:defRPr>
+                <a:solidFill>
+                  <a:schemeClr val="tx1"/>
+                </a:solidFill>
+                <a:latin typeface="+mn-lt"/>
+                <a:ea typeface="+mn-ea"/>
+              </a:defRPr>
+            </a:lvl6pPr>
+            <a:lvl7pPr marL="2617788" algn="l" rtl="0" fontAlgn="base">
+              <a:spcBef>
+                <a:spcPct val="20000"/>
+              </a:spcBef>
+              <a:spcAft>
+                <a:spcPct val="0"/>
+              </a:spcAft>
+              <a:buClr>
+                <a:srgbClr val="CC9900"/>
+              </a:buClr>
+              <a:buFont typeface="Arial" charset="0"/>
+              <a:buChar char="»"/>
+              <a:defRPr>
+                <a:solidFill>
+                  <a:schemeClr val="tx1"/>
+                </a:solidFill>
+                <a:latin typeface="+mn-lt"/>
+                <a:ea typeface="+mn-ea"/>
+              </a:defRPr>
+            </a:lvl7pPr>
+            <a:lvl8pPr marL="3074988" algn="l" rtl="0" fontAlgn="base">
+              <a:spcBef>
+                <a:spcPct val="20000"/>
+              </a:spcBef>
+              <a:spcAft>
+                <a:spcPct val="0"/>
+              </a:spcAft>
+              <a:buClr>
+                <a:srgbClr val="CC9900"/>
+              </a:buClr>
+              <a:buFont typeface="Arial" charset="0"/>
+              <a:buChar char="»"/>
+              <a:defRPr>
+                <a:solidFill>
+                  <a:schemeClr val="tx1"/>
+                </a:solidFill>
+                <a:latin typeface="+mn-lt"/>
+                <a:ea typeface="+mn-ea"/>
+              </a:defRPr>
+            </a:lvl8pPr>
+            <a:lvl9pPr marL="3532188" algn="l" rtl="0" fontAlgn="base">
+              <a:spcBef>
+                <a:spcPct val="20000"/>
+              </a:spcBef>
+              <a:spcAft>
+                <a:spcPct val="0"/>
+              </a:spcAft>
+              <a:buClr>
+                <a:srgbClr val="CC9900"/>
+              </a:buClr>
+              <a:buFont typeface="Arial" charset="0"/>
+              <a:buChar char="»"/>
+              <a:defRPr>
+                <a:solidFill>
+                  <a:schemeClr val="tx1"/>
+                </a:solidFill>
+                <a:latin typeface="+mn-lt"/>
+                <a:ea typeface="+mn-ea"/>
+              </a:defRPr>
+            </a:lvl9pPr>
+          </a:lstStyle>
+          <a:p>
+            <a:pPr marL="285750" indent="-285750" algn="just">
+              <a:buFont typeface="Wingdings" panose="05000000000000000000" pitchFamily="2" charset="2"/>
+              <a:buChar char="l"/>
+            </a:pPr>
+            <a:r>
+              <a:rPr lang="zh-CN" altLang="en-US" sz="1800" dirty="0">
+                <a:solidFill>
+                  <a:schemeClr val="tx1"/>
+                </a:solidFill>
+              </a:rPr>
+              <a:t>熵与互信息</a:t>
+            </a:r>
+          </a:p>
+        </p:txBody>
+      </p:sp>
+      <mc:AlternateContent xmlns:mc="http://schemas.openxmlformats.org/markup-compatibility/2006">
+        <mc:Choice xmlns:a14="http://schemas.microsoft.com/office/drawing/2010/main" Requires="a14">
+          <p:sp>
+            <p:nvSpPr>
+              <p:cNvPr id="5" name="矩形 4"/>
+              <p:cNvSpPr/>
+              <p:nvPr/>
+            </p:nvSpPr>
+            <p:spPr>
+              <a:xfrm>
+                <a:off x="2769946" y="1861052"/>
+                <a:ext cx="2918812" cy="764505"/>
+              </a:xfrm>
+              <a:prstGeom prst="rect">
+                <a:avLst/>
+              </a:prstGeom>
+            </p:spPr>
+            <p:txBody>
+              <a:bodyPr wrap="none">
+                <a:spAutoFit/>
+              </a:bodyPr>
+              <a:lstStyle/>
+              <a:p>
+                <a:pPr/>
+                <a14:m>
+                  <m:oMathPara xmlns:m="http://schemas.openxmlformats.org/officeDocument/2006/math">
+                    <m:oMathParaPr>
+                      <m:jc m:val="centerGroup"/>
+                    </m:oMathParaPr>
+                    <m:oMath xmlns:m="http://schemas.openxmlformats.org/officeDocument/2006/math">
+                      <m:r>
+                        <a:rPr lang="en-US" i="1">
+                          <a:latin typeface="Cambria Math" panose="02040503050406030204" pitchFamily="18" charset="0"/>
+                        </a:rPr>
+                        <m:t>𝐻</m:t>
+                      </m:r>
+                      <m:d>
+                        <m:dPr>
+                          <m:ctrlPr>
+                            <a:rPr lang="en-US" i="1">
+                              <a:latin typeface="Cambria Math" panose="02040503050406030204" pitchFamily="18" charset="0"/>
+                            </a:rPr>
+                          </m:ctrlPr>
+                        </m:dPr>
+                        <m:e>
+                          <m:r>
+                            <a:rPr lang="en-US" i="1">
+                              <a:latin typeface="Cambria Math" panose="02040503050406030204" pitchFamily="18" charset="0"/>
+                            </a:rPr>
+                            <m:t>𝑋</m:t>
+                          </m:r>
+                        </m:e>
+                      </m:d>
+                      <m:r>
+                        <a:rPr lang="en-US">
+                          <a:latin typeface="Cambria Math" panose="02040503050406030204" pitchFamily="18" charset="0"/>
+                        </a:rPr>
+                        <m:t>=−</m:t>
+                      </m:r>
+                      <m:nary>
+                        <m:naryPr>
+                          <m:chr m:val="∑"/>
+                          <m:limLoc m:val="undOvr"/>
+                          <m:supHide m:val="on"/>
+                          <m:ctrlPr>
+                            <a:rPr lang="en-US" i="1">
+                              <a:latin typeface="Cambria Math" panose="02040503050406030204" pitchFamily="18" charset="0"/>
+                            </a:rPr>
+                          </m:ctrlPr>
+                        </m:naryPr>
+                        <m:sub>
+                          <m:r>
+                            <a:rPr lang="en-US" i="1">
+                              <a:latin typeface="Cambria Math" panose="02040503050406030204" pitchFamily="18" charset="0"/>
+                            </a:rPr>
+                            <m:t>𝑥</m:t>
+                          </m:r>
+                          <m:r>
+                            <a:rPr lang="en-US">
+                              <a:latin typeface="Cambria Math" panose="02040503050406030204" pitchFamily="18" charset="0"/>
+                            </a:rPr>
+                            <m:t>∈</m:t>
+                          </m:r>
+                          <m:r>
+                            <a:rPr lang="en-US" i="1">
+                              <a:latin typeface="Cambria Math" panose="02040503050406030204" pitchFamily="18" charset="0"/>
+                            </a:rPr>
+                            <m:t>𝑋</m:t>
+                          </m:r>
+                        </m:sub>
+                        <m:sup/>
+                        <m:e>
+                          <m:r>
+                            <a:rPr lang="en-US" i="1">
+                              <a:latin typeface="Cambria Math" panose="02040503050406030204" pitchFamily="18" charset="0"/>
+                            </a:rPr>
+                            <m:t>𝑝</m:t>
+                          </m:r>
+                          <m:d>
+                            <m:dPr>
+                              <m:ctrlPr>
+                                <a:rPr lang="en-US" i="1">
+                                  <a:latin typeface="Cambria Math" panose="02040503050406030204" pitchFamily="18" charset="0"/>
+                                </a:rPr>
+                              </m:ctrlPr>
+                            </m:dPr>
+                            <m:e>
+                              <m:r>
+                                <a:rPr lang="en-US" i="1">
+                                  <a:latin typeface="Cambria Math" panose="02040503050406030204" pitchFamily="18" charset="0"/>
+                                </a:rPr>
+                                <m:t>𝑥</m:t>
+                              </m:r>
+                            </m:e>
+                          </m:d>
+                        </m:e>
+                      </m:nary>
+                      <m:func>
+                        <m:funcPr>
+                          <m:ctrlPr>
+                            <a:rPr lang="en-US" i="1">
+                              <a:latin typeface="Cambria Math" panose="02040503050406030204" pitchFamily="18" charset="0"/>
+                            </a:rPr>
+                          </m:ctrlPr>
+                        </m:funcPr>
+                        <m:fName>
+                          <m:r>
+                            <m:rPr>
+                              <m:sty m:val="p"/>
+                            </m:rPr>
+                            <a:rPr lang="en-US">
+                              <a:latin typeface="Cambria Math" panose="02040503050406030204" pitchFamily="18" charset="0"/>
+                            </a:rPr>
+                            <m:t>log</m:t>
+                          </m:r>
+                        </m:fName>
+                        <m:e>
+                          <m:r>
+                            <a:rPr lang="en-US" i="1">
+                              <a:latin typeface="Cambria Math" panose="02040503050406030204" pitchFamily="18" charset="0"/>
+                            </a:rPr>
+                            <m:t>𝑝</m:t>
+                          </m:r>
+                          <m:d>
+                            <m:dPr>
+                              <m:ctrlPr>
+                                <a:rPr lang="en-US" i="1">
+                                  <a:latin typeface="Cambria Math" panose="02040503050406030204" pitchFamily="18" charset="0"/>
+                                </a:rPr>
+                              </m:ctrlPr>
+                            </m:dPr>
+                            <m:e>
+                              <m:r>
+                                <a:rPr lang="en-US" i="1">
+                                  <a:latin typeface="Cambria Math" panose="02040503050406030204" pitchFamily="18" charset="0"/>
+                                </a:rPr>
+                                <m:t>𝑥</m:t>
+                              </m:r>
+                            </m:e>
+                          </m:d>
+                        </m:e>
+                      </m:func>
+                    </m:oMath>
+                  </m:oMathPara>
+                </a14:m>
+                <a:endParaRPr lang="en-US" dirty="0"/>
+              </a:p>
+            </p:txBody>
+          </p:sp>
+        </mc:Choice>
+        <mc:Fallback>
+          <p:sp>
+            <p:nvSpPr>
+              <p:cNvPr id="5" name="矩形 4"/>
+              <p:cNvSpPr>
+                <a:spLocks noRot="1" noChangeAspect="1" noMove="1" noResize="1" noEditPoints="1" noAdjustHandles="1" noChangeArrowheads="1" noChangeShapeType="1" noTextEdit="1"/>
+              </p:cNvSpPr>
+              <p:nvPr/>
+            </p:nvSpPr>
+            <p:spPr>
+              <a:xfrm>
+                <a:off x="2769946" y="1861052"/>
+                <a:ext cx="2918812" cy="764505"/>
+              </a:xfrm>
+              <a:prstGeom prst="rect">
+                <a:avLst/>
+              </a:prstGeom>
+              <a:blipFill>
+                <a:blip r:embed="rId5"/>
+                <a:stretch>
+                  <a:fillRect/>
+                </a:stretch>
+              </a:blipFill>
+            </p:spPr>
+            <p:txBody>
+              <a:bodyPr/>
+              <a:lstStyle/>
+              <a:p>
+                <a:r>
+                  <a:rPr lang="zh-CN" altLang="en-US">
+                    <a:noFill/>
+                  </a:rPr>
+                  <a:t> </a:t>
+                </a:r>
+              </a:p>
+            </p:txBody>
+          </p:sp>
+        </mc:Fallback>
+      </mc:AlternateContent>
+      <mc:AlternateContent xmlns:mc="http://schemas.openxmlformats.org/markup-compatibility/2006">
+        <mc:Choice xmlns:a14="http://schemas.microsoft.com/office/drawing/2010/main" Requires="a14">
+          <p:sp>
+            <p:nvSpPr>
+              <p:cNvPr id="8" name="矩形 7"/>
+              <p:cNvSpPr/>
+              <p:nvPr/>
+            </p:nvSpPr>
+            <p:spPr>
+              <a:xfrm>
+                <a:off x="2769947" y="2763483"/>
+                <a:ext cx="3511791" cy="1070999"/>
+              </a:xfrm>
+              <a:prstGeom prst="rect">
+                <a:avLst/>
+              </a:prstGeom>
+            </p:spPr>
+            <p:txBody>
+              <a:bodyPr wrap="square">
+                <a:spAutoFit/>
+              </a:bodyPr>
+              <a:lstStyle/>
+              <a:p>
+                <a:pPr/>
+                <a14:m>
+                  <m:oMathPara xmlns:m="http://schemas.openxmlformats.org/officeDocument/2006/math">
+                    <m:oMathParaPr>
+                      <m:jc m:val="left"/>
+                    </m:oMathParaPr>
+                    <m:oMath xmlns:m="http://schemas.openxmlformats.org/officeDocument/2006/math">
+                      <m:r>
+                        <a:rPr lang="en-US" i="1">
+                          <a:latin typeface="Cambria Math" panose="02040503050406030204" pitchFamily="18" charset="0"/>
+                        </a:rPr>
+                        <m:t>𝐼</m:t>
+                      </m:r>
+                      <m:d>
+                        <m:dPr>
+                          <m:ctrlPr>
+                            <a:rPr lang="en-US" i="1">
+                              <a:latin typeface="Cambria Math" panose="02040503050406030204" pitchFamily="18" charset="0"/>
+                            </a:rPr>
+                          </m:ctrlPr>
+                        </m:dPr>
+                        <m:e>
+                          <m:r>
+                            <a:rPr lang="en-US" i="1">
+                              <a:latin typeface="Cambria Math" panose="02040503050406030204" pitchFamily="18" charset="0"/>
+                            </a:rPr>
+                            <m:t>𝑋</m:t>
+                          </m:r>
+                          <m:r>
+                            <a:rPr lang="en-US">
+                              <a:latin typeface="Cambria Math" panose="02040503050406030204" pitchFamily="18" charset="0"/>
+                            </a:rPr>
+                            <m:t>;</m:t>
+                          </m:r>
+                          <m:r>
+                            <a:rPr lang="en-US" i="1">
+                              <a:latin typeface="Cambria Math" panose="02040503050406030204" pitchFamily="18" charset="0"/>
+                            </a:rPr>
+                            <m:t>𝑌</m:t>
+                          </m:r>
+                        </m:e>
+                      </m:d>
+                      <m:r>
+                        <a:rPr lang="en-US">
+                          <a:latin typeface="Cambria Math" panose="02040503050406030204" pitchFamily="18" charset="0"/>
+                        </a:rPr>
+                        <m:t>=</m:t>
+                      </m:r>
+                      <m:r>
+                        <a:rPr lang="en-US" i="1">
+                          <a:latin typeface="Cambria Math" panose="02040503050406030204" pitchFamily="18" charset="0"/>
+                        </a:rPr>
+                        <m:t>𝐻</m:t>
+                      </m:r>
+                      <m:d>
+                        <m:dPr>
+                          <m:ctrlPr>
+                            <a:rPr lang="en-US" i="1">
+                              <a:latin typeface="Cambria Math" panose="02040503050406030204" pitchFamily="18" charset="0"/>
+                            </a:rPr>
+                          </m:ctrlPr>
+                        </m:dPr>
+                        <m:e>
+                          <m:r>
+                            <a:rPr lang="en-US" i="1">
+                              <a:latin typeface="Cambria Math" panose="02040503050406030204" pitchFamily="18" charset="0"/>
+                            </a:rPr>
+                            <m:t>𝑋</m:t>
+                          </m:r>
+                        </m:e>
+                      </m:d>
+                      <m:r>
+                        <a:rPr lang="en-US">
+                          <a:latin typeface="Cambria Math" panose="02040503050406030204" pitchFamily="18" charset="0"/>
+                        </a:rPr>
+                        <m:t>−</m:t>
+                      </m:r>
+                      <m:r>
+                        <a:rPr lang="en-US" i="1">
+                          <a:latin typeface="Cambria Math" panose="02040503050406030204" pitchFamily="18" charset="0"/>
+                        </a:rPr>
+                        <m:t>𝐻</m:t>
+                      </m:r>
+                      <m:d>
+                        <m:dPr>
+                          <m:ctrlPr>
+                            <a:rPr lang="en-US" i="1">
+                              <a:latin typeface="Cambria Math" panose="02040503050406030204" pitchFamily="18" charset="0"/>
+                            </a:rPr>
+                          </m:ctrlPr>
+                        </m:dPr>
+                        <m:e>
+                          <m:r>
+                            <a:rPr lang="en-US" i="1">
+                              <a:latin typeface="Cambria Math" panose="02040503050406030204" pitchFamily="18" charset="0"/>
+                            </a:rPr>
+                            <m:t>𝑋</m:t>
+                          </m:r>
+                          <m:r>
+                            <a:rPr lang="en-US">
+                              <a:latin typeface="Cambria Math" panose="02040503050406030204" pitchFamily="18" charset="0"/>
+                            </a:rPr>
+                            <m:t>|</m:t>
+                          </m:r>
+                          <m:r>
+                            <a:rPr lang="en-US" i="1">
+                              <a:latin typeface="Cambria Math" panose="02040503050406030204" pitchFamily="18" charset="0"/>
+                            </a:rPr>
+                            <m:t>𝑌</m:t>
+                          </m:r>
+                        </m:e>
+                      </m:d>
+                      <m:r>
+                        <a:rPr lang="en-US">
+                          <a:latin typeface="Cambria Math" panose="02040503050406030204" pitchFamily="18" charset="0"/>
+                        </a:rPr>
+                        <m:t>=</m:t>
+                      </m:r>
+                      <m:nary>
+                        <m:naryPr>
+                          <m:chr m:val="∑"/>
+                          <m:limLoc m:val="undOvr"/>
+                          <m:supHide m:val="on"/>
+                          <m:ctrlPr>
+                            <a:rPr lang="en-US" i="1">
+                              <a:latin typeface="Cambria Math" panose="02040503050406030204" pitchFamily="18" charset="0"/>
+                            </a:rPr>
+                          </m:ctrlPr>
+                        </m:naryPr>
+                        <m:sub>
+                          <m:r>
+                            <a:rPr lang="en-US" i="1">
+                              <a:latin typeface="Cambria Math" panose="02040503050406030204" pitchFamily="18" charset="0"/>
+                            </a:rPr>
+                            <m:t>𝑥</m:t>
+                          </m:r>
+                          <m:r>
+                            <a:rPr lang="en-US">
+                              <a:latin typeface="Cambria Math" panose="02040503050406030204" pitchFamily="18" charset="0"/>
+                            </a:rPr>
+                            <m:t>∈</m:t>
+                          </m:r>
+                          <m:r>
+                            <a:rPr lang="en-US" i="1">
+                              <a:latin typeface="Cambria Math" panose="02040503050406030204" pitchFamily="18" charset="0"/>
+                            </a:rPr>
+                            <m:t>𝑋</m:t>
+                          </m:r>
+                        </m:sub>
+                        <m:sup/>
+                        <m:e>
+                          <m:nary>
+                            <m:naryPr>
+                              <m:chr m:val="∑"/>
+                              <m:limLoc m:val="undOvr"/>
+                              <m:supHide m:val="on"/>
+                              <m:ctrlPr>
+                                <a:rPr lang="en-US" i="1">
+                                  <a:latin typeface="Cambria Math" panose="02040503050406030204" pitchFamily="18" charset="0"/>
+                                </a:rPr>
+                              </m:ctrlPr>
+                            </m:naryPr>
+                            <m:sub>
+                              <m:r>
+                                <a:rPr lang="en-US" i="1">
+                                  <a:latin typeface="Cambria Math" panose="02040503050406030204" pitchFamily="18" charset="0"/>
+                                </a:rPr>
+                                <m:t>𝑦</m:t>
+                              </m:r>
+                              <m:r>
+                                <a:rPr lang="en-US">
+                                  <a:latin typeface="Cambria Math" panose="02040503050406030204" pitchFamily="18" charset="0"/>
+                                </a:rPr>
+                                <m:t>∈</m:t>
+                              </m:r>
+                              <m:r>
+                                <a:rPr lang="en-US" i="1">
+                                  <a:latin typeface="Cambria Math" panose="02040503050406030204" pitchFamily="18" charset="0"/>
+                                </a:rPr>
+                                <m:t>𝑌</m:t>
+                              </m:r>
+                            </m:sub>
+                            <m:sup/>
+                            <m:e>
+                              <m:r>
+                                <a:rPr lang="en-US" i="1">
+                                  <a:latin typeface="Cambria Math" panose="02040503050406030204" pitchFamily="18" charset="0"/>
+                                </a:rPr>
+                                <m:t>𝑝</m:t>
+                              </m:r>
+                              <m:d>
+                                <m:dPr>
+                                  <m:ctrlPr>
+                                    <a:rPr lang="en-US" i="1">
+                                      <a:latin typeface="Cambria Math" panose="02040503050406030204" pitchFamily="18" charset="0"/>
+                                    </a:rPr>
+                                  </m:ctrlPr>
+                                </m:dPr>
+                                <m:e>
+                                  <m:r>
+                                    <a:rPr lang="en-US" i="1">
+                                      <a:latin typeface="Cambria Math" panose="02040503050406030204" pitchFamily="18" charset="0"/>
+                                    </a:rPr>
+                                    <m:t>𝑥𝑦</m:t>
+                                  </m:r>
+                                </m:e>
+                              </m:d>
+                            </m:e>
+                          </m:nary>
+                          <m:func>
+                            <m:funcPr>
+                              <m:ctrlPr>
+                                <a:rPr lang="en-US" i="1">
+                                  <a:latin typeface="Cambria Math" panose="02040503050406030204" pitchFamily="18" charset="0"/>
+                                </a:rPr>
+                              </m:ctrlPr>
+                            </m:funcPr>
+                            <m:fName>
+                              <m:r>
+                                <m:rPr>
+                                  <m:sty m:val="p"/>
+                                </m:rPr>
+                                <a:rPr lang="en-US">
+                                  <a:latin typeface="Cambria Math" panose="02040503050406030204" pitchFamily="18" charset="0"/>
+                                </a:rPr>
+                                <m:t>log</m:t>
+                              </m:r>
+                            </m:fName>
+                            <m:e>
+                              <m:f>
+                                <m:fPr>
+                                  <m:ctrlPr>
+                                    <a:rPr lang="en-US" i="1">
+                                      <a:latin typeface="Cambria Math" panose="02040503050406030204" pitchFamily="18" charset="0"/>
+                                    </a:rPr>
+                                  </m:ctrlPr>
+                                </m:fPr>
+                                <m:num>
+                                  <m:r>
+                                    <a:rPr lang="en-US" i="1">
+                                      <a:latin typeface="Cambria Math" panose="02040503050406030204" pitchFamily="18" charset="0"/>
+                                    </a:rPr>
+                                    <m:t>𝑝</m:t>
+                                  </m:r>
+                                  <m:d>
+                                    <m:dPr>
+                                      <m:ctrlPr>
+                                        <a:rPr lang="en-US" i="1">
+                                          <a:latin typeface="Cambria Math" panose="02040503050406030204" pitchFamily="18" charset="0"/>
+                                        </a:rPr>
+                                      </m:ctrlPr>
+                                    </m:dPr>
+                                    <m:e>
+                                      <m:r>
+                                        <a:rPr lang="en-US" i="1">
+                                          <a:latin typeface="Cambria Math" panose="02040503050406030204" pitchFamily="18" charset="0"/>
+                                        </a:rPr>
+                                        <m:t>𝑥𝑦</m:t>
+                                      </m:r>
+                                    </m:e>
+                                  </m:d>
+                                </m:num>
+                                <m:den>
+                                  <m:r>
+                                    <a:rPr lang="en-US" i="1">
+                                      <a:latin typeface="Cambria Math" panose="02040503050406030204" pitchFamily="18" charset="0"/>
+                                    </a:rPr>
+                                    <m:t>𝑝</m:t>
+                                  </m:r>
+                                  <m:d>
+                                    <m:dPr>
+                                      <m:ctrlPr>
+                                        <a:rPr lang="en-US" i="1">
+                                          <a:latin typeface="Cambria Math" panose="02040503050406030204" pitchFamily="18" charset="0"/>
+                                        </a:rPr>
+                                      </m:ctrlPr>
+                                    </m:dPr>
+                                    <m:e>
+                                      <m:r>
+                                        <a:rPr lang="en-US" i="1">
+                                          <a:latin typeface="Cambria Math" panose="02040503050406030204" pitchFamily="18" charset="0"/>
+                                        </a:rPr>
+                                        <m:t>𝑥</m:t>
+                                      </m:r>
+                                    </m:e>
+                                  </m:d>
+                                  <m:r>
+                                    <a:rPr lang="en-US" i="1">
+                                      <a:latin typeface="Cambria Math" panose="02040503050406030204" pitchFamily="18" charset="0"/>
+                                    </a:rPr>
+                                    <m:t>𝑝</m:t>
+                                  </m:r>
+                                  <m:d>
+                                    <m:dPr>
+                                      <m:ctrlPr>
+                                        <a:rPr lang="en-US" i="1">
+                                          <a:latin typeface="Cambria Math" panose="02040503050406030204" pitchFamily="18" charset="0"/>
+                                        </a:rPr>
+                                      </m:ctrlPr>
+                                    </m:dPr>
+                                    <m:e>
+                                      <m:r>
+                                        <a:rPr lang="en-US" i="1">
+                                          <a:latin typeface="Cambria Math" panose="02040503050406030204" pitchFamily="18" charset="0"/>
+                                        </a:rPr>
+                                        <m:t>𝑦</m:t>
+                                      </m:r>
+                                    </m:e>
+                                  </m:d>
+                                </m:den>
+                              </m:f>
+                            </m:e>
+                          </m:func>
+                        </m:e>
+                      </m:nary>
+                    </m:oMath>
+                  </m:oMathPara>
+                </a14:m>
+                <a:endParaRPr lang="en-US" dirty="0"/>
+              </a:p>
+            </p:txBody>
+          </p:sp>
+        </mc:Choice>
+        <mc:Fallback>
+          <p:sp>
+            <p:nvSpPr>
+              <p:cNvPr id="8" name="矩形 7"/>
+              <p:cNvSpPr>
+                <a:spLocks noRot="1" noChangeAspect="1" noMove="1" noResize="1" noEditPoints="1" noAdjustHandles="1" noChangeArrowheads="1" noChangeShapeType="1" noTextEdit="1"/>
+              </p:cNvSpPr>
+              <p:nvPr/>
+            </p:nvSpPr>
+            <p:spPr>
+              <a:xfrm>
+                <a:off x="2769947" y="2763483"/>
+                <a:ext cx="3511791" cy="1070999"/>
+              </a:xfrm>
+              <a:prstGeom prst="rect">
+                <a:avLst/>
+              </a:prstGeom>
+              <a:blipFill>
+                <a:blip r:embed="rId6"/>
+                <a:stretch>
+                  <a:fillRect/>
+                </a:stretch>
+              </a:blipFill>
+            </p:spPr>
+            <p:txBody>
+              <a:bodyPr/>
+              <a:lstStyle/>
+              <a:p>
+                <a:r>
+                  <a:rPr lang="zh-CN" altLang="en-US">
+                    <a:noFill/>
+                  </a:rPr>
+                  <a:t> </a:t>
+                </a:r>
+              </a:p>
+            </p:txBody>
+          </p:sp>
+        </mc:Fallback>
+      </mc:AlternateContent>
+      <p:sp>
+        <p:nvSpPr>
+          <p:cNvPr id="15" name="内容占位符 2"/>
+          <p:cNvSpPr txBox="1">
+            <a:spLocks/>
+          </p:cNvSpPr>
+          <p:nvPr/>
+        </p:nvSpPr>
+        <p:spPr bwMode="auto">
+          <a:xfrm>
+            <a:off x="2221514" y="3918749"/>
+            <a:ext cx="2921126" cy="462041"/>
+          </a:xfrm>
+          <a:prstGeom prst="rect">
+            <a:avLst/>
+          </a:prstGeom>
+          <a:noFill/>
+          <a:ln w="9525">
+            <a:noFill/>
+            <a:miter lim="800000"/>
+            <a:headEnd/>
+            <a:tailEnd/>
+          </a:ln>
+        </p:spPr>
+        <p:txBody>
+          <a:bodyPr vert="horz" wrap="square" lIns="91440" tIns="45720" rIns="91440" bIns="45720" numCol="1" anchor="t" anchorCtr="0" compatLnSpc="1">
+            <a:prstTxWarp prst="textNoShape">
+              <a:avLst/>
+            </a:prstTxWarp>
+          </a:bodyPr>
+          <a:lstStyle>
+            <a:lvl1pPr algn="l" rtl="0" eaLnBrk="0" fontAlgn="base" hangingPunct="0">
+              <a:spcBef>
+                <a:spcPct val="20000"/>
+              </a:spcBef>
+              <a:spcAft>
+                <a:spcPct val="0"/>
+              </a:spcAft>
+              <a:buClr>
+                <a:srgbClr val="CC9900"/>
+              </a:buClr>
+              <a:buFont typeface="Wingdings" pitchFamily="2" charset="2"/>
+              <a:buChar char="p"/>
+              <a:defRPr sz="2000" b="0">
+                <a:solidFill>
+                  <a:srgbClr val="4A6784"/>
+                </a:solidFill>
+                <a:latin typeface="微软雅黑" pitchFamily="34" charset="-122"/>
+                <a:ea typeface="微软雅黑" pitchFamily="34" charset="-122"/>
+                <a:cs typeface="+mn-cs"/>
+              </a:defRPr>
+            </a:lvl1pPr>
+            <a:lvl2pPr marL="441325" indent="15875" algn="l" rtl="0" eaLnBrk="0" fontAlgn="base" hangingPunct="0">
+              <a:spcBef>
+                <a:spcPct val="20000"/>
+              </a:spcBef>
+              <a:spcAft>
+                <a:spcPct val="0"/>
+              </a:spcAft>
+              <a:buClr>
+                <a:srgbClr val="CC9900"/>
+              </a:buClr>
+              <a:buFont typeface="Wingdings" pitchFamily="2" charset="2"/>
+              <a:buChar char="Ø"/>
+              <a:defRPr b="0">
+                <a:solidFill>
+                  <a:schemeClr val="tx1"/>
+                </a:solidFill>
+                <a:latin typeface="微软雅黑" pitchFamily="34" charset="-122"/>
+                <a:ea typeface="微软雅黑" pitchFamily="34" charset="-122"/>
+              </a:defRPr>
+            </a:lvl2pPr>
+            <a:lvl3pPr marL="898525" indent="15875" algn="l" rtl="0" eaLnBrk="0" fontAlgn="base" hangingPunct="0">
+              <a:spcBef>
+                <a:spcPct val="20000"/>
+              </a:spcBef>
+              <a:spcAft>
+                <a:spcPct val="0"/>
+              </a:spcAft>
+              <a:buClr>
+                <a:srgbClr val="CC9900"/>
+              </a:buClr>
+              <a:buChar char="•"/>
+              <a:defRPr sz="1600">
+                <a:solidFill>
+                  <a:schemeClr val="tx1"/>
+                </a:solidFill>
+                <a:latin typeface="微软雅黑" pitchFamily="34" charset="-122"/>
+                <a:ea typeface="微软雅黑" pitchFamily="34" charset="-122"/>
+              </a:defRPr>
+            </a:lvl3pPr>
+            <a:lvl4pPr marL="1260475" algn="l" rtl="0" eaLnBrk="0" fontAlgn="base" hangingPunct="0">
+              <a:spcBef>
+                <a:spcPct val="20000"/>
+              </a:spcBef>
+              <a:spcAft>
+                <a:spcPct val="0"/>
+              </a:spcAft>
+              <a:buClr>
+                <a:srgbClr val="CC9900"/>
+              </a:buClr>
+              <a:buChar char="•"/>
+              <a:defRPr sz="1600">
+                <a:solidFill>
+                  <a:schemeClr val="tx1"/>
+                </a:solidFill>
+                <a:latin typeface="微软雅黑" pitchFamily="34" charset="-122"/>
+                <a:ea typeface="微软雅黑" pitchFamily="34" charset="-122"/>
+              </a:defRPr>
+            </a:lvl4pPr>
+            <a:lvl5pPr marL="1703388" algn="l" rtl="0" eaLnBrk="0" fontAlgn="base" hangingPunct="0">
+              <a:spcBef>
+                <a:spcPct val="20000"/>
+              </a:spcBef>
+              <a:spcAft>
+                <a:spcPct val="0"/>
+              </a:spcAft>
+              <a:buClr>
+                <a:srgbClr val="CC9900"/>
+              </a:buClr>
+              <a:buFont typeface="Arial" charset="0"/>
+              <a:buChar char="»"/>
+              <a:defRPr sz="1600">
+                <a:solidFill>
+                  <a:schemeClr val="tx1"/>
+                </a:solidFill>
+                <a:latin typeface="微软雅黑" pitchFamily="34" charset="-122"/>
+                <a:ea typeface="微软雅黑" pitchFamily="34" charset="-122"/>
+              </a:defRPr>
+            </a:lvl5pPr>
+            <a:lvl6pPr marL="2160588" algn="l" rtl="0" fontAlgn="base">
+              <a:spcBef>
+                <a:spcPct val="20000"/>
+              </a:spcBef>
+              <a:spcAft>
+                <a:spcPct val="0"/>
+              </a:spcAft>
+              <a:buClr>
+                <a:srgbClr val="CC9900"/>
+              </a:buClr>
+              <a:buFont typeface="Arial" charset="0"/>
+              <a:buChar char="»"/>
+              <a:defRPr>
+                <a:solidFill>
+                  <a:schemeClr val="tx1"/>
+                </a:solidFill>
+                <a:latin typeface="+mn-lt"/>
+                <a:ea typeface="+mn-ea"/>
+              </a:defRPr>
+            </a:lvl6pPr>
+            <a:lvl7pPr marL="2617788" algn="l" rtl="0" fontAlgn="base">
+              <a:spcBef>
+                <a:spcPct val="20000"/>
+              </a:spcBef>
+              <a:spcAft>
+                <a:spcPct val="0"/>
+              </a:spcAft>
+              <a:buClr>
+                <a:srgbClr val="CC9900"/>
+              </a:buClr>
+              <a:buFont typeface="Arial" charset="0"/>
+              <a:buChar char="»"/>
+              <a:defRPr>
+                <a:solidFill>
+                  <a:schemeClr val="tx1"/>
+                </a:solidFill>
+                <a:latin typeface="+mn-lt"/>
+                <a:ea typeface="+mn-ea"/>
+              </a:defRPr>
+            </a:lvl7pPr>
+            <a:lvl8pPr marL="3074988" algn="l" rtl="0" fontAlgn="base">
+              <a:spcBef>
+                <a:spcPct val="20000"/>
+              </a:spcBef>
+              <a:spcAft>
+                <a:spcPct val="0"/>
+              </a:spcAft>
+              <a:buClr>
+                <a:srgbClr val="CC9900"/>
+              </a:buClr>
+              <a:buFont typeface="Arial" charset="0"/>
+              <a:buChar char="»"/>
+              <a:defRPr>
+                <a:solidFill>
+                  <a:schemeClr val="tx1"/>
+                </a:solidFill>
+                <a:latin typeface="+mn-lt"/>
+                <a:ea typeface="+mn-ea"/>
+              </a:defRPr>
+            </a:lvl8pPr>
+            <a:lvl9pPr marL="3532188" algn="l" rtl="0" fontAlgn="base">
+              <a:spcBef>
+                <a:spcPct val="20000"/>
+              </a:spcBef>
+              <a:spcAft>
+                <a:spcPct val="0"/>
+              </a:spcAft>
+              <a:buClr>
+                <a:srgbClr val="CC9900"/>
+              </a:buClr>
+              <a:buFont typeface="Arial" charset="0"/>
+              <a:buChar char="»"/>
+              <a:defRPr>
+                <a:solidFill>
+                  <a:schemeClr val="tx1"/>
+                </a:solidFill>
+                <a:latin typeface="+mn-lt"/>
+                <a:ea typeface="+mn-ea"/>
+              </a:defRPr>
+            </a:lvl9pPr>
+          </a:lstStyle>
+          <a:p>
+            <a:pPr marL="285750" indent="-285750" algn="just">
+              <a:buFont typeface="Wingdings" panose="05000000000000000000" pitchFamily="2" charset="2"/>
+              <a:buChar char="l"/>
+            </a:pPr>
+            <a:r>
+              <a:rPr lang="zh-CN" altLang="en-US" sz="1800" dirty="0">
+                <a:solidFill>
+                  <a:schemeClr val="tx1"/>
+                </a:solidFill>
+              </a:rPr>
+              <a:t>性能指标</a:t>
+            </a:r>
+          </a:p>
+        </p:txBody>
+      </p:sp>
+      <mc:AlternateContent xmlns:mc="http://schemas.openxmlformats.org/markup-compatibility/2006">
+        <mc:Choice xmlns:a14="http://schemas.microsoft.com/office/drawing/2010/main" Requires="a14">
+          <p:sp>
+            <p:nvSpPr>
+              <p:cNvPr id="12" name="矩形 11"/>
+              <p:cNvSpPr/>
+              <p:nvPr/>
+            </p:nvSpPr>
+            <p:spPr>
+              <a:xfrm>
+                <a:off x="2769947" y="4292530"/>
+                <a:ext cx="5512041" cy="795859"/>
+              </a:xfrm>
+              <a:prstGeom prst="rect">
+                <a:avLst/>
+              </a:prstGeom>
+            </p:spPr>
+            <p:txBody>
+              <a:bodyPr wrap="square">
+                <a:spAutoFit/>
+              </a:bodyPr>
+              <a:lstStyle/>
+              <a:p>
+                <a:pPr/>
+                <a14:m>
+                  <m:oMathPara xmlns:m="http://schemas.openxmlformats.org/officeDocument/2006/math">
+                    <m:oMathParaPr>
+                      <m:jc m:val="left"/>
+                    </m:oMathParaPr>
+                    <m:oMath xmlns:m="http://schemas.openxmlformats.org/officeDocument/2006/math">
+                      <m:sSub>
+                        <m:sSubPr>
+                          <m:ctrlPr>
+                            <a:rPr lang="en-US" i="1">
+                              <a:latin typeface="Cambria Math" panose="02040503050406030204" pitchFamily="18" charset="0"/>
+                            </a:rPr>
+                          </m:ctrlPr>
+                        </m:sSubPr>
+                        <m:e>
+                          <m:r>
+                            <a:rPr lang="en-US" i="1">
+                              <a:latin typeface="Cambria Math" panose="02040503050406030204" pitchFamily="18" charset="0"/>
+                            </a:rPr>
+                            <m:t>𝐽</m:t>
+                          </m:r>
+                        </m:e>
+                        <m:sub>
+                          <m:r>
+                            <m:rPr>
+                              <m:sty m:val="p"/>
+                            </m:rPr>
+                            <a:rPr lang="en-US">
+                              <a:latin typeface="Cambria Math" panose="02040503050406030204" pitchFamily="18" charset="0"/>
+                            </a:rPr>
+                            <m:t>jmi</m:t>
+                          </m:r>
+                        </m:sub>
+                      </m:sSub>
+                      <m:d>
+                        <m:dPr>
+                          <m:ctrlPr>
+                            <a:rPr lang="en-US" i="1">
+                              <a:latin typeface="Cambria Math" panose="02040503050406030204" pitchFamily="18" charset="0"/>
+                            </a:rPr>
+                          </m:ctrlPr>
+                        </m:dPr>
+                        <m:e>
+                          <m:sSub>
+                            <m:sSubPr>
+                              <m:ctrlPr>
+                                <a:rPr lang="en-US" i="1">
+                                  <a:latin typeface="Cambria Math" panose="02040503050406030204" pitchFamily="18" charset="0"/>
+                                </a:rPr>
+                              </m:ctrlPr>
+                            </m:sSubPr>
+                            <m:e>
+                              <m:r>
+                                <a:rPr lang="en-US" i="1">
+                                  <a:latin typeface="Cambria Math" panose="02040503050406030204" pitchFamily="18" charset="0"/>
+                                </a:rPr>
+                                <m:t>𝑋</m:t>
+                              </m:r>
+                            </m:e>
+                            <m:sub>
+                              <m:r>
+                                <a:rPr lang="en-US" i="1">
+                                  <a:latin typeface="Cambria Math" panose="02040503050406030204" pitchFamily="18" charset="0"/>
+                                </a:rPr>
+                                <m:t>𝑘</m:t>
+                              </m:r>
+                            </m:sub>
+                          </m:sSub>
+                        </m:e>
+                      </m:d>
+                      <m:r>
+                        <a:rPr lang="en-US">
+                          <a:latin typeface="Cambria Math" panose="02040503050406030204" pitchFamily="18" charset="0"/>
+                        </a:rPr>
+                        <m:t>=</m:t>
+                      </m:r>
+                      <m:r>
+                        <a:rPr lang="en-US" i="1">
+                          <a:latin typeface="Cambria Math" panose="02040503050406030204" pitchFamily="18" charset="0"/>
+                        </a:rPr>
+                        <m:t>𝐼</m:t>
+                      </m:r>
+                      <m:d>
+                        <m:dPr>
+                          <m:ctrlPr>
+                            <a:rPr lang="en-US" i="1">
+                              <a:latin typeface="Cambria Math" panose="02040503050406030204" pitchFamily="18" charset="0"/>
+                            </a:rPr>
+                          </m:ctrlPr>
+                        </m:dPr>
+                        <m:e>
+                          <m:sSub>
+                            <m:sSubPr>
+                              <m:ctrlPr>
+                                <a:rPr lang="en-US" i="1">
+                                  <a:latin typeface="Cambria Math" panose="02040503050406030204" pitchFamily="18" charset="0"/>
+                                </a:rPr>
+                              </m:ctrlPr>
+                            </m:sSubPr>
+                            <m:e>
+                              <m:r>
+                                <a:rPr lang="en-US" i="1">
+                                  <a:latin typeface="Cambria Math" panose="02040503050406030204" pitchFamily="18" charset="0"/>
+                                </a:rPr>
+                                <m:t>𝑋</m:t>
+                              </m:r>
+                            </m:e>
+                            <m:sub>
+                              <m:r>
+                                <a:rPr lang="en-US" i="1">
+                                  <a:latin typeface="Cambria Math" panose="02040503050406030204" pitchFamily="18" charset="0"/>
+                                </a:rPr>
+                                <m:t>𝑘</m:t>
+                              </m:r>
+                            </m:sub>
+                          </m:sSub>
+                          <m:r>
+                            <a:rPr lang="en-US">
+                              <a:latin typeface="Cambria Math" panose="02040503050406030204" pitchFamily="18" charset="0"/>
+                            </a:rPr>
+                            <m:t>;</m:t>
+                          </m:r>
+                          <m:r>
+                            <a:rPr lang="en-US" i="1">
+                              <a:latin typeface="Cambria Math" panose="02040503050406030204" pitchFamily="18" charset="0"/>
+                            </a:rPr>
+                            <m:t>𝑌</m:t>
+                          </m:r>
+                        </m:e>
+                      </m:d>
+                      <m:r>
+                        <a:rPr lang="en-US">
+                          <a:latin typeface="Cambria Math" panose="02040503050406030204" pitchFamily="18" charset="0"/>
+                        </a:rPr>
+                        <m:t>−</m:t>
+                      </m:r>
+                      <m:f>
+                        <m:fPr>
+                          <m:ctrlPr>
+                            <a:rPr lang="en-US" i="1">
+                              <a:latin typeface="Cambria Math" panose="02040503050406030204" pitchFamily="18" charset="0"/>
+                            </a:rPr>
+                          </m:ctrlPr>
+                        </m:fPr>
+                        <m:num>
+                          <m:r>
+                            <a:rPr lang="en-US">
+                              <a:latin typeface="Cambria Math" panose="02040503050406030204" pitchFamily="18" charset="0"/>
+                            </a:rPr>
+                            <m:t>1</m:t>
+                          </m:r>
+                        </m:num>
+                        <m:den>
+                          <m:d>
+                            <m:dPr>
+                              <m:begChr m:val="|"/>
+                              <m:endChr m:val="|"/>
+                              <m:ctrlPr>
+                                <a:rPr lang="en-US" i="1">
+                                  <a:latin typeface="Cambria Math" panose="02040503050406030204" pitchFamily="18" charset="0"/>
+                                </a:rPr>
+                              </m:ctrlPr>
+                            </m:dPr>
+                            <m:e>
+                              <m:r>
+                                <a:rPr lang="en-US" i="1">
+                                  <a:latin typeface="Cambria Math" panose="02040503050406030204" pitchFamily="18" charset="0"/>
+                                </a:rPr>
+                                <m:t>𝑆</m:t>
+                              </m:r>
+                            </m:e>
+                          </m:d>
+                        </m:den>
+                      </m:f>
+                      <m:nary>
+                        <m:naryPr>
+                          <m:chr m:val="∑"/>
+                          <m:limLoc m:val="undOvr"/>
+                          <m:supHide m:val="on"/>
+                          <m:ctrlPr>
+                            <a:rPr lang="en-US" i="1">
+                              <a:latin typeface="Cambria Math" panose="02040503050406030204" pitchFamily="18" charset="0"/>
+                            </a:rPr>
+                          </m:ctrlPr>
+                        </m:naryPr>
+                        <m:sub>
+                          <m:r>
+                            <a:rPr lang="en-US" i="1">
+                              <a:latin typeface="Cambria Math" panose="02040503050406030204" pitchFamily="18" charset="0"/>
+                            </a:rPr>
+                            <m:t>𝑗</m:t>
+                          </m:r>
+                          <m:r>
+                            <a:rPr lang="en-US" i="1">
+                              <a:latin typeface="Cambria Math" panose="02040503050406030204" pitchFamily="18" charset="0"/>
+                            </a:rPr>
+                            <m:t>𝜖</m:t>
+                          </m:r>
+                          <m:r>
+                            <a:rPr lang="en-US" i="1">
+                              <a:latin typeface="Cambria Math" panose="02040503050406030204" pitchFamily="18" charset="0"/>
+                            </a:rPr>
+                            <m:t>𝑆</m:t>
+                          </m:r>
+                        </m:sub>
+                        <m:sup/>
+                        <m:e>
+                          <m:d>
+                            <m:dPr>
+                              <m:begChr m:val="["/>
+                              <m:endChr m:val="]"/>
+                              <m:ctrlPr>
+                                <a:rPr lang="en-US" i="1">
+                                  <a:latin typeface="Cambria Math" panose="02040503050406030204" pitchFamily="18" charset="0"/>
+                                </a:rPr>
+                              </m:ctrlPr>
+                            </m:dPr>
+                            <m:e>
+                              <m:d>
+                                <m:dPr>
+                                  <m:begChr m:val=""/>
+                                  <m:ctrlPr>
+                                    <a:rPr lang="en-US" i="1">
+                                      <a:latin typeface="Cambria Math" panose="02040503050406030204" pitchFamily="18" charset="0"/>
+                                    </a:rPr>
+                                  </m:ctrlPr>
+                                </m:dPr>
+                                <m:e>
+                                  <m:r>
+                                    <a:rPr lang="en-US" i="1">
+                                      <a:latin typeface="Cambria Math" panose="02040503050406030204" pitchFamily="18" charset="0"/>
+                                    </a:rPr>
+                                    <m:t>𝐼</m:t>
+                                  </m:r>
+                                  <m:d>
+                                    <m:dPr>
+                                      <m:ctrlPr>
+                                        <a:rPr lang="en-US" i="1">
+                                          <a:latin typeface="Cambria Math" panose="02040503050406030204" pitchFamily="18" charset="0"/>
+                                        </a:rPr>
+                                      </m:ctrlPr>
+                                    </m:dPr>
+                                    <m:e>
+                                      <m:sSub>
+                                        <m:sSubPr>
+                                          <m:ctrlPr>
+                                            <a:rPr lang="en-US" i="1">
+                                              <a:latin typeface="Cambria Math" panose="02040503050406030204" pitchFamily="18" charset="0"/>
+                                            </a:rPr>
+                                          </m:ctrlPr>
+                                        </m:sSubPr>
+                                        <m:e>
+                                          <m:r>
+                                            <a:rPr lang="en-US" i="1">
+                                              <a:latin typeface="Cambria Math" panose="02040503050406030204" pitchFamily="18" charset="0"/>
+                                            </a:rPr>
+                                            <m:t>𝑋</m:t>
+                                          </m:r>
+                                        </m:e>
+                                        <m:sub>
+                                          <m:r>
+                                            <a:rPr lang="en-US" i="1">
+                                              <a:latin typeface="Cambria Math" panose="02040503050406030204" pitchFamily="18" charset="0"/>
+                                            </a:rPr>
+                                            <m:t>𝑘</m:t>
+                                          </m:r>
+                                        </m:sub>
+                                      </m:sSub>
+                                      <m:sSub>
+                                        <m:sSubPr>
+                                          <m:ctrlPr>
+                                            <a:rPr lang="en-US" i="1">
+                                              <a:latin typeface="Cambria Math" panose="02040503050406030204" pitchFamily="18" charset="0"/>
+                                            </a:rPr>
+                                          </m:ctrlPr>
+                                        </m:sSubPr>
+                                        <m:e>
+                                          <m:r>
+                                            <a:rPr lang="en-US">
+                                              <a:latin typeface="Cambria Math" panose="02040503050406030204" pitchFamily="18" charset="0"/>
+                                            </a:rPr>
+                                            <m:t>;</m:t>
+                                          </m:r>
+                                          <m:r>
+                                            <a:rPr lang="en-US" i="1">
+                                              <a:latin typeface="Cambria Math" panose="02040503050406030204" pitchFamily="18" charset="0"/>
+                                            </a:rPr>
+                                            <m:t>𝑋</m:t>
+                                          </m:r>
+                                        </m:e>
+                                        <m:sub>
+                                          <m:r>
+                                            <a:rPr lang="en-US" i="1">
+                                              <a:latin typeface="Cambria Math" panose="02040503050406030204" pitchFamily="18" charset="0"/>
+                                            </a:rPr>
+                                            <m:t>𝑗</m:t>
+                                          </m:r>
+                                        </m:sub>
+                                      </m:sSub>
+                                    </m:e>
+                                  </m:d>
+                                  <m:r>
+                                    <a:rPr lang="en-US">
+                                      <a:latin typeface="Cambria Math" panose="02040503050406030204" pitchFamily="18" charset="0"/>
+                                    </a:rPr>
+                                    <m:t>−</m:t>
+                                  </m:r>
+                                  <m:r>
+                                    <a:rPr lang="en-US" i="1">
+                                      <a:latin typeface="Cambria Math" panose="02040503050406030204" pitchFamily="18" charset="0"/>
+                                    </a:rPr>
+                                    <m:t>𝐼</m:t>
+                                  </m:r>
+                                  <m:r>
+                                    <a:rPr lang="en-US">
+                                      <a:latin typeface="Cambria Math" panose="02040503050406030204" pitchFamily="18" charset="0"/>
+                                    </a:rPr>
+                                    <m:t>(</m:t>
+                                  </m:r>
+                                  <m:sSub>
+                                    <m:sSubPr>
+                                      <m:ctrlPr>
+                                        <a:rPr lang="en-US" i="1">
+                                          <a:latin typeface="Cambria Math" panose="02040503050406030204" pitchFamily="18" charset="0"/>
+                                        </a:rPr>
+                                      </m:ctrlPr>
+                                    </m:sSubPr>
+                                    <m:e>
+                                      <m:r>
+                                        <a:rPr lang="en-US" i="1">
+                                          <a:latin typeface="Cambria Math" panose="02040503050406030204" pitchFamily="18" charset="0"/>
+                                        </a:rPr>
+                                        <m:t>𝑋</m:t>
+                                      </m:r>
+                                    </m:e>
+                                    <m:sub>
+                                      <m:r>
+                                        <a:rPr lang="en-US" i="1">
+                                          <a:latin typeface="Cambria Math" panose="02040503050406030204" pitchFamily="18" charset="0"/>
+                                        </a:rPr>
+                                        <m:t>𝑘</m:t>
+                                      </m:r>
+                                    </m:sub>
+                                  </m:sSub>
+                                  <m:sSub>
+                                    <m:sSubPr>
+                                      <m:ctrlPr>
+                                        <a:rPr lang="en-US" i="1">
+                                          <a:latin typeface="Cambria Math" panose="02040503050406030204" pitchFamily="18" charset="0"/>
+                                        </a:rPr>
+                                      </m:ctrlPr>
+                                    </m:sSubPr>
+                                    <m:e>
+                                      <m:r>
+                                        <a:rPr lang="en-US" i="1">
+                                          <a:latin typeface="Cambria Math" panose="02040503050406030204" pitchFamily="18" charset="0"/>
+                                        </a:rPr>
+                                        <m:t>𝑋</m:t>
+                                      </m:r>
+                                    </m:e>
+                                    <m:sub>
+                                      <m:r>
+                                        <a:rPr lang="en-US" i="1">
+                                          <a:latin typeface="Cambria Math" panose="02040503050406030204" pitchFamily="18" charset="0"/>
+                                        </a:rPr>
+                                        <m:t>𝑗</m:t>
+                                      </m:r>
+                                    </m:sub>
+                                  </m:sSub>
+                                  <m:r>
+                                    <a:rPr lang="en-US">
+                                      <a:latin typeface="Cambria Math" panose="02040503050406030204" pitchFamily="18" charset="0"/>
+                                    </a:rPr>
+                                    <m:t>;</m:t>
+                                  </m:r>
+                                  <m:r>
+                                    <a:rPr lang="en-US" i="1">
+                                      <a:latin typeface="Cambria Math" panose="02040503050406030204" pitchFamily="18" charset="0"/>
+                                    </a:rPr>
+                                    <m:t>𝑌</m:t>
+                                  </m:r>
+                                </m:e>
+                              </m:d>
+                            </m:e>
+                          </m:d>
+                        </m:e>
+                      </m:nary>
+                    </m:oMath>
+                  </m:oMathPara>
+                </a14:m>
+                <a:endParaRPr lang="en-US" dirty="0"/>
+              </a:p>
+            </p:txBody>
+          </p:sp>
+        </mc:Choice>
+        <mc:Fallback>
+          <p:sp>
+            <p:nvSpPr>
+              <p:cNvPr id="12" name="矩形 11"/>
+              <p:cNvSpPr>
+                <a:spLocks noRot="1" noChangeAspect="1" noMove="1" noResize="1" noEditPoints="1" noAdjustHandles="1" noChangeArrowheads="1" noChangeShapeType="1" noTextEdit="1"/>
+              </p:cNvSpPr>
+              <p:nvPr/>
+            </p:nvSpPr>
+            <p:spPr>
+              <a:xfrm>
+                <a:off x="2769947" y="4292530"/>
+                <a:ext cx="5512041" cy="795859"/>
+              </a:xfrm>
+              <a:prstGeom prst="rect">
+                <a:avLst/>
+              </a:prstGeom>
+              <a:blipFill>
+                <a:blip r:embed="rId7"/>
+                <a:stretch>
+                  <a:fillRect/>
+                </a:stretch>
+              </a:blipFill>
+            </p:spPr>
+            <p:txBody>
+              <a:bodyPr/>
+              <a:lstStyle/>
+              <a:p>
+                <a:r>
+                  <a:rPr lang="zh-CN" altLang="en-US">
+                    <a:noFill/>
+                  </a:rPr>
+                  <a:t> </a:t>
+                </a:r>
+              </a:p>
+            </p:txBody>
+          </p:sp>
+        </mc:Fallback>
+      </mc:AlternateContent>
+      <p:sp>
+        <p:nvSpPr>
+          <p:cNvPr id="16" name="内容占位符 2"/>
+          <p:cNvSpPr txBox="1">
+            <a:spLocks/>
+          </p:cNvSpPr>
+          <p:nvPr/>
+        </p:nvSpPr>
+        <p:spPr bwMode="auto">
+          <a:xfrm>
+            <a:off x="2176075" y="4973329"/>
+            <a:ext cx="2921126" cy="462041"/>
+          </a:xfrm>
+          <a:prstGeom prst="rect">
+            <a:avLst/>
+          </a:prstGeom>
+          <a:noFill/>
+          <a:ln w="9525">
+            <a:noFill/>
+            <a:miter lim="800000"/>
+            <a:headEnd/>
+            <a:tailEnd/>
+          </a:ln>
+        </p:spPr>
+        <p:txBody>
+          <a:bodyPr vert="horz" wrap="square" lIns="91440" tIns="45720" rIns="91440" bIns="45720" numCol="1" anchor="t" anchorCtr="0" compatLnSpc="1">
+            <a:prstTxWarp prst="textNoShape">
+              <a:avLst/>
+            </a:prstTxWarp>
+          </a:bodyPr>
+          <a:lstStyle>
+            <a:lvl1pPr algn="l" rtl="0" eaLnBrk="0" fontAlgn="base" hangingPunct="0">
+              <a:spcBef>
+                <a:spcPct val="20000"/>
+              </a:spcBef>
+              <a:spcAft>
+                <a:spcPct val="0"/>
+              </a:spcAft>
+              <a:buClr>
+                <a:srgbClr val="CC9900"/>
+              </a:buClr>
+              <a:buFont typeface="Wingdings" pitchFamily="2" charset="2"/>
+              <a:buChar char="p"/>
+              <a:defRPr sz="2000" b="0">
+                <a:solidFill>
+                  <a:srgbClr val="4A6784"/>
+                </a:solidFill>
+                <a:latin typeface="微软雅黑" pitchFamily="34" charset="-122"/>
+                <a:ea typeface="微软雅黑" pitchFamily="34" charset="-122"/>
+                <a:cs typeface="+mn-cs"/>
+              </a:defRPr>
+            </a:lvl1pPr>
+            <a:lvl2pPr marL="441325" indent="15875" algn="l" rtl="0" eaLnBrk="0" fontAlgn="base" hangingPunct="0">
+              <a:spcBef>
+                <a:spcPct val="20000"/>
+              </a:spcBef>
+              <a:spcAft>
+                <a:spcPct val="0"/>
+              </a:spcAft>
+              <a:buClr>
+                <a:srgbClr val="CC9900"/>
+              </a:buClr>
+              <a:buFont typeface="Wingdings" pitchFamily="2" charset="2"/>
+              <a:buChar char="Ø"/>
+              <a:defRPr b="0">
+                <a:solidFill>
+                  <a:schemeClr val="tx1"/>
+                </a:solidFill>
+                <a:latin typeface="微软雅黑" pitchFamily="34" charset="-122"/>
+                <a:ea typeface="微软雅黑" pitchFamily="34" charset="-122"/>
+              </a:defRPr>
+            </a:lvl2pPr>
+            <a:lvl3pPr marL="898525" indent="15875" algn="l" rtl="0" eaLnBrk="0" fontAlgn="base" hangingPunct="0">
+              <a:spcBef>
+                <a:spcPct val="20000"/>
+              </a:spcBef>
+              <a:spcAft>
+                <a:spcPct val="0"/>
+              </a:spcAft>
+              <a:buClr>
+                <a:srgbClr val="CC9900"/>
+              </a:buClr>
+              <a:buChar char="•"/>
+              <a:defRPr sz="1600">
+                <a:solidFill>
+                  <a:schemeClr val="tx1"/>
+                </a:solidFill>
+                <a:latin typeface="微软雅黑" pitchFamily="34" charset="-122"/>
+                <a:ea typeface="微软雅黑" pitchFamily="34" charset="-122"/>
+              </a:defRPr>
+            </a:lvl3pPr>
+            <a:lvl4pPr marL="1260475" algn="l" rtl="0" eaLnBrk="0" fontAlgn="base" hangingPunct="0">
+              <a:spcBef>
+                <a:spcPct val="20000"/>
+              </a:spcBef>
+              <a:spcAft>
+                <a:spcPct val="0"/>
+              </a:spcAft>
+              <a:buClr>
+                <a:srgbClr val="CC9900"/>
+              </a:buClr>
+              <a:buChar char="•"/>
+              <a:defRPr sz="1600">
+                <a:solidFill>
+                  <a:schemeClr val="tx1"/>
+                </a:solidFill>
+                <a:latin typeface="微软雅黑" pitchFamily="34" charset="-122"/>
+                <a:ea typeface="微软雅黑" pitchFamily="34" charset="-122"/>
+              </a:defRPr>
+            </a:lvl4pPr>
+            <a:lvl5pPr marL="1703388" algn="l" rtl="0" eaLnBrk="0" fontAlgn="base" hangingPunct="0">
+              <a:spcBef>
+                <a:spcPct val="20000"/>
+              </a:spcBef>
+              <a:spcAft>
+                <a:spcPct val="0"/>
+              </a:spcAft>
+              <a:buClr>
+                <a:srgbClr val="CC9900"/>
+              </a:buClr>
+              <a:buFont typeface="Arial" charset="0"/>
+              <a:buChar char="»"/>
+              <a:defRPr sz="1600">
+                <a:solidFill>
+                  <a:schemeClr val="tx1"/>
+                </a:solidFill>
+                <a:latin typeface="微软雅黑" pitchFamily="34" charset="-122"/>
+                <a:ea typeface="微软雅黑" pitchFamily="34" charset="-122"/>
+              </a:defRPr>
+            </a:lvl5pPr>
+            <a:lvl6pPr marL="2160588" algn="l" rtl="0" fontAlgn="base">
+              <a:spcBef>
+                <a:spcPct val="20000"/>
+              </a:spcBef>
+              <a:spcAft>
+                <a:spcPct val="0"/>
+              </a:spcAft>
+              <a:buClr>
+                <a:srgbClr val="CC9900"/>
+              </a:buClr>
+              <a:buFont typeface="Arial" charset="0"/>
+              <a:buChar char="»"/>
+              <a:defRPr>
+                <a:solidFill>
+                  <a:schemeClr val="tx1"/>
+                </a:solidFill>
+                <a:latin typeface="+mn-lt"/>
+                <a:ea typeface="+mn-ea"/>
+              </a:defRPr>
+            </a:lvl6pPr>
+            <a:lvl7pPr marL="2617788" algn="l" rtl="0" fontAlgn="base">
+              <a:spcBef>
+                <a:spcPct val="20000"/>
+              </a:spcBef>
+              <a:spcAft>
+                <a:spcPct val="0"/>
+              </a:spcAft>
+              <a:buClr>
+                <a:srgbClr val="CC9900"/>
+              </a:buClr>
+              <a:buFont typeface="Arial" charset="0"/>
+              <a:buChar char="»"/>
+              <a:defRPr>
+                <a:solidFill>
+                  <a:schemeClr val="tx1"/>
+                </a:solidFill>
+                <a:latin typeface="+mn-lt"/>
+                <a:ea typeface="+mn-ea"/>
+              </a:defRPr>
+            </a:lvl7pPr>
+            <a:lvl8pPr marL="3074988" algn="l" rtl="0" fontAlgn="base">
+              <a:spcBef>
+                <a:spcPct val="20000"/>
+              </a:spcBef>
+              <a:spcAft>
+                <a:spcPct val="0"/>
+              </a:spcAft>
+              <a:buClr>
+                <a:srgbClr val="CC9900"/>
+              </a:buClr>
+              <a:buFont typeface="Arial" charset="0"/>
+              <a:buChar char="»"/>
+              <a:defRPr>
+                <a:solidFill>
+                  <a:schemeClr val="tx1"/>
+                </a:solidFill>
+                <a:latin typeface="+mn-lt"/>
+                <a:ea typeface="+mn-ea"/>
+              </a:defRPr>
+            </a:lvl8pPr>
+            <a:lvl9pPr marL="3532188" algn="l" rtl="0" fontAlgn="base">
+              <a:spcBef>
+                <a:spcPct val="20000"/>
+              </a:spcBef>
+              <a:spcAft>
+                <a:spcPct val="0"/>
+              </a:spcAft>
+              <a:buClr>
+                <a:srgbClr val="CC9900"/>
+              </a:buClr>
+              <a:buFont typeface="Arial" charset="0"/>
+              <a:buChar char="»"/>
+              <a:defRPr>
+                <a:solidFill>
+                  <a:schemeClr val="tx1"/>
+                </a:solidFill>
+                <a:latin typeface="+mn-lt"/>
+                <a:ea typeface="+mn-ea"/>
+              </a:defRPr>
+            </a:lvl9pPr>
+          </a:lstStyle>
+          <a:p>
+            <a:pPr marL="285750" indent="-285750" algn="just">
+              <a:buFont typeface="Wingdings" panose="05000000000000000000" pitchFamily="2" charset="2"/>
+              <a:buChar char="l"/>
+            </a:pPr>
+            <a:r>
+              <a:rPr lang="zh-CN" altLang="en-US" sz="1800" dirty="0">
+                <a:solidFill>
+                  <a:schemeClr val="tx1"/>
+                </a:solidFill>
+              </a:rPr>
+              <a:t>序列搜索算法</a:t>
+            </a:r>
+          </a:p>
+        </p:txBody>
+      </p:sp>
+      <mc:AlternateContent xmlns:mc="http://schemas.openxmlformats.org/markup-compatibility/2006">
+        <mc:Choice xmlns:a14="http://schemas.microsoft.com/office/drawing/2010/main" Requires="a14">
+          <p:sp>
+            <p:nvSpPr>
+              <p:cNvPr id="13" name="矩形 12"/>
+              <p:cNvSpPr/>
+              <p:nvPr/>
+            </p:nvSpPr>
+            <p:spPr>
+              <a:xfrm>
+                <a:off x="1919535" y="5293257"/>
+                <a:ext cx="4572000" cy="1510735"/>
+              </a:xfrm>
+              <a:prstGeom prst="rect">
+                <a:avLst/>
+              </a:prstGeom>
+            </p:spPr>
+            <p:txBody>
+              <a:bodyPr>
+                <a:spAutoFit/>
+              </a:bodyPr>
+              <a:lstStyle/>
+              <a:p>
+                <a:pPr indent="304800" algn="just">
+                  <a:lnSpc>
+                    <a:spcPct val="125000"/>
+                  </a:lnSpc>
+                  <a:spcBef>
+                    <a:spcPts val="600"/>
+                  </a:spcBef>
+                  <a:spcAft>
+                    <a:spcPts val="600"/>
+                  </a:spcAft>
+                </a:pPr>
+                <a14:m>
+                  <m:oMathPara xmlns:m="http://schemas.openxmlformats.org/officeDocument/2006/math">
+                    <m:oMathParaPr>
+                      <m:jc m:val="centerGroup"/>
+                    </m:oMathParaPr>
+                    <m:oMath xmlns:m="http://schemas.openxmlformats.org/officeDocument/2006/math">
+                      <m:sSub>
+                        <m:sSubPr>
+                          <m:ctrlPr>
+                            <a:rPr lang="en-US" i="1" kern="100">
+                              <a:latin typeface="Cambria Math" panose="02040503050406030204" pitchFamily="18" charset="0"/>
+                              <a:ea typeface="宋体" panose="02010600030101010101" pitchFamily="2" charset="-122"/>
+                            </a:rPr>
+                          </m:ctrlPr>
+                        </m:sSubPr>
+                        <m:e>
+                          <m:r>
+                            <a:rPr lang="en-US" i="1" kern="100">
+                              <a:latin typeface="Cambria Math" panose="02040503050406030204" pitchFamily="18" charset="0"/>
+                              <a:ea typeface="宋体" panose="02010600030101010101" pitchFamily="2" charset="-122"/>
+                            </a:rPr>
+                            <m:t>𝑋</m:t>
+                          </m:r>
+                        </m:e>
+                        <m:sub>
+                          <m:r>
+                            <a:rPr lang="en-US" i="1" kern="100">
+                              <a:latin typeface="Cambria Math" panose="02040503050406030204" pitchFamily="18" charset="0"/>
+                              <a:ea typeface="宋体" panose="02010600030101010101" pitchFamily="2" charset="-122"/>
+                            </a:rPr>
+                            <m:t>𝑘</m:t>
+                          </m:r>
+                        </m:sub>
+                      </m:sSub>
+                      <m:r>
+                        <a:rPr lang="en-US" i="1" kern="100">
+                          <a:latin typeface="Cambria Math" panose="02040503050406030204" pitchFamily="18" charset="0"/>
+                          <a:ea typeface="宋体" panose="02010600030101010101" pitchFamily="2" charset="-122"/>
+                        </a:rPr>
+                        <m:t>=</m:t>
+                      </m:r>
+                      <m:func>
+                        <m:funcPr>
+                          <m:ctrlPr>
+                            <a:rPr lang="en-US" i="1" kern="100">
+                              <a:latin typeface="Cambria Math" panose="02040503050406030204" pitchFamily="18" charset="0"/>
+                              <a:ea typeface="宋体" panose="02010600030101010101" pitchFamily="2" charset="-122"/>
+                            </a:rPr>
+                          </m:ctrlPr>
+                        </m:funcPr>
+                        <m:fName>
+                          <m:limLow>
+                            <m:limLowPr>
+                              <m:ctrlPr>
+                                <a:rPr lang="en-US" i="1" kern="100">
+                                  <a:latin typeface="Cambria Math" panose="02040503050406030204" pitchFamily="18" charset="0"/>
+                                  <a:ea typeface="宋体" panose="02010600030101010101" pitchFamily="2" charset="-122"/>
+                                </a:rPr>
+                              </m:ctrlPr>
+                            </m:limLowPr>
+                            <m:e>
+                              <m:r>
+                                <m:rPr>
+                                  <m:sty m:val="p"/>
+                                </m:rPr>
+                                <a:rPr lang="en-US" kern="100">
+                                  <a:latin typeface="Cambria Math" panose="02040503050406030204" pitchFamily="18" charset="0"/>
+                                  <a:ea typeface="宋体" panose="02010600030101010101" pitchFamily="2" charset="-122"/>
+                                </a:rPr>
+                                <m:t>arg</m:t>
+                              </m:r>
+                              <m:r>
+                                <a:rPr lang="en-US" kern="100">
+                                  <a:latin typeface="Cambria Math" panose="02040503050406030204" pitchFamily="18" charset="0"/>
+                                  <a:ea typeface="宋体" panose="02010600030101010101" pitchFamily="2" charset="-122"/>
+                                </a:rPr>
+                                <m:t> </m:t>
+                              </m:r>
+                              <m:r>
+                                <m:rPr>
+                                  <m:sty m:val="p"/>
+                                </m:rPr>
+                                <a:rPr lang="en-US" kern="100">
+                                  <a:latin typeface="Cambria Math" panose="02040503050406030204" pitchFamily="18" charset="0"/>
+                                  <a:ea typeface="宋体" panose="02010600030101010101" pitchFamily="2" charset="-122"/>
+                                </a:rPr>
+                                <m:t>max</m:t>
+                              </m:r>
+                            </m:e>
+                            <m:lim>
+                              <m:sSub>
+                                <m:sSubPr>
+                                  <m:ctrlPr>
+                                    <a:rPr lang="en-US" i="1" kern="100">
+                                      <a:latin typeface="Cambria Math" panose="02040503050406030204" pitchFamily="18" charset="0"/>
+                                      <a:ea typeface="宋体" panose="02010600030101010101" pitchFamily="2" charset="-122"/>
+                                    </a:rPr>
+                                  </m:ctrlPr>
+                                </m:sSubPr>
+                                <m:e>
+                                  <m:r>
+                                    <a:rPr lang="en-US" i="1" kern="100">
+                                      <a:latin typeface="Cambria Math" panose="02040503050406030204" pitchFamily="18" charset="0"/>
+                                      <a:ea typeface="宋体" panose="02010600030101010101" pitchFamily="2" charset="-122"/>
+                                    </a:rPr>
+                                    <m:t>𝑋</m:t>
+                                  </m:r>
+                                </m:e>
+                                <m:sub>
+                                  <m:r>
+                                    <a:rPr lang="en-US" i="1" kern="100">
+                                      <a:latin typeface="Cambria Math" panose="02040503050406030204" pitchFamily="18" charset="0"/>
+                                      <a:ea typeface="宋体" panose="02010600030101010101" pitchFamily="2" charset="-122"/>
+                                    </a:rPr>
+                                    <m:t>𝑘</m:t>
+                                  </m:r>
+                                </m:sub>
+                              </m:sSub>
+                              <m:r>
+                                <a:rPr lang="en-US" i="1" kern="100">
+                                  <a:latin typeface="Cambria Math" panose="02040503050406030204" pitchFamily="18" charset="0"/>
+                                  <a:ea typeface="宋体" panose="02010600030101010101" pitchFamily="2" charset="-122"/>
+                                </a:rPr>
+                                <m:t>∈</m:t>
+                              </m:r>
+                              <m:sSub>
+                                <m:sSubPr>
+                                  <m:ctrlPr>
+                                    <a:rPr lang="en-US" i="1" kern="100">
+                                      <a:latin typeface="Cambria Math" panose="02040503050406030204" pitchFamily="18" charset="0"/>
+                                      <a:ea typeface="宋体" panose="02010600030101010101" pitchFamily="2" charset="-122"/>
+                                    </a:rPr>
+                                  </m:ctrlPr>
+                                </m:sSubPr>
+                                <m:e>
+                                  <m:r>
+                                    <a:rPr lang="en-US" i="1" kern="100">
+                                      <a:latin typeface="Cambria Math" panose="02040503050406030204" pitchFamily="18" charset="0"/>
+                                      <a:ea typeface="宋体" panose="02010600030101010101" pitchFamily="2" charset="-122"/>
+                                    </a:rPr>
+                                    <m:t>𝑋</m:t>
+                                  </m:r>
+                                </m:e>
+                                <m:sub>
+                                  <m:sSup>
+                                    <m:sSupPr>
+                                      <m:ctrlPr>
+                                        <a:rPr lang="en-US" i="1" kern="100">
+                                          <a:latin typeface="Cambria Math" panose="02040503050406030204" pitchFamily="18" charset="0"/>
+                                          <a:ea typeface="宋体" panose="02010600030101010101" pitchFamily="2" charset="-122"/>
+                                        </a:rPr>
+                                      </m:ctrlPr>
+                                    </m:sSupPr>
+                                    <m:e>
+                                      <m:acc>
+                                        <m:accPr>
+                                          <m:chr m:val="̃"/>
+                                          <m:ctrlPr>
+                                            <a:rPr lang="en-US" i="1" kern="100">
+                                              <a:latin typeface="Cambria Math" panose="02040503050406030204" pitchFamily="18" charset="0"/>
+                                              <a:ea typeface="宋体" panose="02010600030101010101" pitchFamily="2" charset="-122"/>
+                                            </a:rPr>
+                                          </m:ctrlPr>
+                                        </m:accPr>
+                                        <m:e>
+                                          <m:r>
+                                            <a:rPr lang="en-US" i="1" kern="100">
+                                              <a:latin typeface="Cambria Math" panose="02040503050406030204" pitchFamily="18" charset="0"/>
+                                              <a:ea typeface="宋体" panose="02010600030101010101" pitchFamily="2" charset="-122"/>
+                                            </a:rPr>
+                                            <m:t>𝜃</m:t>
+                                          </m:r>
+                                        </m:e>
+                                      </m:acc>
+                                    </m:e>
+                                    <m:sup>
+                                      <m:r>
+                                        <a:rPr lang="en-US" i="1" kern="100">
+                                          <a:latin typeface="Cambria Math" panose="02040503050406030204" pitchFamily="18" charset="0"/>
+                                          <a:ea typeface="宋体" panose="02010600030101010101" pitchFamily="2" charset="-122"/>
+                                        </a:rPr>
+                                        <m:t>𝑡</m:t>
+                                      </m:r>
+                                    </m:sup>
+                                  </m:sSup>
+                                </m:sub>
+                              </m:sSub>
+                            </m:lim>
+                          </m:limLow>
+                        </m:fName>
+                        <m:e>
+                          <m:sSub>
+                            <m:sSubPr>
+                              <m:ctrlPr>
+                                <a:rPr lang="en-US" i="1">
+                                  <a:latin typeface="Cambria Math" panose="02040503050406030204" pitchFamily="18" charset="0"/>
+                                </a:rPr>
+                              </m:ctrlPr>
+                            </m:sSubPr>
+                            <m:e>
+                              <m:r>
+                                <a:rPr lang="en-US" i="1">
+                                  <a:latin typeface="Cambria Math" panose="02040503050406030204" pitchFamily="18" charset="0"/>
+                                </a:rPr>
+                                <m:t>𝐽</m:t>
+                              </m:r>
+                            </m:e>
+                            <m:sub>
+                              <m:r>
+                                <m:rPr>
+                                  <m:sty m:val="p"/>
+                                </m:rPr>
+                                <a:rPr lang="en-US">
+                                  <a:latin typeface="Cambria Math" panose="02040503050406030204" pitchFamily="18" charset="0"/>
+                                </a:rPr>
+                                <m:t>jmi</m:t>
+                              </m:r>
+                            </m:sub>
+                          </m:sSub>
+                          <m:d>
+                            <m:dPr>
+                              <m:ctrlPr>
+                                <a:rPr lang="en-US" i="1">
+                                  <a:latin typeface="Cambria Math" panose="02040503050406030204" pitchFamily="18" charset="0"/>
+                                </a:rPr>
+                              </m:ctrlPr>
+                            </m:dPr>
+                            <m:e>
+                              <m:sSub>
+                                <m:sSubPr>
+                                  <m:ctrlPr>
+                                    <a:rPr lang="en-US" i="1">
+                                      <a:latin typeface="Cambria Math" panose="02040503050406030204" pitchFamily="18" charset="0"/>
+                                    </a:rPr>
+                                  </m:ctrlPr>
+                                </m:sSubPr>
+                                <m:e>
+                                  <m:r>
+                                    <a:rPr lang="en-US" i="1">
+                                      <a:latin typeface="Cambria Math" panose="02040503050406030204" pitchFamily="18" charset="0"/>
+                                    </a:rPr>
+                                    <m:t>𝑋</m:t>
+                                  </m:r>
+                                </m:e>
+                                <m:sub>
+                                  <m:r>
+                                    <a:rPr lang="en-US" i="1">
+                                      <a:latin typeface="Cambria Math" panose="02040503050406030204" pitchFamily="18" charset="0"/>
+                                    </a:rPr>
+                                    <m:t>𝑘</m:t>
+                                  </m:r>
+                                </m:sub>
+                              </m:sSub>
+                            </m:e>
+                          </m:d>
+                        </m:e>
+                      </m:func>
+                    </m:oMath>
+                  </m:oMathPara>
+                </a14:m>
+                <a:endParaRPr lang="en-US" kern="100" dirty="0">
+                  <a:latin typeface="Times New Roman" panose="02020603050405020304" pitchFamily="18" charset="0"/>
+                  <a:ea typeface="宋体" panose="02010600030101010101" pitchFamily="2" charset="-122"/>
+                </a:endParaRPr>
+              </a:p>
+              <a:p>
+                <a:pPr indent="304800" algn="just">
+                  <a:lnSpc>
+                    <a:spcPct val="125000"/>
+                  </a:lnSpc>
+                  <a:spcBef>
+                    <a:spcPts val="600"/>
+                  </a:spcBef>
+                  <a:spcAft>
+                    <a:spcPts val="600"/>
+                  </a:spcAft>
+                </a:pPr>
+                <a14:m>
+                  <m:oMathPara xmlns:m="http://schemas.openxmlformats.org/officeDocument/2006/math">
+                    <m:oMathParaPr>
+                      <m:jc m:val="centerGroup"/>
+                    </m:oMathParaPr>
+                    <m:oMath xmlns:m="http://schemas.openxmlformats.org/officeDocument/2006/math">
+                      <m:sSub>
+                        <m:sSubPr>
+                          <m:ctrlPr>
+                            <a:rPr lang="en-US" i="1" kern="100">
+                              <a:latin typeface="Cambria Math" panose="02040503050406030204" pitchFamily="18" charset="0"/>
+                              <a:ea typeface="宋体" panose="02010600030101010101" pitchFamily="2" charset="-122"/>
+                            </a:rPr>
+                          </m:ctrlPr>
+                        </m:sSubPr>
+                        <m:e>
+                          <m:r>
+                            <a:rPr lang="en-US" i="1" kern="100">
+                              <a:latin typeface="Cambria Math" panose="02040503050406030204" pitchFamily="18" charset="0"/>
+                              <a:ea typeface="宋体" panose="02010600030101010101" pitchFamily="2" charset="-122"/>
+                            </a:rPr>
+                            <m:t>𝑋</m:t>
+                          </m:r>
+                        </m:e>
+                        <m:sub>
+                          <m:sSup>
+                            <m:sSupPr>
+                              <m:ctrlPr>
+                                <a:rPr lang="en-US" i="1" kern="100">
+                                  <a:latin typeface="Cambria Math" panose="02040503050406030204" pitchFamily="18" charset="0"/>
+                                  <a:ea typeface="宋体" panose="02010600030101010101" pitchFamily="2" charset="-122"/>
+                                </a:rPr>
+                              </m:ctrlPr>
+                            </m:sSupPr>
+                            <m:e>
+                              <m:r>
+                                <a:rPr lang="en-US" i="1" kern="100">
+                                  <a:latin typeface="Cambria Math" panose="02040503050406030204" pitchFamily="18" charset="0"/>
+                                  <a:ea typeface="宋体" panose="02010600030101010101" pitchFamily="2" charset="-122"/>
+                                </a:rPr>
+                                <m:t>𝜃</m:t>
+                              </m:r>
+                            </m:e>
+                            <m:sup>
+                              <m:r>
+                                <a:rPr lang="en-US" i="1" kern="100">
+                                  <a:latin typeface="Cambria Math" panose="02040503050406030204" pitchFamily="18" charset="0"/>
+                                  <a:ea typeface="宋体" panose="02010600030101010101" pitchFamily="2" charset="-122"/>
+                                </a:rPr>
+                                <m:t>𝑡</m:t>
+                              </m:r>
+                              <m:r>
+                                <a:rPr lang="en-US" i="1" kern="100">
+                                  <a:latin typeface="Cambria Math" panose="02040503050406030204" pitchFamily="18" charset="0"/>
+                                  <a:ea typeface="宋体" panose="02010600030101010101" pitchFamily="2" charset="-122"/>
+                                </a:rPr>
+                                <m:t>+1</m:t>
+                              </m:r>
+                            </m:sup>
+                          </m:sSup>
+                        </m:sub>
+                      </m:sSub>
+                      <m:r>
+                        <a:rPr lang="en-US" i="1" kern="100">
+                          <a:latin typeface="Cambria Math" panose="02040503050406030204" pitchFamily="18" charset="0"/>
+                          <a:ea typeface="宋体" panose="02010600030101010101" pitchFamily="2" charset="-122"/>
+                        </a:rPr>
+                        <m:t>←</m:t>
+                      </m:r>
+                      <m:sSub>
+                        <m:sSubPr>
+                          <m:ctrlPr>
+                            <a:rPr lang="en-US" i="1" kern="100">
+                              <a:latin typeface="Cambria Math" panose="02040503050406030204" pitchFamily="18" charset="0"/>
+                              <a:ea typeface="宋体" panose="02010600030101010101" pitchFamily="2" charset="-122"/>
+                            </a:rPr>
+                          </m:ctrlPr>
+                        </m:sSubPr>
+                        <m:e>
+                          <m:r>
+                            <a:rPr lang="en-US" i="1" kern="100">
+                              <a:latin typeface="Cambria Math" panose="02040503050406030204" pitchFamily="18" charset="0"/>
+                              <a:ea typeface="宋体" panose="02010600030101010101" pitchFamily="2" charset="-122"/>
+                            </a:rPr>
+                            <m:t>𝑋</m:t>
+                          </m:r>
+                        </m:e>
+                        <m:sub>
+                          <m:sSup>
+                            <m:sSupPr>
+                              <m:ctrlPr>
+                                <a:rPr lang="en-US" i="1" kern="100">
+                                  <a:latin typeface="Cambria Math" panose="02040503050406030204" pitchFamily="18" charset="0"/>
+                                  <a:ea typeface="宋体" panose="02010600030101010101" pitchFamily="2" charset="-122"/>
+                                </a:rPr>
+                              </m:ctrlPr>
+                            </m:sSupPr>
+                            <m:e>
+                              <m:r>
+                                <a:rPr lang="en-US" i="1" kern="100">
+                                  <a:latin typeface="Cambria Math" panose="02040503050406030204" pitchFamily="18" charset="0"/>
+                                  <a:ea typeface="宋体" panose="02010600030101010101" pitchFamily="2" charset="-122"/>
+                                </a:rPr>
+                                <m:t>𝜃</m:t>
+                              </m:r>
+                            </m:e>
+                            <m:sup>
+                              <m:r>
+                                <a:rPr lang="en-US" i="1" kern="100">
+                                  <a:latin typeface="Cambria Math" panose="02040503050406030204" pitchFamily="18" charset="0"/>
+                                  <a:ea typeface="宋体" panose="02010600030101010101" pitchFamily="2" charset="-122"/>
+                                </a:rPr>
+                                <m:t>𝑡</m:t>
+                              </m:r>
+                            </m:sup>
+                          </m:sSup>
+                        </m:sub>
+                      </m:sSub>
+                      <m:r>
+                        <a:rPr lang="en-US" i="1" kern="100">
+                          <a:latin typeface="Cambria Math" panose="02040503050406030204" pitchFamily="18" charset="0"/>
+                          <a:ea typeface="宋体" panose="02010600030101010101" pitchFamily="2" charset="-122"/>
+                        </a:rPr>
+                        <m:t>∪</m:t>
+                      </m:r>
+                      <m:sSub>
+                        <m:sSubPr>
+                          <m:ctrlPr>
+                            <a:rPr lang="en-US" i="1" kern="100">
+                              <a:latin typeface="Cambria Math" panose="02040503050406030204" pitchFamily="18" charset="0"/>
+                              <a:ea typeface="宋体" panose="02010600030101010101" pitchFamily="2" charset="-122"/>
+                            </a:rPr>
+                          </m:ctrlPr>
+                        </m:sSubPr>
+                        <m:e>
+                          <m:r>
+                            <a:rPr lang="en-US" i="1" kern="100">
+                              <a:latin typeface="Cambria Math" panose="02040503050406030204" pitchFamily="18" charset="0"/>
+                              <a:ea typeface="宋体" panose="02010600030101010101" pitchFamily="2" charset="-122"/>
+                            </a:rPr>
+                            <m:t>𝑋</m:t>
+                          </m:r>
+                        </m:e>
+                        <m:sub>
+                          <m:r>
+                            <a:rPr lang="en-US" i="1" kern="100">
+                              <a:latin typeface="Cambria Math" panose="02040503050406030204" pitchFamily="18" charset="0"/>
+                              <a:ea typeface="宋体" panose="02010600030101010101" pitchFamily="2" charset="-122"/>
+                            </a:rPr>
+                            <m:t>𝑘</m:t>
+                          </m:r>
+                        </m:sub>
+                      </m:sSub>
+                    </m:oMath>
+                  </m:oMathPara>
+                </a14:m>
+                <a:endParaRPr lang="en-US" kern="100" dirty="0">
+                  <a:latin typeface="Times New Roman" panose="02020603050405020304" pitchFamily="18" charset="0"/>
+                  <a:ea typeface="宋体" panose="02010600030101010101" pitchFamily="2" charset="-122"/>
+                </a:endParaRPr>
+              </a:p>
+              <a:p>
+                <a:pPr/>
+                <a14:m>
+                  <m:oMathPara xmlns:m="http://schemas.openxmlformats.org/officeDocument/2006/math">
+                    <m:oMathParaPr>
+                      <m:jc m:val="centerGroup"/>
+                    </m:oMathParaPr>
+                    <m:oMath xmlns:m="http://schemas.openxmlformats.org/officeDocument/2006/math">
+                      <m:sSub>
+                        <m:sSubPr>
+                          <m:ctrlPr>
+                            <a:rPr lang="en-US" i="1">
+                              <a:latin typeface="Cambria Math" panose="02040503050406030204" pitchFamily="18" charset="0"/>
+                            </a:rPr>
+                          </m:ctrlPr>
+                        </m:sSubPr>
+                        <m:e>
+                          <m:r>
+                            <a:rPr lang="en-US" i="1" kern="100">
+                              <a:latin typeface="Cambria Math" panose="02040503050406030204" pitchFamily="18" charset="0"/>
+                              <a:ea typeface="宋体" panose="02010600030101010101" pitchFamily="2" charset="-122"/>
+                              <a:cs typeface="Times New Roman" panose="02020603050405020304" pitchFamily="18" charset="0"/>
+                            </a:rPr>
+                            <m:t>𝑋</m:t>
+                          </m:r>
+                        </m:e>
+                        <m:sub>
+                          <m:sSup>
+                            <m:sSupPr>
+                              <m:ctrlPr>
+                                <a:rPr lang="en-US" i="1">
+                                  <a:latin typeface="Cambria Math" panose="02040503050406030204" pitchFamily="18" charset="0"/>
+                                </a:rPr>
+                              </m:ctrlPr>
+                            </m:sSupPr>
+                            <m:e>
+                              <m:acc>
+                                <m:accPr>
+                                  <m:chr m:val="̃"/>
+                                  <m:ctrlPr>
+                                    <a:rPr lang="en-US" i="1">
+                                      <a:latin typeface="Cambria Math" panose="02040503050406030204" pitchFamily="18" charset="0"/>
+                                    </a:rPr>
+                                  </m:ctrlPr>
+                                </m:accPr>
+                                <m:e>
+                                  <m:r>
+                                    <a:rPr lang="en-US" i="1" kern="100">
+                                      <a:latin typeface="Cambria Math" panose="02040503050406030204" pitchFamily="18" charset="0"/>
+                                      <a:ea typeface="宋体" panose="02010600030101010101" pitchFamily="2" charset="-122"/>
+                                      <a:cs typeface="Times New Roman" panose="02020603050405020304" pitchFamily="18" charset="0"/>
+                                    </a:rPr>
+                                    <m:t>𝜃</m:t>
+                                  </m:r>
+                                </m:e>
+                              </m:acc>
+                            </m:e>
+                            <m:sup>
+                              <m:r>
+                                <a:rPr lang="en-US" i="1" kern="100">
+                                  <a:latin typeface="Cambria Math" panose="02040503050406030204" pitchFamily="18" charset="0"/>
+                                  <a:ea typeface="宋体" panose="02010600030101010101" pitchFamily="2" charset="-122"/>
+                                  <a:cs typeface="Times New Roman" panose="02020603050405020304" pitchFamily="18" charset="0"/>
+                                </a:rPr>
+                                <m:t>𝑡</m:t>
+                              </m:r>
+                              <m:r>
+                                <a:rPr lang="en-US" i="1" kern="100">
+                                  <a:latin typeface="Cambria Math" panose="02040503050406030204" pitchFamily="18" charset="0"/>
+                                  <a:ea typeface="宋体" panose="02010600030101010101" pitchFamily="2" charset="-122"/>
+                                  <a:cs typeface="Times New Roman" panose="02020603050405020304" pitchFamily="18" charset="0"/>
+                                </a:rPr>
+                                <m:t>+1</m:t>
+                              </m:r>
+                            </m:sup>
+                          </m:sSup>
+                        </m:sub>
+                      </m:sSub>
+                      <m:r>
+                        <a:rPr lang="en-US" i="1" kern="100">
+                          <a:latin typeface="Cambria Math" panose="02040503050406030204" pitchFamily="18" charset="0"/>
+                          <a:ea typeface="宋体" panose="02010600030101010101" pitchFamily="2" charset="-122"/>
+                          <a:cs typeface="Times New Roman" panose="02020603050405020304" pitchFamily="18" charset="0"/>
+                        </a:rPr>
+                        <m:t>←</m:t>
+                      </m:r>
+                      <m:sSub>
+                        <m:sSubPr>
+                          <m:ctrlPr>
+                            <a:rPr lang="en-US" i="1">
+                              <a:latin typeface="Cambria Math" panose="02040503050406030204" pitchFamily="18" charset="0"/>
+                            </a:rPr>
+                          </m:ctrlPr>
+                        </m:sSubPr>
+                        <m:e>
+                          <m:r>
+                            <a:rPr lang="en-US" i="1" kern="100">
+                              <a:latin typeface="Cambria Math" panose="02040503050406030204" pitchFamily="18" charset="0"/>
+                              <a:ea typeface="宋体" panose="02010600030101010101" pitchFamily="2" charset="-122"/>
+                              <a:cs typeface="Times New Roman" panose="02020603050405020304" pitchFamily="18" charset="0"/>
+                            </a:rPr>
+                            <m:t>𝑋</m:t>
+                          </m:r>
+                        </m:e>
+                        <m:sub>
+                          <m:sSup>
+                            <m:sSupPr>
+                              <m:ctrlPr>
+                                <a:rPr lang="en-US" i="1">
+                                  <a:latin typeface="Cambria Math" panose="02040503050406030204" pitchFamily="18" charset="0"/>
+                                </a:rPr>
+                              </m:ctrlPr>
+                            </m:sSupPr>
+                            <m:e>
+                              <m:acc>
+                                <m:accPr>
+                                  <m:chr m:val="̃"/>
+                                  <m:ctrlPr>
+                                    <a:rPr lang="en-US" i="1">
+                                      <a:latin typeface="Cambria Math" panose="02040503050406030204" pitchFamily="18" charset="0"/>
+                                    </a:rPr>
+                                  </m:ctrlPr>
+                                </m:accPr>
+                                <m:e>
+                                  <m:r>
+                                    <a:rPr lang="en-US" i="1" kern="100">
+                                      <a:latin typeface="Cambria Math" panose="02040503050406030204" pitchFamily="18" charset="0"/>
+                                      <a:ea typeface="宋体" panose="02010600030101010101" pitchFamily="2" charset="-122"/>
+                                      <a:cs typeface="Times New Roman" panose="02020603050405020304" pitchFamily="18" charset="0"/>
+                                    </a:rPr>
+                                    <m:t>𝜃</m:t>
+                                  </m:r>
+                                </m:e>
+                              </m:acc>
+                            </m:e>
+                            <m:sup>
+                              <m:r>
+                                <a:rPr lang="en-US" i="1" kern="100">
+                                  <a:latin typeface="Cambria Math" panose="02040503050406030204" pitchFamily="18" charset="0"/>
+                                  <a:ea typeface="宋体" panose="02010600030101010101" pitchFamily="2" charset="-122"/>
+                                  <a:cs typeface="Times New Roman" panose="02020603050405020304" pitchFamily="18" charset="0"/>
+                                </a:rPr>
+                                <m:t>𝑡</m:t>
+                              </m:r>
+                            </m:sup>
+                          </m:sSup>
+                        </m:sub>
+                      </m:sSub>
+                      <m:r>
+                        <a:rPr lang="en-US" i="1" kern="100">
+                          <a:latin typeface="Cambria Math" panose="02040503050406030204" pitchFamily="18" charset="0"/>
+                          <a:ea typeface="宋体" panose="02010600030101010101" pitchFamily="2" charset="-122"/>
+                          <a:cs typeface="Times New Roman" panose="02020603050405020304" pitchFamily="18" charset="0"/>
+                        </a:rPr>
+                        <m:t>\</m:t>
+                      </m:r>
+                      <m:sSub>
+                        <m:sSubPr>
+                          <m:ctrlPr>
+                            <a:rPr lang="en-US" i="1">
+                              <a:latin typeface="Cambria Math" panose="02040503050406030204" pitchFamily="18" charset="0"/>
+                            </a:rPr>
+                          </m:ctrlPr>
+                        </m:sSubPr>
+                        <m:e>
+                          <m:r>
+                            <a:rPr lang="en-US" i="1" kern="100">
+                              <a:latin typeface="Cambria Math" panose="02040503050406030204" pitchFamily="18" charset="0"/>
+                              <a:ea typeface="宋体" panose="02010600030101010101" pitchFamily="2" charset="-122"/>
+                              <a:cs typeface="Times New Roman" panose="02020603050405020304" pitchFamily="18" charset="0"/>
+                            </a:rPr>
+                            <m:t>𝑋</m:t>
+                          </m:r>
+                        </m:e>
+                        <m:sub>
+                          <m:r>
+                            <a:rPr lang="en-US" i="1" kern="100">
+                              <a:latin typeface="Cambria Math" panose="02040503050406030204" pitchFamily="18" charset="0"/>
+                              <a:ea typeface="宋体" panose="02010600030101010101" pitchFamily="2" charset="-122"/>
+                              <a:cs typeface="Times New Roman" panose="02020603050405020304" pitchFamily="18" charset="0"/>
+                            </a:rPr>
+                            <m:t>𝑘</m:t>
+                          </m:r>
+                        </m:sub>
+                      </m:sSub>
+                    </m:oMath>
+                  </m:oMathPara>
+                </a14:m>
+                <a:endParaRPr lang="en-US" dirty="0"/>
+              </a:p>
+            </p:txBody>
+          </p:sp>
+        </mc:Choice>
+        <mc:Fallback>
+          <p:sp>
+            <p:nvSpPr>
+              <p:cNvPr id="13" name="矩形 12"/>
+              <p:cNvSpPr>
+                <a:spLocks noRot="1" noChangeAspect="1" noMove="1" noResize="1" noEditPoints="1" noAdjustHandles="1" noChangeArrowheads="1" noChangeShapeType="1" noTextEdit="1"/>
+              </p:cNvSpPr>
+              <p:nvPr/>
+            </p:nvSpPr>
+            <p:spPr>
+              <a:xfrm>
+                <a:off x="1919535" y="5293257"/>
+                <a:ext cx="4572000" cy="1510735"/>
+              </a:xfrm>
+              <a:prstGeom prst="rect">
+                <a:avLst/>
+              </a:prstGeom>
+              <a:blipFill>
+                <a:blip r:embed="rId8"/>
+                <a:stretch>
+                  <a:fillRect b="-403"/>
+                </a:stretch>
+              </a:blipFill>
+            </p:spPr>
+            <p:txBody>
+              <a:bodyPr/>
+              <a:lstStyle/>
+              <a:p>
+                <a:r>
+                  <a:rPr lang="zh-CN" altLang="en-US">
+                    <a:noFill/>
+                  </a:rPr>
+                  <a:t> </a:t>
+                </a:r>
+              </a:p>
+            </p:txBody>
+          </p:sp>
+        </mc:Fallback>
+      </mc:AlternateContent>
+      <p:sp>
+        <p:nvSpPr>
+          <p:cNvPr id="17" name="灯片编号占位符 7"/>
+          <p:cNvSpPr>
+            <a:spLocks noGrp="1"/>
+          </p:cNvSpPr>
+          <p:nvPr>
+            <p:ph type="sldNum" sz="quarter" idx="12"/>
+          </p:nvPr>
+        </p:nvSpPr>
+        <p:spPr>
+          <a:xfrm>
+            <a:off x="7981950" y="6356352"/>
+            <a:ext cx="2057400" cy="365125"/>
+          </a:xfrm>
+        </p:spPr>
+        <p:txBody>
+          <a:bodyPr/>
+          <a:lstStyle/>
+          <a:p>
+            <a:r>
+              <a:rPr lang="en-US" altLang="zh-CN" dirty="0"/>
+              <a:t>21</a:t>
+            </a:r>
+            <a:endParaRPr lang="zh-CN" altLang="en-US" dirty="0"/>
+          </a:p>
+        </p:txBody>
+      </p:sp>
+    </p:spTree>
+    <p:extLst>
+      <p:ext uri="{BB962C8B-B14F-4D97-AF65-F5344CB8AC3E}">
+        <p14:creationId xmlns:p14="http://schemas.microsoft.com/office/powerpoint/2010/main" val="3670802851"/>
+      </p:ext>
+    </p:extLst>
+  </p:cSld>
+  <p:clrMapOvr>
+    <a:masterClrMapping/>
+  </p:clrMapOvr>
+  <p:timing>
+    <p:tnLst>
+      <p:par>
+        <p:cTn id="1" dur="indefinite" restart="never" nodeType="tmRoot">
+          <p:childTnLst>
+            <p:seq concurrent="1" nextAc="seek">
+              <p:cTn id="2" dur="indefinite" nodeType="mainSeq">
+                <p:childTnLst>
+                  <p:par>
+                    <p:cTn id="3" fill="hold">
+                      <p:stCondLst>
+                        <p:cond delay="indefinite"/>
+                      </p:stCondLst>
+                      <p:childTnLst>
+                        <p:par>
+                          <p:cTn id="4" fill="hold">
+                            <p:stCondLst>
+                              <p:cond delay="0"/>
+                            </p:stCondLst>
+                            <p:childTnLst>
+                              <p:par>
+                                <p:cTn id="5" presetID="10" presetClass="entr" presetSubtype="0" fill="hold" grpId="0" nodeType="clickEffect">
+                                  <p:stCondLst>
+                                    <p:cond delay="0"/>
+                                  </p:stCondLst>
+                                  <p:childTnLst>
+                                    <p:set>
+                                      <p:cBhvr>
+                                        <p:cTn id="6" dur="1" fill="hold">
+                                          <p:stCondLst>
+                                            <p:cond delay="0"/>
+                                          </p:stCondLst>
+                                        </p:cTn>
+                                        <p:tgtEl>
+                                          <p:spTgt spid="15"/>
+                                        </p:tgtEl>
+                                        <p:attrNameLst>
+                                          <p:attrName>style.visibility</p:attrName>
+                                        </p:attrNameLst>
+                                      </p:cBhvr>
+                                      <p:to>
+                                        <p:strVal val="visible"/>
+                                      </p:to>
+                                    </p:set>
+                                    <p:animEffect transition="in" filter="fade">
+                                      <p:cBhvr>
+                                        <p:cTn id="7" dur="500"/>
+                                        <p:tgtEl>
+                                          <p:spTgt spid="15"/>
+                                        </p:tgtEl>
+                                      </p:cBhvr>
+                                    </p:animEffect>
+                                  </p:childTnLst>
+                                </p:cTn>
+                              </p:par>
+                              <p:par>
+                                <p:cTn id="8" presetID="10" presetClass="entr" presetSubtype="0" fill="hold" grpId="0" nodeType="withEffect">
+                                  <p:stCondLst>
+                                    <p:cond delay="0"/>
+                                  </p:stCondLst>
+                                  <p:childTnLst>
+                                    <p:set>
+                                      <p:cBhvr>
+                                        <p:cTn id="9" dur="1" fill="hold">
+                                          <p:stCondLst>
+                                            <p:cond delay="0"/>
+                                          </p:stCondLst>
+                                        </p:cTn>
+                                        <p:tgtEl>
+                                          <p:spTgt spid="12"/>
+                                        </p:tgtEl>
+                                        <p:attrNameLst>
+                                          <p:attrName>style.visibility</p:attrName>
+                                        </p:attrNameLst>
+                                      </p:cBhvr>
+                                      <p:to>
+                                        <p:strVal val="visible"/>
+                                      </p:to>
+                                    </p:set>
+                                    <p:animEffect transition="in" filter="fade">
+                                      <p:cBhvr>
+                                        <p:cTn id="10" dur="500"/>
+                                        <p:tgtEl>
+                                          <p:spTgt spid="12"/>
+                                        </p:tgtEl>
+                                      </p:cBhvr>
+                                    </p:animEffect>
+                                  </p:childTnLst>
+                                </p:cTn>
+                              </p:par>
+                            </p:childTnLst>
+                          </p:cTn>
+                        </p:par>
+                        <p:par>
+                          <p:cTn id="11" fill="hold">
+                            <p:stCondLst>
+                              <p:cond delay="500"/>
+                            </p:stCondLst>
+                            <p:childTnLst>
+                              <p:par>
+                                <p:cTn id="12" presetID="10" presetClass="entr" presetSubtype="0" fill="hold" grpId="0" nodeType="afterEffect">
+                                  <p:stCondLst>
+                                    <p:cond delay="0"/>
+                                  </p:stCondLst>
+                                  <p:childTnLst>
+                                    <p:set>
+                                      <p:cBhvr>
+                                        <p:cTn id="13" dur="1" fill="hold">
+                                          <p:stCondLst>
+                                            <p:cond delay="0"/>
+                                          </p:stCondLst>
+                                        </p:cTn>
+                                        <p:tgtEl>
+                                          <p:spTgt spid="16"/>
+                                        </p:tgtEl>
+                                        <p:attrNameLst>
+                                          <p:attrName>style.visibility</p:attrName>
+                                        </p:attrNameLst>
+                                      </p:cBhvr>
+                                      <p:to>
+                                        <p:strVal val="visible"/>
+                                      </p:to>
+                                    </p:set>
+                                    <p:animEffect transition="in" filter="fade">
+                                      <p:cBhvr>
+                                        <p:cTn id="14" dur="500"/>
+                                        <p:tgtEl>
+                                          <p:spTgt spid="16"/>
+                                        </p:tgtEl>
+                                      </p:cBhvr>
+                                    </p:animEffect>
+                                  </p:childTnLst>
+                                </p:cTn>
+                              </p:par>
+                              <p:par>
+                                <p:cTn id="15" presetID="10" presetClass="entr" presetSubtype="0" fill="hold" grpId="0" nodeType="withEffect">
+                                  <p:stCondLst>
+                                    <p:cond delay="0"/>
+                                  </p:stCondLst>
+                                  <p:childTnLst>
+                                    <p:set>
+                                      <p:cBhvr>
+                                        <p:cTn id="16" dur="1" fill="hold">
+                                          <p:stCondLst>
+                                            <p:cond delay="0"/>
+                                          </p:stCondLst>
+                                        </p:cTn>
+                                        <p:tgtEl>
+                                          <p:spTgt spid="13"/>
+                                        </p:tgtEl>
+                                        <p:attrNameLst>
+                                          <p:attrName>style.visibility</p:attrName>
+                                        </p:attrNameLst>
+                                      </p:cBhvr>
+                                      <p:to>
+                                        <p:strVal val="visible"/>
+                                      </p:to>
+                                    </p:set>
+                                    <p:animEffect transition="in" filter="fade">
+                                      <p:cBhvr>
+                                        <p:cTn id="17" dur="500"/>
+                                        <p:tgtEl>
+                                          <p:spTgt spid="13"/>
+                                        </p:tgtEl>
+                                      </p:cBhvr>
+                                    </p:animEffect>
+                                  </p:childTnLst>
+                                </p:cTn>
+                              </p:par>
+                            </p:childTnLst>
+                          </p:cTn>
+                        </p:par>
+                      </p:childTnLst>
+                    </p:cTn>
+                  </p:par>
+                  <p:par>
+                    <p:cTn id="18" fill="hold">
+                      <p:stCondLst>
+                        <p:cond delay="indefinite"/>
+                      </p:stCondLst>
+                      <p:childTnLst>
+                        <p:par>
+                          <p:cTn id="19" fill="hold">
+                            <p:stCondLst>
+                              <p:cond delay="0"/>
+                            </p:stCondLst>
+                            <p:childTnLst>
+                              <p:par>
+                                <p:cTn id="20" presetID="10" presetClass="entr" presetSubtype="0" fill="hold" grpId="0" nodeType="clickEffect">
+                                  <p:stCondLst>
+                                    <p:cond delay="0"/>
+                                  </p:stCondLst>
+                                  <p:childTnLst>
+                                    <p:set>
+                                      <p:cBhvr>
+                                        <p:cTn id="21" dur="1" fill="hold">
+                                          <p:stCondLst>
+                                            <p:cond delay="0"/>
+                                          </p:stCondLst>
+                                        </p:cTn>
+                                        <p:tgtEl>
+                                          <p:spTgt spid="14"/>
+                                        </p:tgtEl>
+                                        <p:attrNameLst>
+                                          <p:attrName>style.visibility</p:attrName>
+                                        </p:attrNameLst>
+                                      </p:cBhvr>
+                                      <p:to>
+                                        <p:strVal val="visible"/>
+                                      </p:to>
+                                    </p:set>
+                                    <p:animEffect transition="in" filter="fade">
+                                      <p:cBhvr>
+                                        <p:cTn id="22" dur="500"/>
+                                        <p:tgtEl>
+                                          <p:spTgt spid="14"/>
+                                        </p:tgtEl>
+                                      </p:cBhvr>
+                                    </p:animEffect>
+                                  </p:childTnLst>
+                                </p:cTn>
+                              </p:par>
+                            </p:childTnLst>
+                          </p:cTn>
+                        </p:par>
+                      </p:childTnLst>
+                    </p:cTn>
+                  </p:par>
+                </p:childTnLst>
+              </p:cTn>
+              <p:prevCondLst>
+                <p:cond evt="onPrev" delay="0">
+                  <p:tgtEl>
+                    <p:sldTgt/>
+                  </p:tgtEl>
+                </p:cond>
+              </p:prevCondLst>
+              <p:nextCondLst>
+                <p:cond evt="onNext" delay="0">
+                  <p:tgtEl>
+                    <p:sldTgt/>
+                  </p:tgtEl>
+                </p:cond>
+              </p:nextCondLst>
+            </p:seq>
+          </p:childTnLst>
+        </p:cTn>
+      </p:par>
+    </p:tnLst>
+    <p:bldLst>
+      <p:bldP spid="14" grpId="0" animBg="1"/>
+      <p:bldP spid="15" grpId="0"/>
+      <p:bldP spid="12" grpId="0"/>
+      <p:bldP spid="16" grpId="0"/>
+      <p:bldP spid="13" grpId="0"/>
+    </p:bldLst>
+  </p:timing>
+</p:sld>
+</file>
+
 <file path=ppt/theme/theme1.xml><?xml version="1.0" encoding="utf-8"?>
 <a:theme xmlns:a="http://schemas.openxmlformats.org/drawingml/2006/main" name="Office 主题">
   <a:themeElements>
@@ -3654,4 +12465,299 @@
     </a:ext>
   </a:extLst>
 </a:theme>
+</file>
+
+<file path=ppt/theme/theme2.xml><?xml version="1.0" encoding="utf-8"?>
+<a:theme xmlns:a="http://schemas.openxmlformats.org/drawingml/2006/main" name="Office 主题​​">
+  <a:themeElements>
+    <a:clrScheme name="Office">
+      <a:dk1>
+        <a:sysClr val="windowText" lastClr="000000"/>
+      </a:dk1>
+      <a:lt1>
+        <a:sysClr val="window" lastClr="FFFFFF"/>
+      </a:lt1>
+      <a:dk2>
+        <a:srgbClr val="44546A"/>
+      </a:dk2>
+      <a:lt2>
+        <a:srgbClr val="E7E6E6"/>
+      </a:lt2>
+      <a:accent1>
+        <a:srgbClr val="4472C4"/>
+      </a:accent1>
+      <a:accent2>
+        <a:srgbClr val="ED7D31"/>
+      </a:accent2>
+      <a:accent3>
+        <a:srgbClr val="A5A5A5"/>
+      </a:accent3>
+      <a:accent4>
+        <a:srgbClr val="FFC000"/>
+      </a:accent4>
+      <a:accent5>
+        <a:srgbClr val="5B9BD5"/>
+      </a:accent5>
+      <a:accent6>
+        <a:srgbClr val="70AD47"/>
+      </a:accent6>
+      <a:hlink>
+        <a:srgbClr val="0563C1"/>
+      </a:hlink>
+      <a:folHlink>
+        <a:srgbClr val="954F72"/>
+      </a:folHlink>
+    </a:clrScheme>
+    <a:fontScheme name="Office">
+      <a:majorFont>
+        <a:latin typeface="等线 Light" panose="020F0302020204030204"/>
+        <a:ea typeface=""/>
+        <a:cs typeface=""/>
+        <a:font script="Jpan" typeface="游ゴシック Light"/>
+        <a:font script="Hang" typeface="맑은 고딕"/>
+        <a:font script="Hans" typeface="等线 Light"/>
+        <a:font script="Hant" typeface="新細明體"/>
+        <a:font script="Arab" typeface="Times New Roman"/>
+        <a:font script="Hebr" typeface="Times New Roman"/>
+        <a:font script="Thai" typeface="Angsana New"/>
+        <a:font script="Ethi" typeface="Nyala"/>
+        <a:font script="Beng" typeface="Vrinda"/>
+        <a:font script="Gujr" typeface="Shruti"/>
+        <a:font script="Khmr" typeface="MoolBoran"/>
+        <a:font script="Knda" typeface="Tunga"/>
+        <a:font script="Guru" typeface="Raavi"/>
+        <a:font script="Cans" typeface="Euphemia"/>
+        <a:font script="Cher" typeface="Plantagenet Cherokee"/>
+        <a:font script="Yiii" typeface="Microsoft Yi Baiti"/>
+        <a:font script="Tibt" typeface="Microsoft Himalaya"/>
+        <a:font script="Thaa" typeface="MV Boli"/>
+        <a:font script="Deva" typeface="Mangal"/>
+        <a:font script="Telu" typeface="Gautami"/>
+        <a:font script="Taml" typeface="Latha"/>
+        <a:font script="Syrc" typeface="Estrangelo Edessa"/>
+        <a:font script="Orya" typeface="Kalinga"/>
+        <a:font script="Mlym" typeface="Kartika"/>
+        <a:font script="Laoo" typeface="DokChampa"/>
+        <a:font script="Sinh" typeface="Iskoola Pota"/>
+        <a:font script="Mong" typeface="Mongolian Baiti"/>
+        <a:font script="Viet" typeface="Times New Roman"/>
+        <a:font script="Uigh" typeface="Microsoft Uighur"/>
+        <a:font script="Geor" typeface="Sylfaen"/>
+        <a:font script="Armn" typeface="Arial"/>
+        <a:font script="Bugi" typeface="Leelawadee UI"/>
+        <a:font script="Bopo" typeface="Microsoft JhengHei"/>
+        <a:font script="Java" typeface="Javanese Text"/>
+        <a:font script="Lisu" typeface="Segoe UI"/>
+        <a:font script="Mymr" typeface="Myanmar Text"/>
+        <a:font script="Nkoo" typeface="Ebrima"/>
+        <a:font script="Olck" typeface="Nirmala UI"/>
+        <a:font script="Osma" typeface="Ebrima"/>
+        <a:font script="Phag" typeface="Phagspa"/>
+        <a:font script="Syrn" typeface="Estrangelo Edessa"/>
+        <a:font script="Syrj" typeface="Estrangelo Edessa"/>
+        <a:font script="Syre" typeface="Estrangelo Edessa"/>
+        <a:font script="Sora" typeface="Nirmala UI"/>
+        <a:font script="Tale" typeface="Microsoft Tai Le"/>
+        <a:font script="Talu" typeface="Microsoft New Tai Lue"/>
+        <a:font script="Tfng" typeface="Ebrima"/>
+      </a:majorFont>
+      <a:minorFont>
+        <a:latin typeface="等线" panose="020F0502020204030204"/>
+        <a:ea typeface=""/>
+        <a:cs typeface=""/>
+        <a:font script="Jpan" typeface="游ゴシック"/>
+        <a:font script="Hang" typeface="맑은 고딕"/>
+        <a:font script="Hans" typeface="等线"/>
+        <a:font script="Hant" typeface="新細明體"/>
+        <a:font script="Arab" typeface="Arial"/>
+        <a:font script="Hebr" typeface="Arial"/>
+        <a:font script="Thai" typeface="Cordia New"/>
+        <a:font script="Ethi" typeface="Nyala"/>
+        <a:font script="Beng" typeface="Vrinda"/>
+        <a:font script="Gujr" typeface="Shruti"/>
+        <a:font script="Khmr" typeface="DaunPenh"/>
+        <a:font script="Knda" typeface="Tunga"/>
+        <a:font script="Guru" typeface="Raavi"/>
+        <a:font script="Cans" typeface="Euphemia"/>
+        <a:font script="Cher" typeface="Plantagenet Cherokee"/>
+        <a:font script="Yiii" typeface="Microsoft Yi Baiti"/>
+        <a:font script="Tibt" typeface="Microsoft Himalaya"/>
+        <a:font script="Thaa" typeface="MV Boli"/>
+        <a:font script="Deva" typeface="Mangal"/>
+        <a:font script="Telu" typeface="Gautami"/>
+        <a:font script="Taml" typeface="Latha"/>
+        <a:font script="Syrc" typeface="Estrangelo Edessa"/>
+        <a:font script="Orya" typeface="Kalinga"/>
+        <a:font script="Mlym" typeface="Kartika"/>
+        <a:font script="Laoo" typeface="DokChampa"/>
+        <a:font script="Sinh" typeface="Iskoola Pota"/>
+        <a:font script="Mong" typeface="Mongolian Baiti"/>
+        <a:font script="Viet" typeface="Arial"/>
+        <a:font script="Uigh" typeface="Microsoft Uighur"/>
+        <a:font script="Geor" typeface="Sylfaen"/>
+        <a:font script="Armn" typeface="Arial"/>
+        <a:font script="Bugi" typeface="Leelawadee UI"/>
+        <a:font script="Bopo" typeface="Microsoft JhengHei"/>
+        <a:font script="Java" typeface="Javanese Text"/>
+        <a:font script="Lisu" typeface="Segoe UI"/>
+        <a:font script="Mymr" typeface="Myanmar Text"/>
+        <a:font script="Nkoo" typeface="Ebrima"/>
+        <a:font script="Olck" typeface="Nirmala UI"/>
+        <a:font script="Osma" typeface="Ebrima"/>
+        <a:font script="Phag" typeface="Phagspa"/>
+        <a:font script="Syrn" typeface="Estrangelo Edessa"/>
+        <a:font script="Syrj" typeface="Estrangelo Edessa"/>
+        <a:font script="Syre" typeface="Estrangelo Edessa"/>
+        <a:font script="Sora" typeface="Nirmala UI"/>
+        <a:font script="Tale" typeface="Microsoft Tai Le"/>
+        <a:font script="Talu" typeface="Microsoft New Tai Lue"/>
+        <a:font script="Tfng" typeface="Ebrima"/>
+      </a:minorFont>
+    </a:fontScheme>
+    <a:fmtScheme name="Office">
+      <a:fillStyleLst>
+        <a:solidFill>
+          <a:schemeClr val="phClr"/>
+        </a:solidFill>
+        <a:gradFill rotWithShape="1">
+          <a:gsLst>
+            <a:gs pos="0">
+              <a:schemeClr val="phClr">
+                <a:lumMod val="110000"/>
+                <a:satMod val="105000"/>
+                <a:tint val="67000"/>
+              </a:schemeClr>
+            </a:gs>
+            <a:gs pos="50000">
+              <a:schemeClr val="phClr">
+                <a:lumMod val="105000"/>
+                <a:satMod val="103000"/>
+                <a:tint val="73000"/>
+              </a:schemeClr>
+            </a:gs>
+            <a:gs pos="100000">
+              <a:schemeClr val="phClr">
+                <a:lumMod val="105000"/>
+                <a:satMod val="109000"/>
+                <a:tint val="81000"/>
+              </a:schemeClr>
+            </a:gs>
+          </a:gsLst>
+          <a:lin ang="5400000" scaled="0"/>
+        </a:gradFill>
+        <a:gradFill rotWithShape="1">
+          <a:gsLst>
+            <a:gs pos="0">
+              <a:schemeClr val="phClr">
+                <a:satMod val="103000"/>
+                <a:lumMod val="102000"/>
+                <a:tint val="94000"/>
+              </a:schemeClr>
+            </a:gs>
+            <a:gs pos="50000">
+              <a:schemeClr val="phClr">
+                <a:satMod val="110000"/>
+                <a:lumMod val="100000"/>
+                <a:shade val="100000"/>
+              </a:schemeClr>
+            </a:gs>
+            <a:gs pos="100000">
+              <a:schemeClr val="phClr">
+                <a:lumMod val="99000"/>
+                <a:satMod val="120000"/>
+                <a:shade val="78000"/>
+              </a:schemeClr>
+            </a:gs>
+          </a:gsLst>
+          <a:lin ang="5400000" scaled="0"/>
+        </a:gradFill>
+      </a:fillStyleLst>
+      <a:lnStyleLst>
+        <a:ln w="6350" cap="flat" cmpd="sng" algn="ctr">
+          <a:solidFill>
+            <a:schemeClr val="phClr"/>
+          </a:solidFill>
+          <a:prstDash val="solid"/>
+          <a:miter lim="800000"/>
+        </a:ln>
+        <a:ln w="12700" cap="flat" cmpd="sng" algn="ctr">
+          <a:solidFill>
+            <a:schemeClr val="phClr"/>
+          </a:solidFill>
+          <a:prstDash val="solid"/>
+          <a:miter lim="800000"/>
+        </a:ln>
+        <a:ln w="19050" cap="flat" cmpd="sng" algn="ctr">
+          <a:solidFill>
+            <a:schemeClr val="phClr"/>
+          </a:solidFill>
+          <a:prstDash val="solid"/>
+          <a:miter lim="800000"/>
+        </a:ln>
+      </a:lnStyleLst>
+      <a:effectStyleLst>
+        <a:effectStyle>
+          <a:effectLst/>
+        </a:effectStyle>
+        <a:effectStyle>
+          <a:effectLst/>
+        </a:effectStyle>
+        <a:effectStyle>
+          <a:effectLst>
+            <a:outerShdw blurRad="57150" dist="19050" dir="5400000" algn="ctr" rotWithShape="0">
+              <a:srgbClr val="000000">
+                <a:alpha val="63000"/>
+              </a:srgbClr>
+            </a:outerShdw>
+          </a:effectLst>
+        </a:effectStyle>
+      </a:effectStyleLst>
+      <a:bgFillStyleLst>
+        <a:solidFill>
+          <a:schemeClr val="phClr"/>
+        </a:solidFill>
+        <a:solidFill>
+          <a:schemeClr val="phClr">
+            <a:tint val="95000"/>
+            <a:satMod val="170000"/>
+          </a:schemeClr>
+        </a:solidFill>
+        <a:gradFill rotWithShape="1">
+          <a:gsLst>
+            <a:gs pos="0">
+              <a:schemeClr val="phClr">
+                <a:tint val="93000"/>
+                <a:satMod val="150000"/>
+                <a:shade val="98000"/>
+                <a:lumMod val="102000"/>
+              </a:schemeClr>
+            </a:gs>
+            <a:gs pos="50000">
+              <a:schemeClr val="phClr">
+                <a:tint val="98000"/>
+                <a:satMod val="130000"/>
+                <a:shade val="90000"/>
+                <a:lumMod val="103000"/>
+              </a:schemeClr>
+            </a:gs>
+            <a:gs pos="100000">
+              <a:schemeClr val="phClr">
+                <a:shade val="63000"/>
+                <a:satMod val="120000"/>
+              </a:schemeClr>
+            </a:gs>
+          </a:gsLst>
+          <a:lin ang="5400000" scaled="0"/>
+        </a:gradFill>
+      </a:bgFillStyleLst>
+    </a:fmtScheme>
+  </a:themeElements>
+  <a:objectDefaults/>
+  <a:extraClrSchemeLst/>
+  <a:extLst>
+    <a:ext uri="{05A4C25C-085E-4340-85A3-A5531E510DB2}">
+      <thm15:themeFamily xmlns:thm15="http://schemas.microsoft.com/office/thememl/2012/main" name="Office Theme" id="{62F939B6-93AF-4DB8-9C6B-D6C7DFDC589F}" vid="{4A3C46E8-61CC-4603-A589-7422A47A8E4A}"/>
+    </a:ext>
+  </a:extLst>
+</a:theme>
 </file>